--- a/Python Ppt.pptx
+++ b/Python Ppt.pptx
@@ -5,7 +5,7 @@
     <p:sldMasterId id="2147483648" r:id="rId1"/>
   </p:sldMasterIdLst>
   <p:notesMasterIdLst>
-    <p:notesMasterId r:id="rId55"/>
+    <p:notesMasterId r:id="rId75"/>
   </p:notesMasterIdLst>
   <p:sldIdLst>
     <p:sldId id="257" r:id="rId2"/>
@@ -61,6 +61,26 @@
     <p:sldId id="310" r:id="rId52"/>
     <p:sldId id="311" r:id="rId53"/>
     <p:sldId id="315" r:id="rId54"/>
+    <p:sldId id="316" r:id="rId55"/>
+    <p:sldId id="317" r:id="rId56"/>
+    <p:sldId id="318" r:id="rId57"/>
+    <p:sldId id="319" r:id="rId58"/>
+    <p:sldId id="320" r:id="rId59"/>
+    <p:sldId id="321" r:id="rId60"/>
+    <p:sldId id="322" r:id="rId61"/>
+    <p:sldId id="323" r:id="rId62"/>
+    <p:sldId id="324" r:id="rId63"/>
+    <p:sldId id="325" r:id="rId64"/>
+    <p:sldId id="326" r:id="rId65"/>
+    <p:sldId id="327" r:id="rId66"/>
+    <p:sldId id="328" r:id="rId67"/>
+    <p:sldId id="329" r:id="rId68"/>
+    <p:sldId id="330" r:id="rId69"/>
+    <p:sldId id="331" r:id="rId70"/>
+    <p:sldId id="332" r:id="rId71"/>
+    <p:sldId id="333" r:id="rId72"/>
+    <p:sldId id="334" r:id="rId73"/>
+    <p:sldId id="335" r:id="rId74"/>
   </p:sldIdLst>
   <p:sldSz cx="12192000" cy="6858000"/>
   <p:notesSz cx="6858000" cy="9144000"/>
@@ -159,6 +179,11 @@
       </a:defRPr>
     </a:lvl9pPr>
   </p:defaultTextStyle>
+  <p:extLst>
+    <p:ext uri="{EFAFB233-063F-42B5-8137-9DF3F51BA10A}">
+      <p15:sldGuideLst xmlns:p15="http://schemas.microsoft.com/office/powerpoint/2012/main"/>
+    </p:ext>
+  </p:extLst>
 </p:presentation>
 </file>
 
@@ -244,7 +269,7 @@
           <a:p>
             <a:fld id="{E2FFF33B-0FD5-462F-A284-F3D36C628686}" type="datetimeFigureOut">
               <a:rPr lang="en-US" smtClean="0"/>
-              <a:t>8/25/2018</a:t>
+              <a:t>9/23/2018</a:t>
             </a:fld>
             <a:endParaRPr lang="en-US"/>
           </a:p>
@@ -615,7 +640,7 @@
         <p:nvSpPr>
           <p:cNvPr id="191490" name="Rectangle 2"/>
           <p:cNvSpPr txBox="1">
-            <a:spLocks noChangeArrowheads="1"/>
+            <a:spLocks noGrp="1" noChangeArrowheads="1"/>
           </p:cNvSpPr>
           <p:nvPr>
             <p:ph type="body"/>
@@ -784,7 +809,7 @@
         <p:nvSpPr>
           <p:cNvPr id="202754" name="Rectangle 2"/>
           <p:cNvSpPr txBox="1">
-            <a:spLocks noChangeArrowheads="1"/>
+            <a:spLocks noGrp="1" noChangeArrowheads="1"/>
           </p:cNvSpPr>
           <p:nvPr>
             <p:ph type="body"/>
@@ -953,7 +978,7 @@
         <p:nvSpPr>
           <p:cNvPr id="203778" name="Rectangle 2"/>
           <p:cNvSpPr txBox="1">
-            <a:spLocks noChangeArrowheads="1"/>
+            <a:spLocks noGrp="1" noChangeArrowheads="1"/>
           </p:cNvSpPr>
           <p:nvPr>
             <p:ph type="body"/>
@@ -1122,7 +1147,7 @@
         <p:nvSpPr>
           <p:cNvPr id="204802" name="Rectangle 2"/>
           <p:cNvSpPr txBox="1">
-            <a:spLocks noChangeArrowheads="1"/>
+            <a:spLocks noGrp="1" noChangeArrowheads="1"/>
           </p:cNvSpPr>
           <p:nvPr>
             <p:ph type="body"/>
@@ -1291,7 +1316,7 @@
         <p:nvSpPr>
           <p:cNvPr id="205826" name="Rectangle 2"/>
           <p:cNvSpPr txBox="1">
-            <a:spLocks noChangeArrowheads="1"/>
+            <a:spLocks noGrp="1" noChangeArrowheads="1"/>
           </p:cNvSpPr>
           <p:nvPr>
             <p:ph type="body"/>
@@ -1460,7 +1485,7 @@
         <p:nvSpPr>
           <p:cNvPr id="206850" name="Rectangle 2"/>
           <p:cNvSpPr txBox="1">
-            <a:spLocks noChangeArrowheads="1"/>
+            <a:spLocks noGrp="1" noChangeArrowheads="1"/>
           </p:cNvSpPr>
           <p:nvPr>
             <p:ph type="body"/>
@@ -1629,7 +1654,7 @@
         <p:nvSpPr>
           <p:cNvPr id="207874" name="Rectangle 2"/>
           <p:cNvSpPr txBox="1">
-            <a:spLocks noChangeArrowheads="1"/>
+            <a:spLocks noGrp="1" noChangeArrowheads="1"/>
           </p:cNvSpPr>
           <p:nvPr>
             <p:ph type="body"/>
@@ -1798,7 +1823,7 @@
         <p:nvSpPr>
           <p:cNvPr id="208898" name="Rectangle 2"/>
           <p:cNvSpPr txBox="1">
-            <a:spLocks noChangeArrowheads="1"/>
+            <a:spLocks noGrp="1" noChangeArrowheads="1"/>
           </p:cNvSpPr>
           <p:nvPr>
             <p:ph type="body"/>
@@ -1967,7 +1992,7 @@
         <p:nvSpPr>
           <p:cNvPr id="228354" name="Rectangle 2"/>
           <p:cNvSpPr txBox="1">
-            <a:spLocks noChangeArrowheads="1"/>
+            <a:spLocks noGrp="1" noChangeArrowheads="1"/>
           </p:cNvSpPr>
           <p:nvPr>
             <p:ph type="body"/>
@@ -2136,7 +2161,7 @@
         <p:nvSpPr>
           <p:cNvPr id="229378" name="Rectangle 2"/>
           <p:cNvSpPr txBox="1">
-            <a:spLocks noChangeArrowheads="1"/>
+            <a:spLocks noGrp="1" noChangeArrowheads="1"/>
           </p:cNvSpPr>
           <p:nvPr>
             <p:ph type="body"/>
@@ -2305,7 +2330,7 @@
         <p:nvSpPr>
           <p:cNvPr id="231426" name="Rectangle 2"/>
           <p:cNvSpPr txBox="1">
-            <a:spLocks noChangeArrowheads="1"/>
+            <a:spLocks noGrp="1" noChangeArrowheads="1"/>
           </p:cNvSpPr>
           <p:nvPr>
             <p:ph type="body"/>
@@ -2474,7 +2499,7 @@
         <p:nvSpPr>
           <p:cNvPr id="192514" name="Rectangle 2"/>
           <p:cNvSpPr txBox="1">
-            <a:spLocks noChangeArrowheads="1"/>
+            <a:spLocks noGrp="1" noChangeArrowheads="1"/>
           </p:cNvSpPr>
           <p:nvPr>
             <p:ph type="body"/>
@@ -2643,7 +2668,7 @@
         <p:nvSpPr>
           <p:cNvPr id="193538" name="Rectangle 2"/>
           <p:cNvSpPr txBox="1">
-            <a:spLocks noChangeArrowheads="1"/>
+            <a:spLocks noGrp="1" noChangeArrowheads="1"/>
           </p:cNvSpPr>
           <p:nvPr>
             <p:ph type="body"/>
@@ -2812,7 +2837,7 @@
         <p:nvSpPr>
           <p:cNvPr id="194562" name="Rectangle 2"/>
           <p:cNvSpPr txBox="1">
-            <a:spLocks noChangeArrowheads="1"/>
+            <a:spLocks noGrp="1" noChangeArrowheads="1"/>
           </p:cNvSpPr>
           <p:nvPr>
             <p:ph type="body"/>
@@ -2981,7 +3006,7 @@
         <p:nvSpPr>
           <p:cNvPr id="195586" name="Rectangle 2"/>
           <p:cNvSpPr txBox="1">
-            <a:spLocks noChangeArrowheads="1"/>
+            <a:spLocks noGrp="1" noChangeArrowheads="1"/>
           </p:cNvSpPr>
           <p:nvPr>
             <p:ph type="body"/>
@@ -3150,7 +3175,7 @@
         <p:nvSpPr>
           <p:cNvPr id="197634" name="Rectangle 2"/>
           <p:cNvSpPr txBox="1">
-            <a:spLocks noChangeArrowheads="1"/>
+            <a:spLocks noGrp="1" noChangeArrowheads="1"/>
           </p:cNvSpPr>
           <p:nvPr>
             <p:ph type="body"/>
@@ -3319,7 +3344,7 @@
         <p:nvSpPr>
           <p:cNvPr id="198658" name="Rectangle 2"/>
           <p:cNvSpPr txBox="1">
-            <a:spLocks noChangeArrowheads="1"/>
+            <a:spLocks noGrp="1" noChangeArrowheads="1"/>
           </p:cNvSpPr>
           <p:nvPr>
             <p:ph type="body"/>
@@ -3488,7 +3513,7 @@
         <p:nvSpPr>
           <p:cNvPr id="199682" name="Rectangle 2"/>
           <p:cNvSpPr txBox="1">
-            <a:spLocks noChangeArrowheads="1"/>
+            <a:spLocks noGrp="1" noChangeArrowheads="1"/>
           </p:cNvSpPr>
           <p:nvPr>
             <p:ph type="body"/>
@@ -3657,7 +3682,7 @@
         <p:nvSpPr>
           <p:cNvPr id="201730" name="Rectangle 2"/>
           <p:cNvSpPr txBox="1">
-            <a:spLocks noChangeArrowheads="1"/>
+            <a:spLocks noGrp="1" noChangeArrowheads="1"/>
           </p:cNvSpPr>
           <p:nvPr>
             <p:ph type="body"/>
@@ -3854,7 +3879,7 @@
           <a:p>
             <a:fld id="{13811DC7-D497-4C47-8996-C2BB4E9AA663}" type="datetimeFigureOut">
               <a:rPr lang="en-US" smtClean="0"/>
-              <a:t>8/22/2018</a:t>
+              <a:t>9/23/2018</a:t>
             </a:fld>
             <a:endParaRPr lang="en-US"/>
           </a:p>
@@ -4024,7 +4049,7 @@
           <a:p>
             <a:fld id="{13811DC7-D497-4C47-8996-C2BB4E9AA663}" type="datetimeFigureOut">
               <a:rPr lang="en-US" smtClean="0"/>
-              <a:t>8/22/2018</a:t>
+              <a:t>9/23/2018</a:t>
             </a:fld>
             <a:endParaRPr lang="en-US"/>
           </a:p>
@@ -4204,7 +4229,7 @@
           <a:p>
             <a:fld id="{13811DC7-D497-4C47-8996-C2BB4E9AA663}" type="datetimeFigureOut">
               <a:rPr lang="en-US" smtClean="0"/>
-              <a:t>8/22/2018</a:t>
+              <a:t>9/23/2018</a:t>
             </a:fld>
             <a:endParaRPr lang="en-US"/>
           </a:p>
@@ -4374,7 +4399,7 @@
           <a:p>
             <a:fld id="{13811DC7-D497-4C47-8996-C2BB4E9AA663}" type="datetimeFigureOut">
               <a:rPr lang="en-US" smtClean="0"/>
-              <a:t>8/22/2018</a:t>
+              <a:t>9/23/2018</a:t>
             </a:fld>
             <a:endParaRPr lang="en-US"/>
           </a:p>
@@ -4620,7 +4645,7 @@
           <a:p>
             <a:fld id="{13811DC7-D497-4C47-8996-C2BB4E9AA663}" type="datetimeFigureOut">
               <a:rPr lang="en-US" smtClean="0"/>
-              <a:t>8/22/2018</a:t>
+              <a:t>9/23/2018</a:t>
             </a:fld>
             <a:endParaRPr lang="en-US"/>
           </a:p>
@@ -4852,7 +4877,7 @@
           <a:p>
             <a:fld id="{13811DC7-D497-4C47-8996-C2BB4E9AA663}" type="datetimeFigureOut">
               <a:rPr lang="en-US" smtClean="0"/>
-              <a:t>8/22/2018</a:t>
+              <a:t>9/23/2018</a:t>
             </a:fld>
             <a:endParaRPr lang="en-US"/>
           </a:p>
@@ -5219,7 +5244,7 @@
           <a:p>
             <a:fld id="{13811DC7-D497-4C47-8996-C2BB4E9AA663}" type="datetimeFigureOut">
               <a:rPr lang="en-US" smtClean="0"/>
-              <a:t>8/22/2018</a:t>
+              <a:t>9/23/2018</a:t>
             </a:fld>
             <a:endParaRPr lang="en-US"/>
           </a:p>
@@ -5337,7 +5362,7 @@
           <a:p>
             <a:fld id="{13811DC7-D497-4C47-8996-C2BB4E9AA663}" type="datetimeFigureOut">
               <a:rPr lang="en-US" smtClean="0"/>
-              <a:t>8/22/2018</a:t>
+              <a:t>9/23/2018</a:t>
             </a:fld>
             <a:endParaRPr lang="en-US"/>
           </a:p>
@@ -5432,7 +5457,7 @@
           <a:p>
             <a:fld id="{13811DC7-D497-4C47-8996-C2BB4E9AA663}" type="datetimeFigureOut">
               <a:rPr lang="en-US" smtClean="0"/>
-              <a:t>8/22/2018</a:t>
+              <a:t>9/23/2018</a:t>
             </a:fld>
             <a:endParaRPr lang="en-US"/>
           </a:p>
@@ -5709,7 +5734,7 @@
           <a:p>
             <a:fld id="{13811DC7-D497-4C47-8996-C2BB4E9AA663}" type="datetimeFigureOut">
               <a:rPr lang="en-US" smtClean="0"/>
-              <a:t>8/22/2018</a:t>
+              <a:t>9/23/2018</a:t>
             </a:fld>
             <a:endParaRPr lang="en-US"/>
           </a:p>
@@ -5962,7 +5987,7 @@
           <a:p>
             <a:fld id="{13811DC7-D497-4C47-8996-C2BB4E9AA663}" type="datetimeFigureOut">
               <a:rPr lang="en-US" smtClean="0"/>
-              <a:t>8/22/2018</a:t>
+              <a:t>9/23/2018</a:t>
             </a:fld>
             <a:endParaRPr lang="en-US"/>
           </a:p>
@@ -6175,7 +6200,7 @@
           <a:p>
             <a:fld id="{13811DC7-D497-4C47-8996-C2BB4E9AA663}" type="datetimeFigureOut">
               <a:rPr lang="en-US" smtClean="0"/>
-              <a:t>8/22/2018</a:t>
+              <a:t>9/23/2018</a:t>
             </a:fld>
             <a:endParaRPr lang="en-US"/>
           </a:p>
@@ -6776,11 +6801,11 @@
   <p:clrMapOvr>
     <a:masterClrMapping/>
   </p:clrMapOvr>
-  <mc:AlternateContent xmlns:mc="http://schemas.openxmlformats.org/markup-compatibility/2006">
-    <mc:Choice xmlns:p14="http://schemas.microsoft.com/office/powerpoint/2010/main" Requires="p14">
+  <mc:AlternateContent xmlns:mc="http://schemas.openxmlformats.org/markup-compatibility/2006" xmlns:p14="http://schemas.microsoft.com/office/powerpoint/2010/main">
+    <mc:Choice Requires="p14">
       <p:transition p14:dur="0"/>
     </mc:Choice>
-    <mc:Fallback>
+    <mc:Fallback xmlns="">
       <p:transition/>
     </mc:Fallback>
   </mc:AlternateContent>
@@ -7142,11 +7167,11 @@
   <p:clrMapOvr>
     <a:masterClrMapping/>
   </p:clrMapOvr>
-  <mc:AlternateContent xmlns:mc="http://schemas.openxmlformats.org/markup-compatibility/2006">
-    <mc:Choice xmlns:p14="http://schemas.microsoft.com/office/powerpoint/2010/main" Requires="p14">
+  <mc:AlternateContent xmlns:mc="http://schemas.openxmlformats.org/markup-compatibility/2006" xmlns:p14="http://schemas.microsoft.com/office/powerpoint/2010/main">
+    <mc:Choice Requires="p14">
       <p:transition p14:dur="0"/>
     </mc:Choice>
-    <mc:Fallback>
+    <mc:Fallback xmlns="">
       <p:transition/>
     </mc:Fallback>
   </mc:AlternateContent>
@@ -7289,11 +7314,11 @@
   <p:clrMapOvr>
     <a:masterClrMapping/>
   </p:clrMapOvr>
-  <mc:AlternateContent xmlns:mc="http://schemas.openxmlformats.org/markup-compatibility/2006">
-    <mc:Choice xmlns:p14="http://schemas.microsoft.com/office/powerpoint/2010/main" Requires="p14">
+  <mc:AlternateContent xmlns:mc="http://schemas.openxmlformats.org/markup-compatibility/2006" xmlns:p14="http://schemas.microsoft.com/office/powerpoint/2010/main">
+    <mc:Choice Requires="p14">
       <p:transition p14:dur="0"/>
     </mc:Choice>
-    <mc:Fallback>
+    <mc:Fallback xmlns="">
       <p:transition/>
     </mc:Fallback>
   </mc:AlternateContent>
@@ -7433,92 +7458,132 @@
               </a:tabLst>
             </a:pPr>
             <a:r>
-              <a:rPr lang="en-GB" altLang="en-US" sz="2359"/>
+              <a:rPr lang="en-GB" altLang="en-US" sz="2359" dirty="0"/>
               <a:t>Example types.py:</a:t>
             </a:r>
             <a:br>
-              <a:rPr lang="en-GB" altLang="en-US" sz="2359"/>
+              <a:rPr lang="en-GB" altLang="en-US" sz="2359" dirty="0"/>
             </a:br>
             <a:r>
-              <a:rPr lang="en-GB" altLang="en-US" sz="2359"/>
+              <a:rPr lang="en-GB" altLang="en-US" sz="2359" dirty="0"/>
               <a:t>pi = 3.1415926</a:t>
             </a:r>
             <a:br>
-              <a:rPr lang="en-GB" altLang="en-US" sz="2359"/>
+              <a:rPr lang="en-GB" altLang="en-US" sz="2359" dirty="0"/>
             </a:br>
             <a:r>
-              <a:rPr lang="en-GB" altLang="en-US" sz="2359"/>
+              <a:rPr lang="en-GB" altLang="en-US" sz="2359" dirty="0"/>
               <a:t>message = "Hello, world"</a:t>
             </a:r>
             <a:br>
-              <a:rPr lang="en-GB" altLang="en-US" sz="2359"/>
+              <a:rPr lang="en-GB" altLang="en-US" sz="2359" dirty="0"/>
             </a:br>
             <a:r>
-              <a:rPr lang="en-GB" altLang="en-US" sz="2359"/>
-              <a:t>i = 2+2</a:t>
+              <a:rPr lang="en-GB" altLang="en-US" sz="2359" dirty="0" err="1"/>
+              <a:t>i</a:t>
+            </a:r>
+            <a:r>
+              <a:rPr lang="en-GB" altLang="en-US" sz="2359" dirty="0"/>
+              <a:t> = 2+2</a:t>
             </a:r>
             <a:br>
-              <a:rPr lang="en-GB" altLang="en-US" sz="2359"/>
+              <a:rPr lang="en-GB" altLang="en-US" sz="2359" dirty="0"/>
             </a:br>
             <a:r>
-              <a:rPr lang="en-GB" altLang="en-US" sz="2359"/>
+              <a:rPr lang="en-GB" altLang="en-US" sz="2359" dirty="0"/>
               <a:t/>
             </a:r>
             <a:br>
-              <a:rPr lang="en-GB" altLang="en-US" sz="2359"/>
+              <a:rPr lang="en-GB" altLang="en-US" sz="2359" dirty="0"/>
             </a:br>
             <a:r>
-              <a:rPr lang="en-GB" altLang="en-US" sz="2359"/>
-              <a:t>print type(pi)</a:t>
+              <a:rPr lang="en-GB" altLang="en-US" sz="2359" dirty="0" smtClean="0"/>
+              <a:t>print(type(pi))</a:t>
+            </a:r>
+            <a:r>
+              <a:rPr lang="en-GB" altLang="en-US" sz="2359" dirty="0"/>
+              <a:t/>
             </a:r>
             <a:br>
-              <a:rPr lang="en-GB" altLang="en-US" sz="2359"/>
+              <a:rPr lang="en-GB" altLang="en-US" sz="2359" dirty="0"/>
             </a:br>
             <a:r>
-              <a:rPr lang="en-GB" altLang="en-US" sz="2359"/>
-              <a:t>print type(message)</a:t>
+              <a:rPr lang="en-GB" altLang="en-US" sz="2359" dirty="0" smtClean="0"/>
+              <a:t>print(type(message))</a:t>
+            </a:r>
+            <a:r>
+              <a:rPr lang="en-GB" altLang="en-US" sz="2359" dirty="0"/>
+              <a:t/>
             </a:r>
             <a:br>
-              <a:rPr lang="en-GB" altLang="en-US" sz="2359"/>
+              <a:rPr lang="en-GB" altLang="en-US" sz="2359" dirty="0"/>
             </a:br>
             <a:r>
-              <a:rPr lang="en-GB" altLang="en-US" sz="2359"/>
-              <a:t>print type(i)</a:t>
+              <a:rPr lang="en-GB" altLang="en-US" sz="2359" dirty="0" smtClean="0"/>
+              <a:t>print(type(</a:t>
+            </a:r>
+            <a:r>
+              <a:rPr lang="en-GB" altLang="en-US" sz="2359" dirty="0" err="1" smtClean="0"/>
+              <a:t>i</a:t>
+            </a:r>
+            <a:r>
+              <a:rPr lang="en-GB" altLang="en-US" sz="2359" dirty="0" smtClean="0"/>
+              <a:t>))</a:t>
+            </a:r>
+            <a:r>
+              <a:rPr lang="en-GB" altLang="en-US" sz="2359" dirty="0"/>
+              <a:t/>
             </a:r>
             <a:br>
-              <a:rPr lang="en-GB" altLang="en-US" sz="2359"/>
+              <a:rPr lang="en-GB" altLang="en-US" sz="2359" dirty="0"/>
             </a:br>
             <a:r>
-              <a:rPr lang="en-GB" altLang="en-US" sz="2359"/>
+              <a:rPr lang="en-GB" altLang="en-US" sz="2359" dirty="0"/>
               <a:t/>
             </a:r>
             <a:br>
-              <a:rPr lang="en-GB" altLang="en-US" sz="2359"/>
+              <a:rPr lang="en-GB" altLang="en-US" sz="2359" dirty="0"/>
             </a:br>
             <a:r>
-              <a:rPr lang="en-GB" altLang="en-US" sz="2359"/>
+              <a:rPr lang="en-GB" altLang="en-US" sz="2359" dirty="0"/>
               <a:t>Output:</a:t>
             </a:r>
             <a:br>
-              <a:rPr lang="en-GB" altLang="en-US" sz="2359"/>
+              <a:rPr lang="en-GB" altLang="en-US" sz="2359" dirty="0"/>
             </a:br>
             <a:r>
-              <a:rPr lang="en-GB" altLang="en-US" sz="2359"/>
+              <a:rPr lang="en-GB" altLang="en-US" sz="2359" dirty="0"/>
               <a:t>&lt;type 'float'&gt;</a:t>
             </a:r>
             <a:br>
-              <a:rPr lang="en-GB" altLang="en-US" sz="2359"/>
+              <a:rPr lang="en-GB" altLang="en-US" sz="2359" dirty="0"/>
             </a:br>
             <a:r>
-              <a:rPr lang="en-GB" altLang="en-US" sz="2359"/>
-              <a:t>&lt;type 'str'&gt;</a:t>
+              <a:rPr lang="en-GB" altLang="en-US" sz="2359" dirty="0"/>
+              <a:t>&lt;type '</a:t>
+            </a:r>
+            <a:r>
+              <a:rPr lang="en-GB" altLang="en-US" sz="2359" dirty="0" err="1"/>
+              <a:t>str</a:t>
+            </a:r>
+            <a:r>
+              <a:rPr lang="en-GB" altLang="en-US" sz="2359" dirty="0"/>
+              <a:t>'&gt;</a:t>
             </a:r>
             <a:br>
-              <a:rPr lang="en-GB" altLang="en-US" sz="2359"/>
+              <a:rPr lang="en-GB" altLang="en-US" sz="2359" dirty="0"/>
             </a:br>
             <a:r>
-              <a:rPr lang="en-GB" altLang="en-US" sz="2359"/>
-              <a:t>&lt;type 'int'&gt;</a:t>
+              <a:rPr lang="en-GB" altLang="en-US" sz="2359" dirty="0"/>
+              <a:t>&lt;type '</a:t>
+            </a:r>
+            <a:r>
+              <a:rPr lang="en-GB" altLang="en-US" sz="2359" dirty="0" err="1"/>
+              <a:t>int</a:t>
+            </a:r>
+            <a:r>
+              <a:rPr lang="en-GB" altLang="en-US" sz="2359" dirty="0"/>
+              <a:t>'&gt;</a:t>
             </a:r>
           </a:p>
         </p:txBody>
@@ -7591,7 +7656,7 @@
   <p:timing>
     <p:tnLst>
       <p:par>
-        <p:cTn id="1" dur="indefinite" nodeType="tmRoot">
+        <p:cTn id="1" dur="indefinite" restart="never" nodeType="tmRoot">
           <p:childTnLst>
             <p:seq concurrent="1" nextAc="seek">
               <p:cTn id="2" dur="indefinite" nodeType="mainSeq"/>
@@ -7913,7 +7978,7 @@
   <p:timing>
     <p:tnLst>
       <p:par>
-        <p:cTn id="1" dur="indefinite" nodeType="tmRoot">
+        <p:cTn id="1" dur="indefinite" restart="never" nodeType="tmRoot">
           <p:childTnLst>
             <p:seq concurrent="1" nextAc="seek">
               <p:cTn id="2" dur="indefinite" nodeType="mainSeq"/>
@@ -8261,7 +8326,7 @@
   <p:timing>
     <p:tnLst>
       <p:par>
-        <p:cTn id="1" dur="indefinite" nodeType="tmRoot">
+        <p:cTn id="1" dur="indefinite" restart="never" nodeType="tmRoot">
           <p:childTnLst>
             <p:seq concurrent="1" nextAc="seek">
               <p:cTn id="2" dur="indefinite" nodeType="mainSeq"/>
@@ -8683,7 +8748,7 @@
   <p:timing>
     <p:tnLst>
       <p:par>
-        <p:cTn id="1" dur="indefinite" nodeType="tmRoot">
+        <p:cTn id="1" dur="indefinite" restart="never" nodeType="tmRoot">
           <p:childTnLst>
             <p:seq concurrent="1" nextAc="seek">
               <p:cTn id="2" dur="indefinite" nodeType="mainSeq"/>
@@ -8874,40 +8939,68 @@
               </a:tabLst>
             </a:pPr>
             <a:r>
+              <a:rPr lang="en-GB" altLang="en-US" sz="2400" dirty="0"/>
+              <a:t>p</a:t>
+            </a:r>
+            <a:r>
               <a:rPr lang="en-GB" altLang="en-US" sz="2400" dirty="0" smtClean="0"/>
-              <a:t>print </a:t>
+              <a:t>rint(2*2)</a:t>
             </a:r>
             <a:r>
               <a:rPr lang="en-GB" altLang="en-US" sz="2400" dirty="0"/>
-              <a:t>2*2</a:t>
+              <a:t/>
             </a:r>
             <a:br>
               <a:rPr lang="en-GB" altLang="en-US" sz="2400" dirty="0"/>
             </a:br>
             <a:r>
+              <a:rPr lang="en-GB" altLang="en-US" sz="2400" dirty="0" smtClean="0"/>
+              <a:t>print(2</a:t>
+            </a:r>
+            <a:r>
               <a:rPr lang="en-GB" altLang="en-US" sz="2400" dirty="0"/>
-              <a:t>print 2**3</a:t>
+              <a:t>**</a:t>
+            </a:r>
+            <a:r>
+              <a:rPr lang="en-GB" altLang="en-US" sz="2400" dirty="0" smtClean="0"/>
+              <a:t>3)</a:t>
+            </a:r>
+            <a:r>
+              <a:rPr lang="en-GB" altLang="en-US" sz="2400" dirty="0"/>
+              <a:t/>
             </a:r>
             <a:br>
               <a:rPr lang="en-GB" altLang="en-US" sz="2400" dirty="0"/>
             </a:br>
             <a:r>
+              <a:rPr lang="en-GB" altLang="en-US" sz="2400" dirty="0" smtClean="0"/>
+              <a:t>print(10%3)</a:t>
+            </a:r>
+            <a:r>
               <a:rPr lang="en-GB" altLang="en-US" sz="2400" dirty="0"/>
-              <a:t>print 10%3</a:t>
+              <a:t/>
             </a:r>
             <a:br>
               <a:rPr lang="en-GB" altLang="en-US" sz="2400" dirty="0"/>
             </a:br>
             <a:r>
+              <a:rPr lang="en-GB" altLang="en-US" sz="2400" dirty="0" smtClean="0"/>
+              <a:t>print(1.0/2.0)</a:t>
+            </a:r>
+            <a:r>
               <a:rPr lang="en-GB" altLang="en-US" sz="2400" dirty="0"/>
-              <a:t>print 1.0/2.0</a:t>
+              <a:t/>
             </a:r>
             <a:br>
               <a:rPr lang="en-GB" altLang="en-US" sz="2400" dirty="0"/>
             </a:br>
             <a:r>
+              <a:rPr lang="en-GB" altLang="en-US" sz="2400" dirty="0" smtClean="0"/>
+              <a:t>print(1/2)</a:t>
+            </a:r>
+            <a:r>
               <a:rPr lang="en-GB" altLang="en-US" sz="2400" dirty="0"/>
-              <a:t>print 1/2</a:t>
+              <a:t/>
             </a:r>
             <a:br>
               <a:rPr lang="en-GB" altLang="en-US" sz="2400" dirty="0"/>
@@ -9083,8 +9176,8 @@
         </p:nvSpPr>
         <p:spPr>
           <a:xfrm>
-            <a:off x="6078583" y="1376786"/>
-            <a:ext cx="6322474" cy="5184544"/>
+            <a:off x="4598126" y="1594501"/>
+            <a:ext cx="6322474" cy="2193728"/>
           </a:xfrm>
           <a:prstGeom prst="rect">
             <a:avLst/>
@@ -9328,7 +9421,7 @@
             </a:br>
             <a:r>
               <a:rPr lang="en-GB" altLang="en-US" sz="2400" dirty="0" smtClean="0"/>
-              <a:t>0</a:t>
+              <a:t>0.5</a:t>
             </a:r>
           </a:p>
         </p:txBody>
@@ -9401,7 +9494,7 @@
   <p:timing>
     <p:tnLst>
       <p:par>
-        <p:cTn id="1" dur="indefinite" nodeType="tmRoot">
+        <p:cTn id="1" dur="indefinite" restart="never" nodeType="tmRoot">
           <p:childTnLst>
             <p:seq concurrent="1" nextAc="seek">
               <p:cTn id="2" dur="indefinite" nodeType="mainSeq"/>
@@ -9557,11 +9650,7 @@
             </a:r>
             <a:r>
               <a:rPr lang="en-US" altLang="en-US" sz="2200" i="1" dirty="0" smtClean="0"/>
-              <a:t>#</a:t>
-            </a:r>
-            <a:r>
-              <a:rPr lang="en-US" altLang="en-US" sz="2200" i="1" dirty="0" smtClean="0"/>
-              <a:t>Use “find” to find the start of a substring.</a:t>
+              <a:t>#Use “find” to find the start of a substring.</a:t>
             </a:r>
             <a:endParaRPr lang="en-US" altLang="en-US" sz="2200" i="1" dirty="0"/>
           </a:p>
@@ -9603,11 +9692,7 @@
             </a:r>
             <a:r>
               <a:rPr lang="en-US" altLang="en-US" sz="2200" i="1" dirty="0" smtClean="0"/>
-              <a:t>#</a:t>
-            </a:r>
-            <a:r>
-              <a:rPr lang="en-US" altLang="en-US" sz="2200" i="1" dirty="0" smtClean="0"/>
-              <a:t>Start looking at position 10.</a:t>
+              <a:t>#Start looking at position 10.</a:t>
             </a:r>
             <a:endParaRPr lang="en-US" altLang="en-US" sz="2200" dirty="0"/>
           </a:p>
@@ -9628,11 +9713,7 @@
             </a:r>
             <a:r>
               <a:rPr lang="en-US" altLang="en-US" sz="2200" i="1" dirty="0" smtClean="0"/>
-              <a:t>#</a:t>
-            </a:r>
-            <a:r>
-              <a:rPr lang="en-US" altLang="en-US" sz="2200" i="1" dirty="0" smtClean="0"/>
-              <a:t>Find returns -1 if it couldn’t find a match.</a:t>
+              <a:t>#Find returns -1 if it couldn’t find a match.</a:t>
             </a:r>
             <a:endParaRPr lang="en-US" altLang="en-US" sz="2200" i="1" dirty="0"/>
           </a:p>
@@ -9653,11 +9734,7 @@
             </a:r>
             <a:r>
               <a:rPr lang="en-US" altLang="en-US" sz="2200" dirty="0" smtClean="0"/>
-              <a:t>(".")		#</a:t>
-            </a:r>
-            <a:r>
-              <a:rPr lang="en-US" altLang="en-US" sz="2200" dirty="0" smtClean="0"/>
-              <a:t>Split the string into parts with “.” as the delimiter</a:t>
+              <a:t>(".")		#Split the string into parts with “.” as the delimiter</a:t>
             </a:r>
             <a:endParaRPr lang="en-US" altLang="en-US" sz="2200" dirty="0"/>
           </a:p>
@@ -9895,7 +9972,7 @@
               <a:buNone/>
             </a:pPr>
             <a:r>
-              <a:rPr lang="en-US" altLang="en-US"/>
+              <a:rPr lang="en-US" altLang="en-US" dirty="0"/>
               <a:t>if "Br" in “Brother”:</a:t>
             </a:r>
           </a:p>
@@ -9905,16 +9982,29 @@
               <a:buNone/>
             </a:pPr>
             <a:r>
-              <a:rPr lang="en-US" altLang="en-US"/>
-              <a:t>	print "contains brother“</a:t>
-            </a:r>
+              <a:rPr lang="en-US" altLang="en-US" dirty="0"/>
+              <a:t>	</a:t>
+            </a:r>
+            <a:r>
+              <a:rPr lang="en-US" altLang="en-US" dirty="0" smtClean="0"/>
+              <a:t>print("contains </a:t>
+            </a:r>
+            <a:r>
+              <a:rPr lang="en-US" altLang="en-US" dirty="0"/>
+              <a:t>brother</a:t>
+            </a:r>
+            <a:r>
+              <a:rPr lang="en-US" altLang="en-US" dirty="0" smtClean="0"/>
+              <a:t>“)</a:t>
+            </a:r>
+            <a:endParaRPr lang="en-US" altLang="en-US" dirty="0"/>
           </a:p>
           <a:p>
             <a:pPr>
               <a:buFont typeface="Wingdings" panose="05000000000000000000" pitchFamily="2" charset="2"/>
               <a:buNone/>
             </a:pPr>
-            <a:endParaRPr lang="en-US" altLang="en-US"/>
+            <a:endParaRPr lang="en-US" altLang="en-US" dirty="0"/>
           </a:p>
           <a:p>
             <a:pPr>
@@ -9922,8 +10012,20 @@
               <a:buNone/>
             </a:pPr>
             <a:r>
-              <a:rPr lang="en-US" altLang="en-US"/>
-              <a:t>email_address = “clin”</a:t>
+              <a:rPr lang="en-US" altLang="en-US" dirty="0" err="1"/>
+              <a:t>email_address</a:t>
+            </a:r>
+            <a:r>
+              <a:rPr lang="en-US" altLang="en-US" dirty="0"/>
+              <a:t> = “</a:t>
+            </a:r>
+            <a:r>
+              <a:rPr lang="en-US" altLang="en-US" dirty="0" err="1"/>
+              <a:t>clin</a:t>
+            </a:r>
+            <a:r>
+              <a:rPr lang="en-US" altLang="en-US" dirty="0"/>
+              <a:t>”</a:t>
             </a:r>
           </a:p>
           <a:p>
@@ -9932,8 +10034,16 @@
               <a:buNone/>
             </a:pPr>
             <a:r>
-              <a:rPr lang="en-US" altLang="en-US"/>
-              <a:t>if "@" not in email_address:</a:t>
+              <a:rPr lang="en-US" altLang="en-US" dirty="0"/>
+              <a:t>if "@" not in </a:t>
+            </a:r>
+            <a:r>
+              <a:rPr lang="en-US" altLang="en-US" dirty="0" err="1"/>
+              <a:t>email_address</a:t>
+            </a:r>
+            <a:r>
+              <a:rPr lang="en-US" altLang="en-US" dirty="0"/>
+              <a:t>:</a:t>
             </a:r>
           </a:p>
           <a:p>
@@ -9942,8 +10052,16 @@
               <a:buNone/>
             </a:pPr>
             <a:r>
-              <a:rPr lang="en-US" altLang="en-US"/>
-              <a:t>	email_address += "@brandeis.edu“</a:t>
+              <a:rPr lang="en-US" altLang="en-US" dirty="0"/>
+              <a:t>	</a:t>
+            </a:r>
+            <a:r>
+              <a:rPr lang="en-US" altLang="en-US" dirty="0" err="1"/>
+              <a:t>email_address</a:t>
+            </a:r>
+            <a:r>
+              <a:rPr lang="en-US" altLang="en-US" dirty="0"/>
+              <a:t> += "@brandeis.edu“</a:t>
             </a:r>
           </a:p>
           <a:p>
@@ -9951,7 +10069,7 @@
               <a:buFont typeface="Wingdings" panose="05000000000000000000" pitchFamily="2" charset="2"/>
               <a:buNone/>
             </a:pPr>
-            <a:endParaRPr lang="en-US" altLang="en-US"/>
+            <a:endParaRPr lang="en-US" altLang="en-US" dirty="0"/>
           </a:p>
         </p:txBody>
       </p:sp>
@@ -10477,11 +10595,11 @@
   <p:clrMapOvr>
     <a:masterClrMapping/>
   </p:clrMapOvr>
-  <mc:AlternateContent xmlns:mc="http://schemas.openxmlformats.org/markup-compatibility/2006">
-    <mc:Choice xmlns:p14="http://schemas.microsoft.com/office/powerpoint/2010/main" Requires="p14">
+  <mc:AlternateContent xmlns:mc="http://schemas.openxmlformats.org/markup-compatibility/2006" xmlns:p14="http://schemas.microsoft.com/office/powerpoint/2010/main">
+    <mc:Choice Requires="p14">
       <p:transition p14:dur="0"/>
     </mc:Choice>
-    <mc:Fallback>
+    <mc:Fallback xmlns="">
       <p:transition/>
     </mc:Fallback>
   </mc:AlternateContent>
@@ -11707,6 +11825,13 @@
   <p:clrMapOvr>
     <a:masterClrMapping/>
   </p:clrMapOvr>
+  <p:timing>
+    <p:tnLst>
+      <p:par>
+        <p:cTn id="1" dur="indefinite" restart="never" nodeType="tmRoot"/>
+      </p:par>
+    </p:tnLst>
+  </p:timing>
 </p:sld>
 </file>
 
@@ -12432,6 +12557,13 @@
   <p:clrMapOvr>
     <a:masterClrMapping/>
   </p:clrMapOvr>
+  <p:timing>
+    <p:tnLst>
+      <p:par>
+        <p:cTn id="1" dur="indefinite" restart="never" nodeType="tmRoot"/>
+      </p:par>
+    </p:tnLst>
+  </p:timing>
 </p:sld>
 </file>
 
@@ -12669,8 +12801,12 @@
               <a:rPr lang="en-GB" altLang="en-US" dirty="0"/>
             </a:br>
             <a:r>
+              <a:rPr lang="en-GB" altLang="en-US" dirty="0" smtClean="0"/>
+              <a:t>0.5</a:t>
+            </a:r>
+            <a:r>
               <a:rPr lang="en-GB" altLang="en-US" dirty="0"/>
-              <a:t>0</a:t>
+              <a:t/>
             </a:r>
             <a:br>
               <a:rPr lang="en-GB" altLang="en-US" dirty="0"/>
@@ -12937,28 +13073,28 @@
             </a:br>
             <a:r>
               <a:rPr lang="en-GB" altLang="en-US" dirty="0" smtClean="0"/>
-              <a:t>print 1.0/2.0</a:t>
+              <a:t>print(1.0/2.0)</a:t>
             </a:r>
             <a:br>
               <a:rPr lang="en-GB" altLang="en-US" dirty="0" smtClean="0"/>
             </a:br>
             <a:r>
               <a:rPr lang="en-GB" altLang="en-US" dirty="0" smtClean="0"/>
-              <a:t>print 1/2</a:t>
+              <a:t>print(1/2)</a:t>
             </a:r>
             <a:br>
               <a:rPr lang="en-GB" altLang="en-US" dirty="0" smtClean="0"/>
             </a:br>
             <a:r>
               <a:rPr lang="en-GB" altLang="en-US" dirty="0" smtClean="0"/>
-              <a:t>print float(1)/float(2)</a:t>
+              <a:t>print(float(1)/float(2))</a:t>
             </a:r>
             <a:br>
               <a:rPr lang="en-GB" altLang="en-US" dirty="0" smtClean="0"/>
             </a:br>
             <a:r>
               <a:rPr lang="en-GB" altLang="en-US" dirty="0" smtClean="0"/>
-              <a:t>print </a:t>
+              <a:t>print(</a:t>
             </a:r>
             <a:r>
               <a:rPr lang="en-GB" altLang="en-US" dirty="0" err="1" smtClean="0"/>
@@ -12966,14 +13102,14 @@
             </a:r>
             <a:r>
               <a:rPr lang="en-GB" altLang="en-US" dirty="0" smtClean="0"/>
-              <a:t>(3.1415926)</a:t>
+              <a:t>(3.1415926))</a:t>
             </a:r>
             <a:br>
               <a:rPr lang="en-GB" altLang="en-US" dirty="0" smtClean="0"/>
             </a:br>
             <a:r>
               <a:rPr lang="en-GB" altLang="en-US" dirty="0" smtClean="0"/>
-              <a:t>print </a:t>
+              <a:t>print(</a:t>
             </a:r>
             <a:r>
               <a:rPr lang="en-GB" altLang="en-US" dirty="0" err="1" smtClean="0"/>
@@ -12981,25 +13117,29 @@
             </a:r>
             <a:r>
               <a:rPr lang="en-GB" altLang="en-US" dirty="0" smtClean="0"/>
-              <a:t>(3.1415926)</a:t>
+              <a:t>(3.1415926))</a:t>
             </a:r>
             <a:br>
               <a:rPr lang="en-GB" altLang="en-US" dirty="0" smtClean="0"/>
             </a:br>
             <a:r>
               <a:rPr lang="en-GB" altLang="en-US" dirty="0" smtClean="0"/>
-              <a:t>print bool(1)</a:t>
+              <a:t>print(bool(1))</a:t>
             </a:r>
             <a:br>
               <a:rPr lang="en-GB" altLang="en-US" dirty="0" smtClean="0"/>
             </a:br>
             <a:r>
               <a:rPr lang="en-GB" altLang="en-US" dirty="0" smtClean="0"/>
-              <a:t>print bool(0)</a:t>
+              <a:t>print(bool(0)</a:t>
             </a:r>
             <a:r>
               <a:rPr lang="ar-SA" altLang="en-US" dirty="0" smtClean="0"/>
               <a:t>‏</a:t>
+            </a:r>
+            <a:r>
+              <a:rPr lang="en-US" altLang="en-US" dirty="0" smtClean="0"/>
+              <a:t>)</a:t>
             </a:r>
             <a:endParaRPr lang="en-GB" altLang="en-US" dirty="0"/>
           </a:p>
@@ -13073,7 +13213,7 @@
   <p:timing>
     <p:tnLst>
       <p:par>
-        <p:cTn id="1" dur="indefinite" nodeType="tmRoot">
+        <p:cTn id="1" dur="indefinite" restart="never" nodeType="tmRoot">
           <p:childTnLst>
             <p:seq concurrent="1" nextAc="seek">
               <p:cTn id="2" dur="indefinite" nodeType="mainSeq"/>
@@ -13274,6 +13414,13 @@
   <p:clrMapOvr>
     <a:masterClrMapping/>
   </p:clrMapOvr>
+  <p:timing>
+    <p:tnLst>
+      <p:par>
+        <p:cTn id="1" dur="indefinite" restart="never" nodeType="tmRoot"/>
+      </p:par>
+    </p:tnLst>
+  </p:timing>
 </p:sld>
 </file>
 
@@ -13473,6 +13620,13 @@
   <p:clrMapOvr>
     <a:masterClrMapping/>
   </p:clrMapOvr>
+  <p:timing>
+    <p:tnLst>
+      <p:par>
+        <p:cTn id="1" dur="indefinite" restart="never" nodeType="tmRoot"/>
+      </p:par>
+    </p:tnLst>
+  </p:timing>
 </p:sld>
 </file>
 
@@ -13724,6 +13878,13 @@
   <p:clrMapOvr>
     <a:masterClrMapping/>
   </p:clrMapOvr>
+  <p:timing>
+    <p:tnLst>
+      <p:par>
+        <p:cTn id="1" dur="indefinite" restart="never" nodeType="tmRoot"/>
+      </p:par>
+    </p:tnLst>
+  </p:timing>
 </p:sld>
 </file>
 
@@ -13978,7 +14139,7 @@
   <p:timing>
     <p:tnLst>
       <p:par>
-        <p:cTn id="1" dur="indefinite" nodeType="tmRoot">
+        <p:cTn id="1" dur="indefinite" restart="never" nodeType="tmRoot">
           <p:childTnLst>
             <p:seq concurrent="1" nextAc="seek">
               <p:cTn id="2" dur="indefinite" nodeType="mainSeq"/>
@@ -14284,11 +14445,11 @@
   <p:clrMapOvr>
     <a:masterClrMapping/>
   </p:clrMapOvr>
-  <mc:AlternateContent xmlns:mc="http://schemas.openxmlformats.org/markup-compatibility/2006">
-    <mc:Choice xmlns:p14="http://schemas.microsoft.com/office/powerpoint/2010/main" Requires="p14">
+  <mc:AlternateContent xmlns:mc="http://schemas.openxmlformats.org/markup-compatibility/2006" xmlns:p14="http://schemas.microsoft.com/office/powerpoint/2010/main">
+    <mc:Choice Requires="p14">
       <p:transition p14:dur="0"/>
     </mc:Choice>
-    <mc:Fallback>
+    <mc:Fallback xmlns="">
       <p:transition/>
     </mc:Fallback>
   </mc:AlternateContent>
@@ -14387,8 +14548,8 @@
         </p:nvSpPr>
         <p:spPr>
           <a:xfrm>
-            <a:off x="1938284" y="1451673"/>
-            <a:ext cx="8229024" cy="4933958"/>
+            <a:off x="1938283" y="1451673"/>
+            <a:ext cx="9165145" cy="4933958"/>
           </a:xfrm>
           <a:ln/>
         </p:spPr>
@@ -14448,7 +14609,19 @@
             </a:r>
             <a:r>
               <a:rPr lang="en-GB" altLang="en-US" dirty="0"/>
-              <a:t>("Enter a math expression: ")</a:t>
+              <a:t>("Enter a math expression: </a:t>
+            </a:r>
+            <a:r>
+              <a:rPr lang="en-GB" altLang="en-US" dirty="0" smtClean="0"/>
+              <a:t>")   </a:t>
+            </a:r>
+            <a:r>
+              <a:rPr lang="en-GB" altLang="en-US" b="1" dirty="0" smtClean="0"/>
+              <a:t>#Python 2.7</a:t>
+            </a:r>
+            <a:r>
+              <a:rPr lang="en-GB" altLang="en-US" dirty="0"/>
+              <a:t/>
             </a:r>
             <a:br>
               <a:rPr lang="en-GB" altLang="en-US" dirty="0"/>
@@ -14470,14 +14643,30 @@
             </a:br>
             <a:r>
               <a:rPr lang="en-GB" altLang="en-US" dirty="0"/>
-              <a:t>j = input("Enter the same expression: ")</a:t>
+              <a:t>j = input("Enter the same expression: </a:t>
+            </a:r>
+            <a:r>
+              <a:rPr lang="en-GB" altLang="en-US" dirty="0" smtClean="0"/>
+              <a:t>")        </a:t>
+            </a:r>
+            <a:r>
+              <a:rPr lang="en-GB" altLang="en-US" b="1" dirty="0" smtClean="0"/>
+              <a:t>#Python 3+</a:t>
+            </a:r>
+            <a:r>
+              <a:rPr lang="en-GB" altLang="en-US" dirty="0"/>
+              <a:t/>
             </a:r>
             <a:br>
               <a:rPr lang="en-GB" altLang="en-US" dirty="0"/>
             </a:br>
             <a:r>
+              <a:rPr lang="en-GB" altLang="en-US" dirty="0" smtClean="0"/>
+              <a:t>print(j)</a:t>
+            </a:r>
+            <a:r>
               <a:rPr lang="en-GB" altLang="en-US" dirty="0"/>
-              <a:t>print j</a:t>
+              <a:t/>
             </a:r>
             <a:br>
               <a:rPr lang="en-GB" altLang="en-US" dirty="0"/>
@@ -14596,7 +14785,7 @@
   <p:timing>
     <p:tnLst>
       <p:par>
-        <p:cTn id="1" dur="indefinite" nodeType="tmRoot">
+        <p:cTn id="1" dur="indefinite" restart="never" nodeType="tmRoot">
           <p:childTnLst>
             <p:seq concurrent="1" nextAc="seek">
               <p:cTn id="2" dur="indefinite" nodeType="mainSeq"/>
@@ -14898,7 +15087,7 @@
   <p:timing>
     <p:tnLst>
       <p:par>
-        <p:cTn id="1" dur="indefinite" nodeType="tmRoot">
+        <p:cTn id="1" dur="indefinite" restart="never" nodeType="tmRoot">
           <p:childTnLst>
             <p:seq concurrent="1" nextAc="seek">
               <p:cTn id="2" dur="indefinite" nodeType="mainSeq"/>
@@ -15215,7 +15404,7 @@
   <p:timing>
     <p:tnLst>
       <p:par>
-        <p:cTn id="1" dur="indefinite" nodeType="tmRoot">
+        <p:cTn id="1" dur="indefinite" restart="never" nodeType="tmRoot">
           <p:childTnLst>
             <p:seq concurrent="1" nextAc="seek">
               <p:cTn id="2" dur="indefinite" nodeType="mainSeq"/>
@@ -15486,7 +15675,7 @@
   <p:timing>
     <p:tnLst>
       <p:par>
-        <p:cTn id="1" dur="indefinite" nodeType="tmRoot">
+        <p:cTn id="1" dur="indefinite" restart="never" nodeType="tmRoot">
           <p:childTnLst>
             <p:seq concurrent="1" nextAc="seek">
               <p:cTn id="2" dur="indefinite" nodeType="mainSeq"/>
@@ -15940,7 +16129,7 @@
   <p:timing>
     <p:tnLst>
       <p:par>
-        <p:cTn id="1" dur="indefinite" nodeType="tmRoot">
+        <p:cTn id="1" dur="indefinite" restart="never" nodeType="tmRoot">
           <p:childTnLst>
             <p:seq concurrent="1" nextAc="seek">
               <p:cTn id="2" dur="indefinite" nodeType="mainSeq"/>
@@ -16192,7 +16381,7 @@
   <p:timing>
     <p:tnLst>
       <p:par>
-        <p:cTn id="1" dur="indefinite" nodeType="tmRoot">
+        <p:cTn id="1" dur="indefinite" restart="never" nodeType="tmRoot">
           <p:childTnLst>
             <p:seq concurrent="1" nextAc="seek">
               <p:cTn id="2" dur="indefinite" nodeType="mainSeq"/>
@@ -16505,7 +16694,7 @@
   <p:timing>
     <p:tnLst>
       <p:par>
-        <p:cTn id="1" dur="indefinite" nodeType="tmRoot">
+        <p:cTn id="1" dur="indefinite" restart="never" nodeType="tmRoot">
           <p:childTnLst>
             <p:seq concurrent="1" nextAc="seek">
               <p:cTn id="2" dur="indefinite" nodeType="mainSeq"/>
@@ -16658,55 +16847,87 @@
               </a:tabLst>
             </a:pPr>
             <a:r>
-              <a:rPr lang="en-GB" altLang="en-US"/>
+              <a:rPr lang="en-GB" altLang="en-US" dirty="0"/>
               <a:t>Example ifelse.py</a:t>
             </a:r>
             <a:br>
-              <a:rPr lang="en-GB" altLang="en-US"/>
+              <a:rPr lang="en-GB" altLang="en-US" dirty="0"/>
             </a:br>
             <a:r>
-              <a:rPr lang="en-GB" altLang="en-US"/>
+              <a:rPr lang="en-GB" altLang="en-US" dirty="0"/>
               <a:t/>
             </a:r>
             <a:br>
-              <a:rPr lang="en-GB" altLang="en-US"/>
+              <a:rPr lang="en-GB" altLang="en-US" dirty="0"/>
             </a:br>
             <a:r>
-              <a:rPr lang="en-GB" altLang="en-US" sz="2540"/>
+              <a:rPr lang="en-GB" altLang="en-US" sz="2540" dirty="0"/>
               <a:t>if (1+1==2):</a:t>
             </a:r>
             <a:br>
-              <a:rPr lang="en-GB" altLang="en-US" sz="2540"/>
+              <a:rPr lang="en-GB" altLang="en-US" sz="2540" dirty="0"/>
             </a:br>
             <a:r>
-              <a:rPr lang="en-GB" altLang="en-US" sz="2540"/>
+              <a:rPr lang="en-GB" altLang="en-US" sz="2540" dirty="0"/>
               <a:t>    print "1+1==2"</a:t>
             </a:r>
             <a:br>
-              <a:rPr lang="en-GB" altLang="en-US" sz="2540"/>
+              <a:rPr lang="en-GB" altLang="en-US" sz="2540" dirty="0"/>
             </a:br>
             <a:r>
-              <a:rPr lang="en-GB" altLang="en-US" sz="2540"/>
-              <a:t>    print "I always thought so!"</a:t>
+              <a:rPr lang="en-GB" altLang="en-US" sz="2540" dirty="0"/>
+              <a:t>    </a:t>
+            </a:r>
+            <a:r>
+              <a:rPr lang="en-GB" altLang="en-US" sz="2540" dirty="0" smtClean="0"/>
+              <a:t>print("I </a:t>
+            </a:r>
+            <a:r>
+              <a:rPr lang="en-GB" altLang="en-US" sz="2540" dirty="0"/>
+              <a:t>always thought so</a:t>
+            </a:r>
+            <a:r>
+              <a:rPr lang="en-GB" altLang="en-US" sz="2540" dirty="0" smtClean="0"/>
+              <a:t>!“)</a:t>
+            </a:r>
+            <a:r>
+              <a:rPr lang="en-GB" altLang="en-US" sz="2540" dirty="0"/>
+              <a:t/>
             </a:r>
             <a:br>
-              <a:rPr lang="en-GB" altLang="en-US" sz="2540"/>
+              <a:rPr lang="en-GB" altLang="en-US" sz="2540" dirty="0"/>
             </a:br>
             <a:r>
-              <a:rPr lang="en-GB" altLang="en-US" sz="2540"/>
+              <a:rPr lang="en-GB" altLang="en-US" sz="2540" dirty="0"/>
               <a:t>else:</a:t>
             </a:r>
             <a:br>
-              <a:rPr lang="en-GB" altLang="en-US" sz="2540"/>
+              <a:rPr lang="en-GB" altLang="en-US" sz="2540" dirty="0"/>
             </a:br>
             <a:r>
-              <a:rPr lang="en-GB" altLang="en-US" sz="2540"/>
-              <a:t>    print "My understanding of math must be faulty!"</a:t>
+              <a:rPr lang="en-GB" altLang="en-US" sz="2540" dirty="0"/>
+              <a:t>    </a:t>
+            </a:r>
+            <a:r>
+              <a:rPr lang="en-GB" altLang="en-US" sz="2540" dirty="0" smtClean="0"/>
+              <a:t>print("My </a:t>
+            </a:r>
+            <a:r>
+              <a:rPr lang="en-GB" altLang="en-US" sz="2540" dirty="0"/>
+              <a:t>understanding of math must be faulty</a:t>
+            </a:r>
+            <a:r>
+              <a:rPr lang="en-GB" altLang="en-US" sz="2540" dirty="0" smtClean="0"/>
+              <a:t>!“)</a:t>
+            </a:r>
+            <a:r>
+              <a:rPr lang="en-GB" altLang="en-US" sz="2540" dirty="0"/>
+              <a:t/>
             </a:r>
             <a:br>
-              <a:rPr lang="en-GB" altLang="en-US" sz="2540"/>
+              <a:rPr lang="en-GB" altLang="en-US" sz="2540" dirty="0"/>
             </a:br>
-            <a:endParaRPr lang="en-GB" altLang="en-US" sz="2540"/>
+            <a:endParaRPr lang="en-GB" altLang="en-US" sz="2540" dirty="0"/>
           </a:p>
           <a:p>
             <a:pPr marL="364366" indent="-269314">
@@ -16741,16 +16962,29 @@
               </a:tabLst>
             </a:pPr>
             <a:r>
-              <a:rPr lang="en-GB" altLang="en-US" sz="2540"/>
+              <a:rPr lang="en-GB" altLang="en-US" sz="2540" dirty="0"/>
               <a:t>Simple one-line if:</a:t>
             </a:r>
             <a:br>
-              <a:rPr lang="en-GB" altLang="en-US" sz="2540"/>
+              <a:rPr lang="en-GB" altLang="en-US" sz="2540" dirty="0"/>
             </a:br>
             <a:r>
-              <a:rPr lang="en-GB" altLang="en-US" sz="2540"/>
-              <a:t>if (1+1==2): print “I can add!”</a:t>
-            </a:r>
+              <a:rPr lang="en-GB" altLang="en-US" sz="2540" dirty="0"/>
+              <a:t>if (1+1==2): </a:t>
+            </a:r>
+            <a:r>
+              <a:rPr lang="en-GB" altLang="en-US" sz="2540" dirty="0" smtClean="0"/>
+              <a:t>print(“I </a:t>
+            </a:r>
+            <a:r>
+              <a:rPr lang="en-GB" altLang="en-US" sz="2540" dirty="0"/>
+              <a:t>can add</a:t>
+            </a:r>
+            <a:r>
+              <a:rPr lang="en-GB" altLang="en-US" sz="2540" dirty="0" smtClean="0"/>
+              <a:t>!”)</a:t>
+            </a:r>
+            <a:endParaRPr lang="en-GB" altLang="en-US" sz="2540" dirty="0"/>
           </a:p>
         </p:txBody>
       </p:sp>
@@ -16822,7 +17056,7 @@
   <p:timing>
     <p:tnLst>
       <p:par>
-        <p:cTn id="1" dur="indefinite" nodeType="tmRoot">
+        <p:cTn id="1" dur="indefinite" restart="never" nodeType="tmRoot">
           <p:childTnLst>
             <p:seq concurrent="1" nextAc="seek">
               <p:cTn id="2" dur="indefinite" nodeType="mainSeq"/>
@@ -16979,7 +17213,7 @@
               </a:tabLst>
             </a:pPr>
             <a:r>
-              <a:rPr lang="en-GB" altLang="en-US"/>
+              <a:rPr lang="en-GB" altLang="en-US" dirty="0"/>
               <a:t>Equivalent of “else if” in C</a:t>
             </a:r>
           </a:p>
@@ -17016,62 +17250,90 @@
               </a:tabLst>
             </a:pPr>
             <a:r>
-              <a:rPr lang="en-GB" altLang="en-US"/>
+              <a:rPr lang="en-GB" altLang="en-US" dirty="0"/>
               <a:t>Example elif.py:</a:t>
             </a:r>
             <a:br>
-              <a:rPr lang="en-GB" altLang="en-US"/>
+              <a:rPr lang="en-GB" altLang="en-US" dirty="0"/>
             </a:br>
             <a:r>
-              <a:rPr lang="en-GB" altLang="en-US"/>
+              <a:rPr lang="en-GB" altLang="en-US" dirty="0"/>
               <a:t>x = 3</a:t>
             </a:r>
             <a:br>
-              <a:rPr lang="en-GB" altLang="en-US"/>
+              <a:rPr lang="en-GB" altLang="en-US" dirty="0"/>
             </a:br>
             <a:r>
-              <a:rPr lang="en-GB" altLang="en-US"/>
+              <a:rPr lang="en-GB" altLang="en-US" dirty="0"/>
               <a:t>if (x == 1):</a:t>
             </a:r>
             <a:br>
-              <a:rPr lang="en-GB" altLang="en-US"/>
+              <a:rPr lang="en-GB" altLang="en-US" dirty="0"/>
             </a:br>
             <a:r>
-              <a:rPr lang="en-GB" altLang="en-US"/>
-              <a:t>    print "one"</a:t>
+              <a:rPr lang="en-GB" altLang="en-US" dirty="0"/>
+              <a:t>    </a:t>
+            </a:r>
+            <a:r>
+              <a:rPr lang="en-GB" altLang="en-US" dirty="0" smtClean="0"/>
+              <a:t>print("one“)</a:t>
+            </a:r>
+            <a:r>
+              <a:rPr lang="en-GB" altLang="en-US" dirty="0"/>
+              <a:t/>
             </a:r>
             <a:br>
-              <a:rPr lang="en-GB" altLang="en-US"/>
+              <a:rPr lang="en-GB" altLang="en-US" dirty="0"/>
             </a:br>
             <a:r>
-              <a:rPr lang="en-GB" altLang="en-US"/>
-              <a:t>elif (x == 2):</a:t>
+              <a:rPr lang="en-GB" altLang="en-US" dirty="0" err="1"/>
+              <a:t>elif</a:t>
+            </a:r>
+            <a:r>
+              <a:rPr lang="en-GB" altLang="en-US" dirty="0"/>
+              <a:t> (x == 2):</a:t>
             </a:r>
             <a:br>
-              <a:rPr lang="en-GB" altLang="en-US"/>
+              <a:rPr lang="en-GB" altLang="en-US" dirty="0"/>
             </a:br>
             <a:r>
-              <a:rPr lang="en-GB" altLang="en-US"/>
-              <a:t>    print "two"</a:t>
+              <a:rPr lang="en-GB" altLang="en-US" dirty="0"/>
+              <a:t>    </a:t>
+            </a:r>
+            <a:r>
+              <a:rPr lang="en-GB" altLang="en-US" dirty="0" smtClean="0"/>
+              <a:t>print("two“)</a:t>
+            </a:r>
+            <a:r>
+              <a:rPr lang="en-GB" altLang="en-US" dirty="0"/>
+              <a:t/>
             </a:r>
             <a:br>
-              <a:rPr lang="en-GB" altLang="en-US"/>
+              <a:rPr lang="en-GB" altLang="en-US" dirty="0"/>
             </a:br>
             <a:r>
-              <a:rPr lang="en-GB" altLang="en-US"/>
+              <a:rPr lang="en-GB" altLang="en-US" dirty="0"/>
               <a:t>else:</a:t>
             </a:r>
             <a:br>
-              <a:rPr lang="en-GB" altLang="en-US"/>
+              <a:rPr lang="en-GB" altLang="en-US" dirty="0"/>
             </a:br>
             <a:r>
-              <a:rPr lang="en-GB" altLang="en-US"/>
-              <a:t>    print "many"</a:t>
+              <a:rPr lang="en-GB" altLang="en-US" dirty="0"/>
+              <a:t>    </a:t>
+            </a:r>
+            <a:r>
+              <a:rPr lang="en-GB" altLang="en-US" dirty="0" smtClean="0"/>
+              <a:t>print("many“)</a:t>
+            </a:r>
+            <a:r>
+              <a:rPr lang="en-GB" altLang="en-US" dirty="0"/>
+              <a:t/>
             </a:r>
             <a:br>
-              <a:rPr lang="en-GB" altLang="en-US"/>
+              <a:rPr lang="en-GB" altLang="en-US" dirty="0"/>
             </a:br>
-            <a:endParaRPr lang="en-GB" altLang="en-US"/>
+            <a:endParaRPr lang="en-GB" altLang="en-US" dirty="0"/>
           </a:p>
         </p:txBody>
       </p:sp>
@@ -17143,7 +17405,7 @@
   <p:timing>
     <p:tnLst>
       <p:par>
-        <p:cTn id="1" dur="indefinite" nodeType="tmRoot">
+        <p:cTn id="1" dur="indefinite" restart="never" nodeType="tmRoot">
           <p:childTnLst>
             <p:seq concurrent="1" nextAc="seek">
               <p:cTn id="2" dur="indefinite" nodeType="mainSeq"/>
@@ -17377,7 +17639,7 @@
               <a:t>	</a:t>
             </a:r>
             <a:r>
-              <a:rPr lang="en-US" sz="2400" dirty="0">
+              <a:rPr lang="en-US" sz="2400" dirty="0" smtClean="0">
                 <a:solidFill>
                   <a:schemeClr val="accent1">
                     <a:lumMod val="50000"/>
@@ -17388,7 +17650,15 @@
             </a:r>
             <a:r>
               <a:rPr lang="en-US" sz="2400" dirty="0"/>
-              <a:t> word, </a:t>
+              <a:t>(</a:t>
+            </a:r>
+            <a:r>
+              <a:rPr lang="en-US" sz="2400" dirty="0" smtClean="0"/>
+              <a:t>word</a:t>
+            </a:r>
+            <a:r>
+              <a:rPr lang="en-US" sz="2400" dirty="0"/>
+              <a:t>, </a:t>
             </a:r>
             <a:r>
               <a:rPr lang="en-US" sz="2400" dirty="0" err="1">
@@ -17415,15 +17685,22 @@
               <a:t>word</a:t>
             </a:r>
             <a:r>
-              <a:rPr lang="en-US" sz="2400" dirty="0">
+              <a:rPr lang="en-US" sz="2400" dirty="0" smtClean="0">
                 <a:solidFill>
                   <a:schemeClr val="accent1">
                     <a:lumMod val="50000"/>
                   </a:schemeClr>
                 </a:solidFill>
               </a:rPr>
-              <a:t>)</a:t>
-            </a:r>
+              <a:t>))</a:t>
+            </a:r>
+            <a:endParaRPr lang="en-US" sz="2400" dirty="0">
+              <a:solidFill>
+                <a:schemeClr val="accent1">
+                  <a:lumMod val="50000"/>
+                </a:schemeClr>
+              </a:solidFill>
+            </a:endParaRPr>
           </a:p>
           <a:p>
             <a:pPr eaLnBrk="1" hangingPunct="1">
@@ -17484,11 +17761,19 @@
             </a:br>
             <a:r>
               <a:rPr lang="en-US" sz="2400" dirty="0"/>
-              <a:t>	print </a:t>
-            </a:r>
-            <a:r>
-              <a:rPr lang="en-US" sz="2400" dirty="0" err="1"/>
+              <a:t>	</a:t>
+            </a:r>
+            <a:r>
+              <a:rPr lang="en-US" sz="2400" dirty="0" smtClean="0"/>
+              <a:t>print(</a:t>
+            </a:r>
+            <a:r>
+              <a:rPr lang="en-US" sz="2400" dirty="0" err="1" smtClean="0"/>
               <a:t>i</a:t>
+            </a:r>
+            <a:r>
+              <a:rPr lang="en-US" sz="2400" dirty="0" smtClean="0"/>
+              <a:t>)</a:t>
             </a:r>
             <a:r>
               <a:rPr lang="en-US" sz="2400" dirty="0"/>
@@ -17581,7 +17866,7 @@
               <a:t>	</a:t>
             </a:r>
             <a:r>
-              <a:rPr lang="en-US" sz="2400" dirty="0">
+              <a:rPr lang="en-US" sz="2400" dirty="0" smtClean="0">
                 <a:solidFill>
                   <a:schemeClr val="tx2">
                     <a:lumMod val="75000"/>
@@ -17591,12 +17876,16 @@
               <a:t>print</a:t>
             </a:r>
             <a:r>
-              <a:rPr lang="en-US" sz="2400" dirty="0"/>
-              <a:t> </a:t>
-            </a:r>
-            <a:r>
-              <a:rPr lang="en-US" sz="2400" dirty="0" err="1"/>
+              <a:rPr lang="en-US" sz="2400" dirty="0" smtClean="0"/>
+              <a:t>(</a:t>
+            </a:r>
+            <a:r>
+              <a:rPr lang="en-US" sz="2400" dirty="0" err="1" smtClean="0"/>
               <a:t>i</a:t>
+            </a:r>
+            <a:r>
+              <a:rPr lang="en-US" sz="2400" dirty="0" smtClean="0"/>
+              <a:t>)</a:t>
             </a:r>
             <a:endParaRPr lang="en-US" sz="2400" dirty="0"/>
           </a:p>
@@ -17843,17 +18132,37 @@
                   </a:schemeClr>
                 </a:solidFill>
               </a:rPr>
-              <a:t>	print </a:t>
-            </a:r>
-            <a:r>
-              <a:rPr lang="en-US" sz="2400" dirty="0" err="1">
+              <a:t>	</a:t>
+            </a:r>
+            <a:r>
+              <a:rPr lang="en-US" sz="2400" dirty="0" smtClean="0">
                 <a:solidFill>
                   <a:schemeClr val="tx2">
                     <a:lumMod val="75000"/>
                   </a:schemeClr>
                 </a:solidFill>
               </a:rPr>
+              <a:t>print(</a:t>
+            </a:r>
+            <a:r>
+              <a:rPr lang="en-US" sz="2400" dirty="0" err="1" smtClean="0">
+                <a:solidFill>
+                  <a:schemeClr val="tx2">
+                    <a:lumMod val="75000"/>
+                  </a:schemeClr>
+                </a:solidFill>
+              </a:rPr>
               <a:t>i</a:t>
+            </a:r>
+            <a:r>
+              <a:rPr lang="en-US" sz="2400" dirty="0" smtClean="0">
+                <a:solidFill>
+                  <a:schemeClr val="tx2">
+                    <a:lumMod val="75000"/>
+                  </a:schemeClr>
+                </a:solidFill>
+              </a:rPr>
+              <a:t>)</a:t>
             </a:r>
             <a:endParaRPr lang="en-US" sz="2400" dirty="0">
               <a:solidFill>
@@ -18334,11 +18643,11 @@
   <p:clrMapOvr>
     <a:masterClrMapping/>
   </p:clrMapOvr>
-  <mc:AlternateContent xmlns:mc="http://schemas.openxmlformats.org/markup-compatibility/2006">
-    <mc:Choice xmlns:p14="http://schemas.microsoft.com/office/powerpoint/2010/main" Requires="p14">
+  <mc:AlternateContent xmlns:mc="http://schemas.openxmlformats.org/markup-compatibility/2006" xmlns:p14="http://schemas.microsoft.com/office/powerpoint/2010/main">
+    <mc:Choice Requires="p14">
       <p:transition p14:dur="0"/>
     </mc:Choice>
-    <mc:Fallback>
+    <mc:Fallback xmlns="">
       <p:transition/>
     </mc:Fallback>
   </mc:AlternateContent>
@@ -18608,7 +18917,7 @@
   <p:timing>
     <p:tnLst>
       <p:par>
-        <p:cTn id="1" dur="indefinite" nodeType="tmRoot">
+        <p:cTn id="1" dur="indefinite" restart="never" nodeType="tmRoot">
           <p:childTnLst>
             <p:seq concurrent="1" nextAc="seek">
               <p:cTn id="2" dur="indefinite" nodeType="mainSeq"/>
@@ -18806,11 +19115,11 @@
             </a:br>
             <a:r>
               <a:rPr lang="en-GB" altLang="en-US" dirty="0"/>
-              <a:t>        print </a:t>
+              <a:t>        </a:t>
             </a:r>
             <a:r>
               <a:rPr lang="en-GB" altLang="en-US" dirty="0" smtClean="0"/>
-              <a:t>("</a:t>
+              <a:t>print("</a:t>
             </a:r>
             <a:r>
               <a:rPr lang="en-GB" altLang="en-US" dirty="0"/>
@@ -18963,7 +19272,7 @@
   <p:timing>
     <p:tnLst>
       <p:par>
-        <p:cTn id="1" dur="indefinite" nodeType="tmRoot">
+        <p:cTn id="1" dur="indefinite" restart="never" nodeType="tmRoot">
           <p:childTnLst>
             <p:seq concurrent="1" nextAc="seek">
               <p:cTn id="2" dur="indefinite" nodeType="mainSeq"/>
@@ -19153,7 +19462,23 @@
             </a:br>
             <a:r>
               <a:rPr lang="en-GB" altLang="en-US" dirty="0"/>
-              <a:t>  print a, “*”, b, “=”, a*b</a:t>
+              <a:t>  </a:t>
+            </a:r>
+            <a:r>
+              <a:rPr lang="en-GB" altLang="en-US" dirty="0" smtClean="0"/>
+              <a:t>print(a</a:t>
+            </a:r>
+            <a:r>
+              <a:rPr lang="en-GB" altLang="en-US" dirty="0"/>
+              <a:t>, “*”, b, “=”, </a:t>
+            </a:r>
+            <a:r>
+              <a:rPr lang="en-GB" altLang="en-US" dirty="0" smtClean="0"/>
+              <a:t>a*b)</a:t>
+            </a:r>
+            <a:r>
+              <a:rPr lang="en-GB" altLang="en-US" dirty="0"/>
+              <a:t/>
             </a:r>
             <a:br>
               <a:rPr lang="en-GB" altLang="en-US" dirty="0"/>
@@ -19261,7 +19586,7 @@
   <p:timing>
     <p:tnLst>
       <p:par>
-        <p:cTn id="1" dur="indefinite" nodeType="tmRoot">
+        <p:cTn id="1" dur="indefinite" restart="never" nodeType="tmRoot">
           <p:childTnLst>
             <p:seq concurrent="1" nextAc="seek">
               <p:cTn id="2" dur="indefinite" nodeType="mainSeq"/>
@@ -19392,6 +19717,13 @@
   <p:clrMapOvr>
     <a:masterClrMapping/>
   </p:clrMapOvr>
+  <p:timing>
+    <p:tnLst>
+      <p:par>
+        <p:cTn id="1" dur="indefinite" restart="never" nodeType="tmRoot"/>
+      </p:par>
+    </p:tnLst>
+  </p:timing>
 </p:sld>
 </file>
 
@@ -19488,6 +19820,13 @@
   <p:clrMapOvr>
     <a:masterClrMapping/>
   </p:clrMapOvr>
+  <p:timing>
+    <p:tnLst>
+      <p:par>
+        <p:cTn id="1" dur="indefinite" restart="never" nodeType="tmRoot"/>
+      </p:par>
+    </p:tnLst>
+  </p:timing>
 </p:sld>
 </file>
 
@@ -19584,6 +19923,13 @@
   <p:clrMapOvr>
     <a:masterClrMapping/>
   </p:clrMapOvr>
+  <p:timing>
+    <p:tnLst>
+      <p:par>
+        <p:cTn id="1" dur="indefinite" restart="never" nodeType="tmRoot"/>
+      </p:par>
+    </p:tnLst>
+  </p:timing>
 </p:sld>
 </file>
 
@@ -19680,6 +20026,13 @@
   <p:clrMapOvr>
     <a:masterClrMapping/>
   </p:clrMapOvr>
+  <p:timing>
+    <p:tnLst>
+      <p:par>
+        <p:cTn id="1" dur="indefinite" restart="never" nodeType="tmRoot"/>
+      </p:par>
+    </p:tnLst>
+  </p:timing>
 </p:sld>
 </file>
 
@@ -19787,6 +20140,13 @@
   <p:clrMapOvr>
     <a:masterClrMapping/>
   </p:clrMapOvr>
+  <p:timing>
+    <p:tnLst>
+      <p:par>
+        <p:cTn id="1" dur="indefinite" restart="never" nodeType="tmRoot"/>
+      </p:par>
+    </p:tnLst>
+  </p:timing>
 </p:sld>
 </file>
 
@@ -19883,6 +20243,13 @@
   <p:clrMapOvr>
     <a:masterClrMapping/>
   </p:clrMapOvr>
+  <p:timing>
+    <p:tnLst>
+      <p:par>
+        <p:cTn id="1" dur="indefinite" restart="never" nodeType="tmRoot"/>
+      </p:par>
+    </p:tnLst>
+  </p:timing>
 </p:sld>
 </file>
 
@@ -19979,6 +20346,13 @@
   <p:clrMapOvr>
     <a:masterClrMapping/>
   </p:clrMapOvr>
+  <p:timing>
+    <p:tnLst>
+      <p:par>
+        <p:cTn id="1" dur="indefinite" restart="never" nodeType="tmRoot"/>
+      </p:par>
+    </p:tnLst>
+  </p:timing>
 </p:sld>
 </file>
 
@@ -20242,11 +20616,11 @@
   <p:clrMapOvr>
     <a:masterClrMapping/>
   </p:clrMapOvr>
-  <mc:AlternateContent xmlns:mc="http://schemas.openxmlformats.org/markup-compatibility/2006">
-    <mc:Choice xmlns:p14="http://schemas.microsoft.com/office/powerpoint/2010/main" Requires="p14">
+  <mc:AlternateContent xmlns:mc="http://schemas.openxmlformats.org/markup-compatibility/2006" xmlns:p14="http://schemas.microsoft.com/office/powerpoint/2010/main">
+    <mc:Choice Requires="p14">
       <p:transition p14:dur="0"/>
     </mc:Choice>
-    <mc:Fallback>
+    <mc:Fallback xmlns="">
       <p:transition/>
     </mc:Fallback>
   </mc:AlternateContent>
@@ -20364,6 +20738,13 @@
   <p:clrMapOvr>
     <a:masterClrMapping/>
   </p:clrMapOvr>
+  <p:timing>
+    <p:tnLst>
+      <p:par>
+        <p:cTn id="1" dur="indefinite" restart="never" nodeType="tmRoot"/>
+      </p:par>
+    </p:tnLst>
+  </p:timing>
 </p:sld>
 </file>
 
@@ -20460,6 +20841,13 @@
   <p:clrMapOvr>
     <a:masterClrMapping/>
   </p:clrMapOvr>
+  <p:timing>
+    <p:tnLst>
+      <p:par>
+        <p:cTn id="1" dur="indefinite" restart="never" nodeType="tmRoot"/>
+      </p:par>
+    </p:tnLst>
+  </p:timing>
 </p:sld>
 </file>
 
@@ -20526,11 +20914,7 @@
           <a:p>
             <a:r>
               <a:rPr lang="en-US" dirty="0" smtClean="0"/>
-              <a:t>Can not be a</a:t>
-            </a:r>
-            <a:r>
-              <a:rPr lang="en-US" dirty="0" smtClean="0"/>
-              <a:t>ccessed by offset</a:t>
+              <a:t>Can not be accessed by offset</a:t>
             </a:r>
           </a:p>
           <a:p>
@@ -20577,6 +20961,13 @@
   <p:clrMapOvr>
     <a:masterClrMapping/>
   </p:clrMapOvr>
+  <p:timing>
+    <p:tnLst>
+      <p:par>
+        <p:cTn id="1" dur="indefinite" restart="never" nodeType="tmRoot"/>
+      </p:par>
+    </p:tnLst>
+  </p:timing>
 </p:sld>
 </file>
 
@@ -20667,6 +21058,959 @@
     <p:extLst>
       <p:ext uri="{BB962C8B-B14F-4D97-AF65-F5344CB8AC3E}">
         <p14:creationId xmlns:p14="http://schemas.microsoft.com/office/powerpoint/2010/main" val="335642739"/>
+      </p:ext>
+    </p:extLst>
+  </p:cSld>
+  <p:clrMapOvr>
+    <a:masterClrMapping/>
+  </p:clrMapOvr>
+  <p:timing>
+    <p:tnLst>
+      <p:par>
+        <p:cTn id="1" dur="indefinite" restart="never" nodeType="tmRoot"/>
+      </p:par>
+    </p:tnLst>
+  </p:timing>
+</p:sld>
+</file>
+
+<file path=ppt/slides/slide54.xml><?xml version="1.0" encoding="utf-8"?>
+<p:sld xmlns:a="http://schemas.openxmlformats.org/drawingml/2006/main" xmlns:r="http://schemas.openxmlformats.org/officeDocument/2006/relationships" xmlns:p="http://schemas.openxmlformats.org/presentationml/2006/main">
+  <p:cSld>
+    <p:spTree>
+      <p:nvGrpSpPr>
+        <p:cNvPr id="1" name=""/>
+        <p:cNvGrpSpPr/>
+        <p:nvPr/>
+      </p:nvGrpSpPr>
+      <p:grpSpPr>
+        <a:xfrm>
+          <a:off x="0" y="0"/>
+          <a:ext cx="0" cy="0"/>
+          <a:chOff x="0" y="0"/>
+          <a:chExt cx="0" cy="0"/>
+        </a:xfrm>
+      </p:grpSpPr>
+      <p:sp>
+        <p:nvSpPr>
+          <p:cNvPr id="2" name="Title 1"/>
+          <p:cNvSpPr>
+            <a:spLocks noGrp="1"/>
+          </p:cNvSpPr>
+          <p:nvPr>
+            <p:ph type="title"/>
+          </p:nvPr>
+        </p:nvSpPr>
+        <p:spPr/>
+        <p:txBody>
+          <a:bodyPr/>
+          <a:lstStyle/>
+          <a:p>
+            <a:r>
+              <a:rPr lang="en-US" b="1" dirty="0" smtClean="0"/>
+              <a:t>Functions</a:t>
+            </a:r>
+            <a:endParaRPr lang="en-US" b="1" dirty="0"/>
+          </a:p>
+        </p:txBody>
+      </p:sp>
+      <p:sp>
+        <p:nvSpPr>
+          <p:cNvPr id="3" name="Content Placeholder 2"/>
+          <p:cNvSpPr>
+            <a:spLocks noGrp="1"/>
+          </p:cNvSpPr>
+          <p:nvPr>
+            <p:ph idx="1"/>
+          </p:nvPr>
+        </p:nvSpPr>
+        <p:spPr/>
+        <p:txBody>
+          <a:bodyPr/>
+          <a:lstStyle/>
+          <a:p>
+            <a:pPr marL="0" indent="0">
+              <a:buNone/>
+            </a:pPr>
+            <a:r>
+              <a:rPr lang="en-US" i="1" dirty="0" smtClean="0"/>
+              <a:t>What? </a:t>
+            </a:r>
+          </a:p>
+          <a:p>
+            <a:pPr lvl="1"/>
+            <a:r>
+              <a:rPr lang="en-US" dirty="0"/>
+              <a:t>a device that groups a set of statements so they can be </a:t>
+            </a:r>
+            <a:r>
+              <a:rPr lang="en-US" dirty="0" smtClean="0"/>
+              <a:t>run </a:t>
+            </a:r>
+            <a:r>
+              <a:rPr lang="en-US" dirty="0"/>
+              <a:t>more than once in a program</a:t>
+            </a:r>
+          </a:p>
+          <a:p>
+            <a:pPr marL="0" indent="0">
+              <a:buNone/>
+            </a:pPr>
+            <a:endParaRPr lang="en-US" dirty="0" smtClean="0"/>
+          </a:p>
+          <a:p>
+            <a:pPr marL="0" indent="0">
+              <a:buNone/>
+            </a:pPr>
+            <a:r>
+              <a:rPr lang="en-US" dirty="0" smtClean="0"/>
+              <a:t>Why?</a:t>
+            </a:r>
+          </a:p>
+          <a:p>
+            <a:pPr lvl="1"/>
+            <a:r>
+              <a:rPr lang="en-US" i="1" dirty="0" smtClean="0"/>
+              <a:t>Maximizing </a:t>
+            </a:r>
+            <a:r>
+              <a:rPr lang="en-US" i="1" dirty="0"/>
+              <a:t>code reuse and minimizing </a:t>
+            </a:r>
+            <a:r>
+              <a:rPr lang="en-US" i="1" dirty="0" smtClean="0"/>
+              <a:t>redundancy</a:t>
+            </a:r>
+          </a:p>
+          <a:p>
+            <a:pPr lvl="1"/>
+            <a:r>
+              <a:rPr lang="en-US" i="1" dirty="0"/>
+              <a:t>Procedural decomposition</a:t>
+            </a:r>
+            <a:endParaRPr lang="en-US" i="1" dirty="0" smtClean="0"/>
+          </a:p>
+          <a:p>
+            <a:endParaRPr lang="en-US" dirty="0"/>
+          </a:p>
+        </p:txBody>
+      </p:sp>
+    </p:spTree>
+    <p:extLst>
+      <p:ext uri="{BB962C8B-B14F-4D97-AF65-F5344CB8AC3E}">
+        <p14:creationId xmlns:p14="http://schemas.microsoft.com/office/powerpoint/2010/main" val="3440446930"/>
+      </p:ext>
+    </p:extLst>
+  </p:cSld>
+  <p:clrMapOvr>
+    <a:masterClrMapping/>
+  </p:clrMapOvr>
+  <p:timing>
+    <p:tnLst>
+      <p:par>
+        <p:cTn id="1" dur="indefinite" restart="never" nodeType="tmRoot"/>
+      </p:par>
+    </p:tnLst>
+  </p:timing>
+</p:sld>
+</file>
+
+<file path=ppt/slides/slide55.xml><?xml version="1.0" encoding="utf-8"?>
+<p:sld xmlns:a="http://schemas.openxmlformats.org/drawingml/2006/main" xmlns:r="http://schemas.openxmlformats.org/officeDocument/2006/relationships" xmlns:p="http://schemas.openxmlformats.org/presentationml/2006/main">
+  <p:cSld>
+    <p:spTree>
+      <p:nvGrpSpPr>
+        <p:cNvPr id="1" name=""/>
+        <p:cNvGrpSpPr/>
+        <p:nvPr/>
+      </p:nvGrpSpPr>
+      <p:grpSpPr>
+        <a:xfrm>
+          <a:off x="0" y="0"/>
+          <a:ext cx="0" cy="0"/>
+          <a:chOff x="0" y="0"/>
+          <a:chExt cx="0" cy="0"/>
+        </a:xfrm>
+      </p:grpSpPr>
+      <p:sp>
+        <p:nvSpPr>
+          <p:cNvPr id="2" name="Title 1"/>
+          <p:cNvSpPr>
+            <a:spLocks noGrp="1"/>
+          </p:cNvSpPr>
+          <p:nvPr>
+            <p:ph type="title"/>
+          </p:nvPr>
+        </p:nvSpPr>
+        <p:spPr/>
+        <p:txBody>
+          <a:bodyPr/>
+          <a:lstStyle/>
+          <a:p>
+            <a:r>
+              <a:rPr lang="en-US" b="1" dirty="0" smtClean="0"/>
+              <a:t>Functions</a:t>
+            </a:r>
+            <a:endParaRPr lang="en-US" b="1" dirty="0"/>
+          </a:p>
+        </p:txBody>
+      </p:sp>
+      <p:pic>
+        <p:nvPicPr>
+          <p:cNvPr id="4" name="Content Placeholder 3"/>
+          <p:cNvPicPr>
+            <a:picLocks noGrp="1" noChangeAspect="1"/>
+          </p:cNvPicPr>
+          <p:nvPr>
+            <p:ph idx="1"/>
+          </p:nvPr>
+        </p:nvPicPr>
+        <p:blipFill>
+          <a:blip r:embed="rId2"/>
+          <a:stretch>
+            <a:fillRect/>
+          </a:stretch>
+        </p:blipFill>
+        <p:spPr>
+          <a:xfrm>
+            <a:off x="838200" y="1538242"/>
+            <a:ext cx="6807926" cy="5041546"/>
+          </a:xfrm>
+          <a:prstGeom prst="rect">
+            <a:avLst/>
+          </a:prstGeom>
+        </p:spPr>
+      </p:pic>
+    </p:spTree>
+    <p:extLst>
+      <p:ext uri="{BB962C8B-B14F-4D97-AF65-F5344CB8AC3E}">
+        <p14:creationId xmlns:p14="http://schemas.microsoft.com/office/powerpoint/2010/main" val="758923672"/>
+      </p:ext>
+    </p:extLst>
+  </p:cSld>
+  <p:clrMapOvr>
+    <a:masterClrMapping/>
+  </p:clrMapOvr>
+  <p:timing>
+    <p:tnLst>
+      <p:par>
+        <p:cTn id="1" dur="indefinite" restart="never" nodeType="tmRoot"/>
+      </p:par>
+    </p:tnLst>
+  </p:timing>
+</p:sld>
+</file>
+
+<file path=ppt/slides/slide56.xml><?xml version="1.0" encoding="utf-8"?>
+<p:sld xmlns:a="http://schemas.openxmlformats.org/drawingml/2006/main" xmlns:r="http://schemas.openxmlformats.org/officeDocument/2006/relationships" xmlns:p="http://schemas.openxmlformats.org/presentationml/2006/main">
+  <p:cSld>
+    <p:spTree>
+      <p:nvGrpSpPr>
+        <p:cNvPr id="1" name=""/>
+        <p:cNvGrpSpPr/>
+        <p:nvPr/>
+      </p:nvGrpSpPr>
+      <p:grpSpPr>
+        <a:xfrm>
+          <a:off x="0" y="0"/>
+          <a:ext cx="0" cy="0"/>
+          <a:chOff x="0" y="0"/>
+          <a:chExt cx="0" cy="0"/>
+        </a:xfrm>
+      </p:grpSpPr>
+      <p:sp>
+        <p:nvSpPr>
+          <p:cNvPr id="2" name="Title 1"/>
+          <p:cNvSpPr>
+            <a:spLocks noGrp="1"/>
+          </p:cNvSpPr>
+          <p:nvPr>
+            <p:ph type="title"/>
+          </p:nvPr>
+        </p:nvSpPr>
+        <p:spPr/>
+        <p:txBody>
+          <a:bodyPr/>
+          <a:lstStyle/>
+          <a:p>
+            <a:r>
+              <a:rPr lang="en-US" b="1" dirty="0" smtClean="0"/>
+              <a:t>Functions</a:t>
+            </a:r>
+            <a:endParaRPr lang="en-US" b="1" dirty="0"/>
+          </a:p>
+        </p:txBody>
+      </p:sp>
+      <p:sp>
+        <p:nvSpPr>
+          <p:cNvPr id="3" name="Content Placeholder 2"/>
+          <p:cNvSpPr>
+            <a:spLocks noGrp="1"/>
+          </p:cNvSpPr>
+          <p:nvPr>
+            <p:ph idx="1"/>
+          </p:nvPr>
+        </p:nvSpPr>
+        <p:spPr>
+          <a:xfrm>
+            <a:off x="838200" y="1825625"/>
+            <a:ext cx="9403080" cy="4351338"/>
+          </a:xfrm>
+        </p:spPr>
+        <p:txBody>
+          <a:bodyPr>
+            <a:normAutofit/>
+          </a:bodyPr>
+          <a:lstStyle/>
+          <a:p>
+            <a:r>
+              <a:rPr lang="en-US" b="1" i="1" dirty="0" err="1"/>
+              <a:t>def</a:t>
+            </a:r>
+            <a:r>
+              <a:rPr lang="en-US" dirty="0"/>
+              <a:t> is executable </a:t>
+            </a:r>
+            <a:r>
+              <a:rPr lang="en-US" dirty="0" smtClean="0"/>
+              <a:t>code</a:t>
+            </a:r>
+          </a:p>
+          <a:p>
+            <a:r>
+              <a:rPr lang="en-US" b="1" i="1" dirty="0" err="1"/>
+              <a:t>def</a:t>
+            </a:r>
+            <a:r>
+              <a:rPr lang="en-US" dirty="0"/>
+              <a:t> creates an object and assigns it to a </a:t>
+            </a:r>
+            <a:r>
+              <a:rPr lang="en-US" dirty="0" smtClean="0"/>
+              <a:t>name</a:t>
+            </a:r>
+          </a:p>
+          <a:p>
+            <a:r>
+              <a:rPr lang="en-US" b="1" i="1" dirty="0"/>
+              <a:t>return</a:t>
+            </a:r>
+            <a:r>
+              <a:rPr lang="en-US" dirty="0"/>
+              <a:t> sends a result object back to the caller</a:t>
+            </a:r>
+            <a:endParaRPr lang="en-US" dirty="0" smtClean="0"/>
+          </a:p>
+          <a:p>
+            <a:r>
+              <a:rPr lang="en-US" b="1" i="1" dirty="0"/>
+              <a:t>lambda</a:t>
+            </a:r>
+            <a:r>
+              <a:rPr lang="en-US" dirty="0"/>
+              <a:t> creates an object but returns it as a </a:t>
+            </a:r>
+            <a:r>
+              <a:rPr lang="en-US" dirty="0" smtClean="0"/>
+              <a:t>result</a:t>
+            </a:r>
+          </a:p>
+          <a:p>
+            <a:r>
+              <a:rPr lang="en-US" b="1" i="1" dirty="0"/>
+              <a:t>yield</a:t>
+            </a:r>
+            <a:r>
+              <a:rPr lang="en-US" dirty="0"/>
+              <a:t> sends a result object back to the caller, but remembers where it </a:t>
+            </a:r>
+            <a:r>
+              <a:rPr lang="en-US" dirty="0" smtClean="0"/>
+              <a:t>left off</a:t>
+            </a:r>
+          </a:p>
+          <a:p>
+            <a:r>
+              <a:rPr lang="en-US" b="1" i="1" dirty="0" err="1"/>
+              <a:t>def</a:t>
+            </a:r>
+            <a:r>
+              <a:rPr lang="en-US" dirty="0"/>
+              <a:t> Executes at Runtime</a:t>
+            </a:r>
+            <a:endParaRPr lang="en-US" dirty="0" smtClean="0"/>
+          </a:p>
+          <a:p>
+            <a:endParaRPr lang="en-US" dirty="0"/>
+          </a:p>
+        </p:txBody>
+      </p:sp>
+    </p:spTree>
+    <p:extLst>
+      <p:ext uri="{BB962C8B-B14F-4D97-AF65-F5344CB8AC3E}">
+        <p14:creationId xmlns:p14="http://schemas.microsoft.com/office/powerpoint/2010/main" val="4031296142"/>
+      </p:ext>
+    </p:extLst>
+  </p:cSld>
+  <p:clrMapOvr>
+    <a:masterClrMapping/>
+  </p:clrMapOvr>
+</p:sld>
+</file>
+
+<file path=ppt/slides/slide57.xml><?xml version="1.0" encoding="utf-8"?>
+<p:sld xmlns:a="http://schemas.openxmlformats.org/drawingml/2006/main" xmlns:r="http://schemas.openxmlformats.org/officeDocument/2006/relationships" xmlns:p="http://schemas.openxmlformats.org/presentationml/2006/main">
+  <p:cSld>
+    <p:spTree>
+      <p:nvGrpSpPr>
+        <p:cNvPr id="1" name=""/>
+        <p:cNvGrpSpPr/>
+        <p:nvPr/>
+      </p:nvGrpSpPr>
+      <p:grpSpPr>
+        <a:xfrm>
+          <a:off x="0" y="0"/>
+          <a:ext cx="0" cy="0"/>
+          <a:chOff x="0" y="0"/>
+          <a:chExt cx="0" cy="0"/>
+        </a:xfrm>
+      </p:grpSpPr>
+      <p:sp>
+        <p:nvSpPr>
+          <p:cNvPr id="2" name="Title 1"/>
+          <p:cNvSpPr>
+            <a:spLocks noGrp="1"/>
+          </p:cNvSpPr>
+          <p:nvPr>
+            <p:ph type="title"/>
+          </p:nvPr>
+        </p:nvSpPr>
+        <p:spPr/>
+        <p:txBody>
+          <a:bodyPr/>
+          <a:lstStyle/>
+          <a:p>
+            <a:r>
+              <a:rPr lang="en-US" b="1" dirty="0" smtClean="0"/>
+              <a:t>Functions</a:t>
+            </a:r>
+            <a:endParaRPr lang="en-US" b="1" dirty="0"/>
+          </a:p>
+        </p:txBody>
+      </p:sp>
+      <p:sp>
+        <p:nvSpPr>
+          <p:cNvPr id="3" name="Content Placeholder 2"/>
+          <p:cNvSpPr>
+            <a:spLocks noGrp="1"/>
+          </p:cNvSpPr>
+          <p:nvPr>
+            <p:ph idx="1"/>
+          </p:nvPr>
+        </p:nvSpPr>
+        <p:spPr>
+          <a:xfrm>
+            <a:off x="838200" y="1825625"/>
+            <a:ext cx="9516291" cy="4351338"/>
+          </a:xfrm>
+        </p:spPr>
+        <p:txBody>
+          <a:bodyPr/>
+          <a:lstStyle/>
+          <a:p>
+            <a:r>
+              <a:rPr lang="en-US" b="1" i="1" dirty="0"/>
+              <a:t>global</a:t>
+            </a:r>
+            <a:r>
+              <a:rPr lang="en-US" dirty="0"/>
+              <a:t> declares module-level variables that are to be assigned</a:t>
+            </a:r>
+          </a:p>
+          <a:p>
+            <a:r>
+              <a:rPr lang="en-US" b="1" i="1" dirty="0"/>
+              <a:t>nonlocal</a:t>
+            </a:r>
+            <a:r>
+              <a:rPr lang="en-US" dirty="0"/>
+              <a:t> declares enclosing function variables that are to be assigned</a:t>
+            </a:r>
+          </a:p>
+          <a:p>
+            <a:r>
+              <a:rPr lang="en-US" b="1" i="1" dirty="0"/>
+              <a:t>Arguments</a:t>
+            </a:r>
+            <a:r>
+              <a:rPr lang="en-US" dirty="0"/>
+              <a:t> are passed by assignment (object reference)</a:t>
+            </a:r>
+          </a:p>
+          <a:p>
+            <a:r>
+              <a:rPr lang="en-US" b="1" i="1" dirty="0"/>
+              <a:t>Arguments</a:t>
+            </a:r>
+            <a:r>
+              <a:rPr lang="en-US" dirty="0"/>
+              <a:t> are passed by position, unless you say otherwise</a:t>
+            </a:r>
+          </a:p>
+          <a:p>
+            <a:r>
+              <a:rPr lang="en-US" dirty="0"/>
+              <a:t>Arguments, return values, and variables are not declared</a:t>
+            </a:r>
+          </a:p>
+        </p:txBody>
+      </p:sp>
+    </p:spTree>
+    <p:extLst>
+      <p:ext uri="{BB962C8B-B14F-4D97-AF65-F5344CB8AC3E}">
+        <p14:creationId xmlns:p14="http://schemas.microsoft.com/office/powerpoint/2010/main" val="3703020239"/>
+      </p:ext>
+    </p:extLst>
+  </p:cSld>
+  <p:clrMapOvr>
+    <a:masterClrMapping/>
+  </p:clrMapOvr>
+</p:sld>
+</file>
+
+<file path=ppt/slides/slide58.xml><?xml version="1.0" encoding="utf-8"?>
+<p:sld xmlns:a="http://schemas.openxmlformats.org/drawingml/2006/main" xmlns:r="http://schemas.openxmlformats.org/officeDocument/2006/relationships" xmlns:p="http://schemas.openxmlformats.org/presentationml/2006/main">
+  <p:cSld>
+    <p:spTree>
+      <p:nvGrpSpPr>
+        <p:cNvPr id="1" name=""/>
+        <p:cNvGrpSpPr/>
+        <p:nvPr/>
+      </p:nvGrpSpPr>
+      <p:grpSpPr>
+        <a:xfrm>
+          <a:off x="0" y="0"/>
+          <a:ext cx="0" cy="0"/>
+          <a:chOff x="0" y="0"/>
+          <a:chExt cx="0" cy="0"/>
+        </a:xfrm>
+      </p:grpSpPr>
+      <p:sp>
+        <p:nvSpPr>
+          <p:cNvPr id="2" name="Title 1"/>
+          <p:cNvSpPr>
+            <a:spLocks noGrp="1"/>
+          </p:cNvSpPr>
+          <p:nvPr>
+            <p:ph type="title"/>
+          </p:nvPr>
+        </p:nvSpPr>
+        <p:spPr/>
+        <p:txBody>
+          <a:bodyPr/>
+          <a:lstStyle/>
+          <a:p>
+            <a:r>
+              <a:rPr lang="en-US" b="1" dirty="0" smtClean="0"/>
+              <a:t>Function - variables scope</a:t>
+            </a:r>
+            <a:endParaRPr lang="en-US" b="1" dirty="0"/>
+          </a:p>
+        </p:txBody>
+      </p:sp>
+      <p:sp>
+        <p:nvSpPr>
+          <p:cNvPr id="3" name="Content Placeholder 2"/>
+          <p:cNvSpPr>
+            <a:spLocks noGrp="1"/>
+          </p:cNvSpPr>
+          <p:nvPr>
+            <p:ph idx="1"/>
+          </p:nvPr>
+        </p:nvSpPr>
+        <p:spPr/>
+        <p:txBody>
+          <a:bodyPr/>
+          <a:lstStyle/>
+          <a:p>
+            <a:r>
+              <a:rPr lang="en-US" dirty="0"/>
+              <a:t>Names assigned inside a </a:t>
+            </a:r>
+            <a:r>
+              <a:rPr lang="en-US" b="1" i="1" dirty="0" err="1"/>
+              <a:t>def</a:t>
+            </a:r>
+            <a:r>
+              <a:rPr lang="en-US" dirty="0"/>
+              <a:t> can only be seen by the code within that </a:t>
+            </a:r>
+            <a:r>
+              <a:rPr lang="en-US" b="1" i="1" dirty="0" err="1" smtClean="0"/>
+              <a:t>def</a:t>
+            </a:r>
+            <a:endParaRPr lang="en-US" b="1" i="1" dirty="0" smtClean="0"/>
+          </a:p>
+          <a:p>
+            <a:r>
+              <a:rPr lang="en-US" dirty="0"/>
+              <a:t>Names assigned inside a </a:t>
+            </a:r>
+            <a:r>
+              <a:rPr lang="en-US" b="1" i="1" dirty="0" err="1"/>
+              <a:t>def</a:t>
+            </a:r>
+            <a:r>
+              <a:rPr lang="en-US" dirty="0"/>
+              <a:t> do not clash with variables outside the </a:t>
+            </a:r>
+            <a:r>
+              <a:rPr lang="en-US" b="1" i="1" dirty="0" err="1" smtClean="0"/>
+              <a:t>def</a:t>
+            </a:r>
+            <a:endParaRPr lang="en-US" b="1" i="1" dirty="0" smtClean="0"/>
+          </a:p>
+          <a:p>
+            <a:endParaRPr lang="en-US" b="1" i="1" dirty="0"/>
+          </a:p>
+          <a:p>
+            <a:r>
+              <a:rPr lang="en-US" dirty="0"/>
+              <a:t>If a variable is assigned </a:t>
+            </a:r>
+            <a:r>
+              <a:rPr lang="en-US" u="sng" dirty="0"/>
+              <a:t>inside a </a:t>
+            </a:r>
+            <a:r>
+              <a:rPr lang="en-US" u="sng" dirty="0" err="1"/>
+              <a:t>def</a:t>
+            </a:r>
+            <a:r>
+              <a:rPr lang="en-US" dirty="0"/>
+              <a:t>, it is </a:t>
+            </a:r>
+            <a:r>
+              <a:rPr lang="en-US" b="1" i="1" dirty="0"/>
+              <a:t>local</a:t>
+            </a:r>
+            <a:r>
+              <a:rPr lang="en-US" i="1" dirty="0"/>
+              <a:t> </a:t>
+            </a:r>
+            <a:r>
+              <a:rPr lang="en-US" dirty="0"/>
+              <a:t>to that function.</a:t>
+            </a:r>
+          </a:p>
+          <a:p>
+            <a:r>
+              <a:rPr lang="en-US" dirty="0" smtClean="0"/>
+              <a:t>If </a:t>
+            </a:r>
+            <a:r>
+              <a:rPr lang="en-US" dirty="0"/>
+              <a:t>a variable is assigned in an </a:t>
+            </a:r>
+            <a:r>
+              <a:rPr lang="en-US" u="sng" dirty="0"/>
+              <a:t>enclosing </a:t>
+            </a:r>
+            <a:r>
+              <a:rPr lang="en-US" u="sng" dirty="0" err="1"/>
+              <a:t>def</a:t>
+            </a:r>
+            <a:r>
+              <a:rPr lang="en-US" dirty="0"/>
+              <a:t>, it is </a:t>
+            </a:r>
+            <a:r>
+              <a:rPr lang="en-US" b="1" i="1" dirty="0"/>
+              <a:t>nonlocal</a:t>
+            </a:r>
+            <a:r>
+              <a:rPr lang="en-US" i="1" dirty="0"/>
+              <a:t> </a:t>
+            </a:r>
+            <a:r>
+              <a:rPr lang="en-US" dirty="0"/>
+              <a:t>to nested functions.</a:t>
+            </a:r>
+          </a:p>
+          <a:p>
+            <a:r>
+              <a:rPr lang="en-US" dirty="0" smtClean="0"/>
+              <a:t>If </a:t>
+            </a:r>
+            <a:r>
+              <a:rPr lang="en-US" dirty="0"/>
+              <a:t>a variable is assigned </a:t>
+            </a:r>
+            <a:r>
+              <a:rPr lang="en-US" u="sng" dirty="0"/>
+              <a:t>outside all </a:t>
+            </a:r>
+            <a:r>
+              <a:rPr lang="en-US" u="sng" dirty="0" err="1"/>
+              <a:t>defs</a:t>
+            </a:r>
+            <a:r>
+              <a:rPr lang="en-US" dirty="0"/>
+              <a:t>, it is </a:t>
+            </a:r>
+            <a:r>
+              <a:rPr lang="en-US" b="1" i="1" dirty="0"/>
+              <a:t>global</a:t>
+            </a:r>
+            <a:r>
+              <a:rPr lang="en-US" i="1" dirty="0"/>
+              <a:t> </a:t>
+            </a:r>
+            <a:r>
+              <a:rPr lang="en-US" dirty="0"/>
+              <a:t>to the entire file.</a:t>
+            </a:r>
+            <a:endParaRPr lang="en-US" b="1" i="1" dirty="0"/>
+          </a:p>
+        </p:txBody>
+      </p:sp>
+    </p:spTree>
+    <p:extLst>
+      <p:ext uri="{BB962C8B-B14F-4D97-AF65-F5344CB8AC3E}">
+        <p14:creationId xmlns:p14="http://schemas.microsoft.com/office/powerpoint/2010/main" val="3905686012"/>
+      </p:ext>
+    </p:extLst>
+  </p:cSld>
+  <p:clrMapOvr>
+    <a:masterClrMapping/>
+  </p:clrMapOvr>
+</p:sld>
+</file>
+
+<file path=ppt/slides/slide59.xml><?xml version="1.0" encoding="utf-8"?>
+<p:sld xmlns:a="http://schemas.openxmlformats.org/drawingml/2006/main" xmlns:r="http://schemas.openxmlformats.org/officeDocument/2006/relationships" xmlns:p="http://schemas.openxmlformats.org/presentationml/2006/main">
+  <p:cSld>
+    <p:spTree>
+      <p:nvGrpSpPr>
+        <p:cNvPr id="1" name=""/>
+        <p:cNvGrpSpPr/>
+        <p:nvPr/>
+      </p:nvGrpSpPr>
+      <p:grpSpPr>
+        <a:xfrm>
+          <a:off x="0" y="0"/>
+          <a:ext cx="0" cy="0"/>
+          <a:chOff x="0" y="0"/>
+          <a:chExt cx="0" cy="0"/>
+        </a:xfrm>
+      </p:grpSpPr>
+      <p:sp>
+        <p:nvSpPr>
+          <p:cNvPr id="2" name="Title 1"/>
+          <p:cNvSpPr>
+            <a:spLocks noGrp="1"/>
+          </p:cNvSpPr>
+          <p:nvPr>
+            <p:ph type="title"/>
+          </p:nvPr>
+        </p:nvSpPr>
+        <p:spPr/>
+        <p:txBody>
+          <a:bodyPr/>
+          <a:lstStyle/>
+          <a:p>
+            <a:r>
+              <a:rPr lang="en-US" b="1" dirty="0" smtClean="0"/>
+              <a:t>Function – variables scope</a:t>
+            </a:r>
+            <a:endParaRPr lang="en-US" b="1" dirty="0"/>
+          </a:p>
+        </p:txBody>
+      </p:sp>
+      <p:sp>
+        <p:nvSpPr>
+          <p:cNvPr id="3" name="Content Placeholder 2"/>
+          <p:cNvSpPr>
+            <a:spLocks noGrp="1"/>
+          </p:cNvSpPr>
+          <p:nvPr>
+            <p:ph idx="1"/>
+          </p:nvPr>
+        </p:nvSpPr>
+        <p:spPr/>
+        <p:txBody>
+          <a:bodyPr/>
+          <a:lstStyle/>
+          <a:p>
+            <a:pPr marL="0" indent="0">
+              <a:buNone/>
+            </a:pPr>
+            <a:r>
+              <a:rPr lang="it-IT" sz="2400" dirty="0"/>
+              <a:t>X = 99 </a:t>
+            </a:r>
+            <a:r>
+              <a:rPr lang="it-IT" sz="2400" dirty="0" smtClean="0"/>
+              <a:t>			</a:t>
+            </a:r>
+            <a:r>
+              <a:rPr lang="it-IT" sz="1800" i="1" dirty="0" smtClean="0"/>
+              <a:t># </a:t>
+            </a:r>
+            <a:r>
+              <a:rPr lang="it-IT" sz="1800" i="1" dirty="0"/>
+              <a:t>Global (module) scope X</a:t>
+            </a:r>
+          </a:p>
+          <a:p>
+            <a:pPr marL="0" indent="0">
+              <a:buNone/>
+            </a:pPr>
+            <a:r>
+              <a:rPr lang="en-US" sz="2400" dirty="0" err="1"/>
+              <a:t>def</a:t>
+            </a:r>
+            <a:r>
+              <a:rPr lang="en-US" sz="2400" dirty="0"/>
+              <a:t> </a:t>
+            </a:r>
+            <a:r>
+              <a:rPr lang="en-US" sz="2400" dirty="0" err="1"/>
+              <a:t>func</a:t>
+            </a:r>
+            <a:r>
+              <a:rPr lang="en-US" sz="2400" dirty="0"/>
+              <a:t>():</a:t>
+            </a:r>
+          </a:p>
+          <a:p>
+            <a:pPr marL="0" indent="0">
+              <a:buNone/>
+            </a:pPr>
+            <a:r>
+              <a:rPr lang="en-US" sz="2400" dirty="0" smtClean="0"/>
+              <a:t>	X </a:t>
+            </a:r>
+            <a:r>
+              <a:rPr lang="en-US" sz="2400" dirty="0"/>
+              <a:t>= 88 </a:t>
+            </a:r>
+            <a:r>
+              <a:rPr lang="en-US" sz="2400" dirty="0" smtClean="0"/>
+              <a:t>		</a:t>
+            </a:r>
+            <a:r>
+              <a:rPr lang="en-US" sz="1800" i="1" dirty="0" smtClean="0"/>
+              <a:t># </a:t>
+            </a:r>
+            <a:r>
+              <a:rPr lang="en-US" sz="1800" i="1" dirty="0"/>
+              <a:t>Local (function) scope X: a </a:t>
+            </a:r>
+            <a:r>
+              <a:rPr lang="en-US" sz="1800" i="1" dirty="0" smtClean="0"/>
+              <a:t>different variable</a:t>
+            </a:r>
+          </a:p>
+          <a:p>
+            <a:pPr marL="0" indent="0">
+              <a:buNone/>
+            </a:pPr>
+            <a:r>
+              <a:rPr lang="en-US" sz="2400" dirty="0" err="1"/>
+              <a:t>func</a:t>
+            </a:r>
+            <a:r>
+              <a:rPr lang="en-US" sz="2400" dirty="0" smtClean="0"/>
+              <a:t>()</a:t>
+            </a:r>
+          </a:p>
+          <a:p>
+            <a:pPr marL="0" indent="0">
+              <a:buNone/>
+            </a:pPr>
+            <a:r>
+              <a:rPr lang="en-US" sz="2400" dirty="0" smtClean="0"/>
+              <a:t>print(x)			</a:t>
+            </a:r>
+            <a:r>
+              <a:rPr lang="en-US" sz="1800" dirty="0" smtClean="0"/>
+              <a:t>#99    - as X within </a:t>
+            </a:r>
+            <a:r>
+              <a:rPr lang="en-US" sz="1800" dirty="0" err="1" smtClean="0"/>
+              <a:t>func</a:t>
+            </a:r>
+            <a:r>
+              <a:rPr lang="en-US" sz="1800" dirty="0" smtClean="0"/>
+              <a:t>() is local and will not change global X</a:t>
+            </a:r>
+          </a:p>
+          <a:p>
+            <a:pPr marL="0" indent="0">
+              <a:buNone/>
+            </a:pPr>
+            <a:endParaRPr lang="en-US" dirty="0"/>
+          </a:p>
+          <a:p>
+            <a:r>
+              <a:rPr lang="en-US" dirty="0"/>
+              <a:t>Assigned names are local unless declared global or </a:t>
+            </a:r>
+            <a:r>
+              <a:rPr lang="en-US" dirty="0" smtClean="0"/>
+              <a:t>nonlocal</a:t>
+            </a:r>
+            <a:r>
+              <a:rPr lang="en-US" dirty="0"/>
+              <a:t> </a:t>
+            </a:r>
+            <a:endParaRPr lang="en-US" dirty="0" smtClean="0"/>
+          </a:p>
+          <a:p>
+            <a:r>
+              <a:rPr lang="en-US" dirty="0" smtClean="0"/>
+              <a:t>All </a:t>
+            </a:r>
+            <a:r>
+              <a:rPr lang="en-US" dirty="0"/>
+              <a:t>other names are enclosing function locals, </a:t>
+            </a:r>
+            <a:r>
+              <a:rPr lang="en-US" dirty="0" err="1"/>
+              <a:t>globals</a:t>
+            </a:r>
+            <a:r>
+              <a:rPr lang="en-US" dirty="0"/>
+              <a:t>, or </a:t>
+            </a:r>
+            <a:r>
+              <a:rPr lang="en-US" dirty="0" smtClean="0"/>
+              <a:t>built-ins</a:t>
+            </a:r>
+          </a:p>
+          <a:p>
+            <a:r>
+              <a:rPr lang="en-US" dirty="0"/>
+              <a:t>Each call to a function creates a new local </a:t>
+            </a:r>
+            <a:r>
+              <a:rPr lang="en-US" dirty="0" smtClean="0"/>
+              <a:t>scope</a:t>
+            </a:r>
+          </a:p>
+          <a:p>
+            <a:pPr marL="0" indent="0">
+              <a:buNone/>
+            </a:pPr>
+            <a:endParaRPr lang="en-US" sz="2000" dirty="0"/>
+          </a:p>
+        </p:txBody>
+      </p:sp>
+    </p:spTree>
+    <p:extLst>
+      <p:ext uri="{BB962C8B-B14F-4D97-AF65-F5344CB8AC3E}">
+        <p14:creationId xmlns:p14="http://schemas.microsoft.com/office/powerpoint/2010/main" val="2516904419"/>
       </p:ext>
     </p:extLst>
   </p:cSld>
@@ -20805,11 +22149,11 @@
   <p:clrMapOvr>
     <a:masterClrMapping/>
   </p:clrMapOvr>
-  <mc:AlternateContent xmlns:mc="http://schemas.openxmlformats.org/markup-compatibility/2006">
-    <mc:Choice xmlns:p14="http://schemas.microsoft.com/office/powerpoint/2010/main" Requires="p14">
+  <mc:AlternateContent xmlns:mc="http://schemas.openxmlformats.org/markup-compatibility/2006" xmlns:p14="http://schemas.microsoft.com/office/powerpoint/2010/main">
+    <mc:Choice Requires="p14">
       <p:transition p14:dur="0"/>
     </mc:Choice>
-    <mc:Fallback>
+    <mc:Fallback xmlns="">
       <p:transition/>
     </mc:Fallback>
   </mc:AlternateContent>
@@ -20820,6 +22164,3224 @@
       </p:par>
     </p:tnLst>
   </p:timing>
+</p:sld>
+</file>
+
+<file path=ppt/slides/slide60.xml><?xml version="1.0" encoding="utf-8"?>
+<p:sld xmlns:a="http://schemas.openxmlformats.org/drawingml/2006/main" xmlns:r="http://schemas.openxmlformats.org/officeDocument/2006/relationships" xmlns:p="http://schemas.openxmlformats.org/presentationml/2006/main">
+  <p:cSld>
+    <p:spTree>
+      <p:nvGrpSpPr>
+        <p:cNvPr id="1" name=""/>
+        <p:cNvGrpSpPr/>
+        <p:nvPr/>
+      </p:nvGrpSpPr>
+      <p:grpSpPr>
+        <a:xfrm>
+          <a:off x="0" y="0"/>
+          <a:ext cx="0" cy="0"/>
+          <a:chOff x="0" y="0"/>
+          <a:chExt cx="0" cy="0"/>
+        </a:xfrm>
+      </p:grpSpPr>
+      <p:sp>
+        <p:nvSpPr>
+          <p:cNvPr id="2" name="Title 1"/>
+          <p:cNvSpPr>
+            <a:spLocks noGrp="1"/>
+          </p:cNvSpPr>
+          <p:nvPr>
+            <p:ph type="title"/>
+          </p:nvPr>
+        </p:nvSpPr>
+        <p:spPr/>
+        <p:txBody>
+          <a:bodyPr/>
+          <a:lstStyle/>
+          <a:p>
+            <a:r>
+              <a:rPr lang="en-US" b="1" dirty="0" smtClean="0"/>
+              <a:t>Function – variables scope</a:t>
+            </a:r>
+            <a:endParaRPr lang="en-US" b="1" dirty="0"/>
+          </a:p>
+        </p:txBody>
+      </p:sp>
+      <p:sp>
+        <p:nvSpPr>
+          <p:cNvPr id="3" name="Content Placeholder 2"/>
+          <p:cNvSpPr>
+            <a:spLocks noGrp="1"/>
+          </p:cNvSpPr>
+          <p:nvPr>
+            <p:ph idx="1"/>
+          </p:nvPr>
+        </p:nvSpPr>
+        <p:spPr>
+          <a:xfrm>
+            <a:off x="420189" y="1690688"/>
+            <a:ext cx="5449389" cy="4351338"/>
+          </a:xfrm>
+        </p:spPr>
+        <p:txBody>
+          <a:bodyPr>
+            <a:normAutofit lnSpcReduction="10000"/>
+          </a:bodyPr>
+          <a:lstStyle/>
+          <a:p>
+            <a:pPr marL="0" indent="0">
+              <a:buNone/>
+            </a:pPr>
+            <a:r>
+              <a:rPr lang="en-US" sz="3200" dirty="0"/>
+              <a:t>Name Resolution: The </a:t>
+            </a:r>
+            <a:r>
+              <a:rPr lang="en-US" sz="3200" b="1" dirty="0"/>
+              <a:t>LEGB</a:t>
+            </a:r>
+            <a:r>
+              <a:rPr lang="en-US" sz="3200" dirty="0"/>
+              <a:t> </a:t>
+            </a:r>
+            <a:r>
+              <a:rPr lang="en-US" sz="3200" dirty="0" smtClean="0"/>
+              <a:t>Rule</a:t>
+            </a:r>
+          </a:p>
+          <a:p>
+            <a:r>
+              <a:rPr lang="en-US" dirty="0"/>
+              <a:t>When you use an unqualified name inside a function, Python searches up to </a:t>
+            </a:r>
+            <a:r>
+              <a:rPr lang="en-US" dirty="0" smtClean="0"/>
+              <a:t>four scopes—</a:t>
+            </a:r>
+          </a:p>
+          <a:p>
+            <a:r>
+              <a:rPr lang="en-US" dirty="0" smtClean="0"/>
+              <a:t>the </a:t>
+            </a:r>
+            <a:r>
+              <a:rPr lang="en-US" dirty="0"/>
+              <a:t>local (</a:t>
+            </a:r>
+            <a:r>
+              <a:rPr lang="en-US" i="1" dirty="0"/>
+              <a:t>L</a:t>
+            </a:r>
+            <a:r>
+              <a:rPr lang="en-US" dirty="0"/>
+              <a:t>) scope, </a:t>
+            </a:r>
+            <a:endParaRPr lang="en-US" dirty="0" smtClean="0"/>
+          </a:p>
+          <a:p>
+            <a:r>
+              <a:rPr lang="en-US" dirty="0" smtClean="0"/>
+              <a:t>then </a:t>
+            </a:r>
+            <a:r>
+              <a:rPr lang="en-US" dirty="0"/>
+              <a:t>the local scopes of any enclosing (</a:t>
+            </a:r>
+            <a:r>
+              <a:rPr lang="en-US" i="1" dirty="0"/>
+              <a:t>E</a:t>
+            </a:r>
+            <a:r>
+              <a:rPr lang="en-US" dirty="0"/>
+              <a:t>) </a:t>
+            </a:r>
+            <a:r>
+              <a:rPr lang="en-US" dirty="0" err="1"/>
+              <a:t>defs</a:t>
+            </a:r>
+            <a:r>
+              <a:rPr lang="en-US" dirty="0"/>
+              <a:t> </a:t>
+            </a:r>
+            <a:r>
+              <a:rPr lang="en-US" dirty="0" smtClean="0"/>
+              <a:t>and lambdas</a:t>
+            </a:r>
+            <a:r>
+              <a:rPr lang="en-US" dirty="0"/>
+              <a:t>, </a:t>
+            </a:r>
+            <a:endParaRPr lang="en-US" dirty="0" smtClean="0"/>
+          </a:p>
+          <a:p>
+            <a:r>
+              <a:rPr lang="en-US" dirty="0" smtClean="0"/>
+              <a:t>then </a:t>
+            </a:r>
+            <a:r>
+              <a:rPr lang="en-US" dirty="0"/>
+              <a:t>the global (</a:t>
+            </a:r>
+            <a:r>
+              <a:rPr lang="en-US" i="1" dirty="0"/>
+              <a:t>G</a:t>
+            </a:r>
+            <a:r>
+              <a:rPr lang="en-US" dirty="0"/>
+              <a:t>) scope, </a:t>
+            </a:r>
+            <a:endParaRPr lang="en-US" dirty="0" smtClean="0"/>
+          </a:p>
+          <a:p>
+            <a:r>
+              <a:rPr lang="en-US" dirty="0" smtClean="0"/>
+              <a:t>and </a:t>
+            </a:r>
+            <a:r>
+              <a:rPr lang="en-US" dirty="0"/>
+              <a:t>then the </a:t>
+            </a:r>
+            <a:r>
+              <a:rPr lang="en-US" dirty="0" smtClean="0"/>
+              <a:t>built-in </a:t>
+            </a:r>
+            <a:r>
+              <a:rPr lang="en-US" dirty="0"/>
+              <a:t>(</a:t>
+            </a:r>
+            <a:r>
+              <a:rPr lang="en-US" i="1" dirty="0"/>
+              <a:t>B</a:t>
+            </a:r>
+            <a:r>
+              <a:rPr lang="en-US" dirty="0"/>
+              <a:t>) scope</a:t>
+            </a:r>
+          </a:p>
+        </p:txBody>
+      </p:sp>
+      <p:pic>
+        <p:nvPicPr>
+          <p:cNvPr id="4" name="Picture 3"/>
+          <p:cNvPicPr>
+            <a:picLocks noChangeAspect="1"/>
+          </p:cNvPicPr>
+          <p:nvPr/>
+        </p:nvPicPr>
+        <p:blipFill>
+          <a:blip r:embed="rId2"/>
+          <a:stretch>
+            <a:fillRect/>
+          </a:stretch>
+        </p:blipFill>
+        <p:spPr>
+          <a:xfrm>
+            <a:off x="5240788" y="1523999"/>
+            <a:ext cx="6951212" cy="4841149"/>
+          </a:xfrm>
+          <a:prstGeom prst="rect">
+            <a:avLst/>
+          </a:prstGeom>
+        </p:spPr>
+      </p:pic>
+    </p:spTree>
+    <p:extLst>
+      <p:ext uri="{BB962C8B-B14F-4D97-AF65-F5344CB8AC3E}">
+        <p14:creationId xmlns:p14="http://schemas.microsoft.com/office/powerpoint/2010/main" val="3495181549"/>
+      </p:ext>
+    </p:extLst>
+  </p:cSld>
+  <p:clrMapOvr>
+    <a:masterClrMapping/>
+  </p:clrMapOvr>
+</p:sld>
+</file>
+
+<file path=ppt/slides/slide61.xml><?xml version="1.0" encoding="utf-8"?>
+<p:sld xmlns:a="http://schemas.openxmlformats.org/drawingml/2006/main" xmlns:r="http://schemas.openxmlformats.org/officeDocument/2006/relationships" xmlns:p="http://schemas.openxmlformats.org/presentationml/2006/main">
+  <p:cSld>
+    <p:spTree>
+      <p:nvGrpSpPr>
+        <p:cNvPr id="1" name=""/>
+        <p:cNvGrpSpPr/>
+        <p:nvPr/>
+      </p:nvGrpSpPr>
+      <p:grpSpPr>
+        <a:xfrm>
+          <a:off x="0" y="0"/>
+          <a:ext cx="0" cy="0"/>
+          <a:chOff x="0" y="0"/>
+          <a:chExt cx="0" cy="0"/>
+        </a:xfrm>
+      </p:grpSpPr>
+      <p:sp>
+        <p:nvSpPr>
+          <p:cNvPr id="2" name="Title 1"/>
+          <p:cNvSpPr>
+            <a:spLocks noGrp="1"/>
+          </p:cNvSpPr>
+          <p:nvPr>
+            <p:ph type="title"/>
+          </p:nvPr>
+        </p:nvSpPr>
+        <p:spPr/>
+        <p:txBody>
+          <a:bodyPr/>
+          <a:lstStyle/>
+          <a:p>
+            <a:r>
+              <a:rPr lang="en-US" b="1" dirty="0" smtClean="0"/>
+              <a:t>Functions – variables scope</a:t>
+            </a:r>
+            <a:endParaRPr lang="en-US" b="1" dirty="0"/>
+          </a:p>
+        </p:txBody>
+      </p:sp>
+      <p:sp>
+        <p:nvSpPr>
+          <p:cNvPr id="3" name="Content Placeholder 2"/>
+          <p:cNvSpPr>
+            <a:spLocks noGrp="1"/>
+          </p:cNvSpPr>
+          <p:nvPr>
+            <p:ph idx="1"/>
+          </p:nvPr>
+        </p:nvSpPr>
+        <p:spPr>
+          <a:xfrm>
+            <a:off x="838200" y="1573076"/>
+            <a:ext cx="5019675" cy="1684474"/>
+          </a:xfrm>
+          <a:ln>
+            <a:solidFill>
+              <a:schemeClr val="accent1"/>
+            </a:solidFill>
+          </a:ln>
+        </p:spPr>
+        <p:txBody>
+          <a:bodyPr>
+            <a:noAutofit/>
+          </a:bodyPr>
+          <a:lstStyle/>
+          <a:p>
+            <a:pPr marL="0" indent="0">
+              <a:lnSpc>
+                <a:spcPct val="100000"/>
+              </a:lnSpc>
+              <a:spcBef>
+                <a:spcPts val="0"/>
+              </a:spcBef>
+              <a:buNone/>
+            </a:pPr>
+            <a:r>
+              <a:rPr lang="en-US" sz="1400" i="1" dirty="0"/>
+              <a:t># Global scope</a:t>
+            </a:r>
+          </a:p>
+          <a:p>
+            <a:pPr marL="0" indent="0">
+              <a:lnSpc>
+                <a:spcPct val="100000"/>
+              </a:lnSpc>
+              <a:spcBef>
+                <a:spcPts val="0"/>
+              </a:spcBef>
+              <a:buNone/>
+            </a:pPr>
+            <a:r>
+              <a:rPr lang="en-US" sz="1400" dirty="0">
+                <a:solidFill>
+                  <a:schemeClr val="accent6">
+                    <a:lumMod val="60000"/>
+                    <a:lumOff val="40000"/>
+                  </a:schemeClr>
+                </a:solidFill>
+              </a:rPr>
+              <a:t>X</a:t>
+            </a:r>
+            <a:r>
+              <a:rPr lang="en-US" sz="1400" dirty="0"/>
+              <a:t> = 99 </a:t>
+            </a:r>
+            <a:r>
+              <a:rPr lang="en-US" sz="1400" dirty="0" smtClean="0"/>
+              <a:t>	</a:t>
+            </a:r>
+            <a:r>
+              <a:rPr lang="en-US" sz="1400" dirty="0"/>
+              <a:t>	</a:t>
+            </a:r>
+            <a:r>
+              <a:rPr lang="en-US" sz="1400" i="1" dirty="0" smtClean="0"/>
+              <a:t># </a:t>
+            </a:r>
+            <a:r>
+              <a:rPr lang="en-US" sz="1400" i="1" dirty="0"/>
+              <a:t>X and </a:t>
+            </a:r>
+            <a:r>
+              <a:rPr lang="en-US" sz="1400" i="1" dirty="0" err="1"/>
+              <a:t>func</a:t>
+            </a:r>
+            <a:r>
+              <a:rPr lang="en-US" sz="1400" i="1" dirty="0"/>
+              <a:t> assigned in module: global</a:t>
+            </a:r>
+          </a:p>
+          <a:p>
+            <a:pPr marL="0" indent="0">
+              <a:lnSpc>
+                <a:spcPct val="100000"/>
+              </a:lnSpc>
+              <a:spcBef>
+                <a:spcPts val="0"/>
+              </a:spcBef>
+              <a:buNone/>
+            </a:pPr>
+            <a:r>
+              <a:rPr lang="en-US" sz="1400" dirty="0" err="1"/>
+              <a:t>def</a:t>
+            </a:r>
+            <a:r>
+              <a:rPr lang="en-US" sz="1400" dirty="0"/>
+              <a:t> </a:t>
+            </a:r>
+            <a:r>
+              <a:rPr lang="en-US" sz="1400" dirty="0" err="1"/>
+              <a:t>func</a:t>
+            </a:r>
+            <a:r>
+              <a:rPr lang="en-US" sz="1400" dirty="0"/>
+              <a:t>(Y): </a:t>
+            </a:r>
+            <a:r>
+              <a:rPr lang="en-US" sz="1400" dirty="0" smtClean="0"/>
+              <a:t>		</a:t>
+            </a:r>
+            <a:r>
+              <a:rPr lang="en-US" sz="1400" i="1" dirty="0" smtClean="0"/>
+              <a:t># </a:t>
+            </a:r>
+            <a:r>
+              <a:rPr lang="en-US" sz="1400" i="1" dirty="0"/>
+              <a:t>Y and Z assigned in function: locals</a:t>
+            </a:r>
+          </a:p>
+          <a:p>
+            <a:pPr marL="457200" lvl="1" indent="0">
+              <a:lnSpc>
+                <a:spcPct val="100000"/>
+              </a:lnSpc>
+              <a:spcBef>
+                <a:spcPts val="0"/>
+              </a:spcBef>
+              <a:buNone/>
+            </a:pPr>
+            <a:r>
+              <a:rPr lang="en-US" sz="1400" i="1" dirty="0"/>
+              <a:t># Local scope</a:t>
+            </a:r>
+          </a:p>
+          <a:p>
+            <a:pPr marL="457200" lvl="1" indent="0">
+              <a:lnSpc>
+                <a:spcPct val="100000"/>
+              </a:lnSpc>
+              <a:spcBef>
+                <a:spcPts val="0"/>
+              </a:spcBef>
+              <a:buNone/>
+            </a:pPr>
+            <a:r>
+              <a:rPr lang="en-US" sz="1400" dirty="0"/>
+              <a:t>Z = </a:t>
+            </a:r>
+            <a:r>
+              <a:rPr lang="en-US" sz="1400" dirty="0">
+                <a:solidFill>
+                  <a:schemeClr val="accent6">
+                    <a:lumMod val="60000"/>
+                    <a:lumOff val="40000"/>
+                  </a:schemeClr>
+                </a:solidFill>
+              </a:rPr>
+              <a:t>X </a:t>
+            </a:r>
+            <a:r>
+              <a:rPr lang="en-US" sz="1400" dirty="0"/>
+              <a:t>+ Y </a:t>
+            </a:r>
+            <a:r>
+              <a:rPr lang="en-US" sz="1400" dirty="0" smtClean="0"/>
+              <a:t>	</a:t>
+            </a:r>
+            <a:r>
+              <a:rPr lang="en-US" sz="1400" i="1" dirty="0" smtClean="0"/>
+              <a:t># </a:t>
+            </a:r>
+            <a:r>
+              <a:rPr lang="en-US" sz="1400" i="1" dirty="0"/>
+              <a:t>X is a </a:t>
+            </a:r>
+            <a:r>
+              <a:rPr lang="en-US" sz="1400" i="1" dirty="0" smtClean="0"/>
+              <a:t>global</a:t>
+            </a:r>
+          </a:p>
+          <a:p>
+            <a:pPr marL="0" indent="0">
+              <a:lnSpc>
+                <a:spcPct val="100000"/>
+              </a:lnSpc>
+              <a:spcBef>
+                <a:spcPts val="0"/>
+              </a:spcBef>
+              <a:buNone/>
+            </a:pPr>
+            <a:r>
+              <a:rPr lang="en-US" sz="1400" dirty="0"/>
+              <a:t> </a:t>
+            </a:r>
+            <a:r>
+              <a:rPr lang="en-US" sz="1400" dirty="0" smtClean="0"/>
+              <a:t>      return </a:t>
+            </a:r>
+            <a:r>
+              <a:rPr lang="en-US" sz="1400" dirty="0"/>
+              <a:t>Z</a:t>
+            </a:r>
+          </a:p>
+          <a:p>
+            <a:pPr marL="0" indent="0">
+              <a:lnSpc>
+                <a:spcPct val="100000"/>
+              </a:lnSpc>
+              <a:spcBef>
+                <a:spcPts val="0"/>
+              </a:spcBef>
+              <a:buNone/>
+            </a:pPr>
+            <a:r>
+              <a:rPr lang="en-US" sz="1400" dirty="0" err="1"/>
+              <a:t>func</a:t>
+            </a:r>
+            <a:r>
+              <a:rPr lang="en-US" sz="1400" dirty="0"/>
+              <a:t>(1) </a:t>
+            </a:r>
+            <a:r>
+              <a:rPr lang="en-US" sz="1400" dirty="0" smtClean="0"/>
+              <a:t>		</a:t>
+            </a:r>
+            <a:r>
+              <a:rPr lang="en-US" sz="1400" i="1" dirty="0" smtClean="0"/>
+              <a:t># </a:t>
+            </a:r>
+            <a:r>
+              <a:rPr lang="en-US" sz="1400" i="1" dirty="0" err="1"/>
+              <a:t>func</a:t>
+            </a:r>
+            <a:r>
+              <a:rPr lang="en-US" sz="1400" i="1" dirty="0"/>
+              <a:t> in module: result=100</a:t>
+            </a:r>
+            <a:endParaRPr lang="en-US" sz="1400" dirty="0"/>
+          </a:p>
+        </p:txBody>
+      </p:sp>
+      <p:sp>
+        <p:nvSpPr>
+          <p:cNvPr id="4" name="TextBox 3"/>
+          <p:cNvSpPr txBox="1"/>
+          <p:nvPr/>
+        </p:nvSpPr>
+        <p:spPr>
+          <a:xfrm>
+            <a:off x="838199" y="5127430"/>
+            <a:ext cx="5019675" cy="1600438"/>
+          </a:xfrm>
+          <a:prstGeom prst="rect">
+            <a:avLst/>
+          </a:prstGeom>
+          <a:noFill/>
+          <a:ln>
+            <a:solidFill>
+              <a:schemeClr val="accent1"/>
+            </a:solidFill>
+          </a:ln>
+        </p:spPr>
+        <p:txBody>
+          <a:bodyPr wrap="square" rtlCol="0">
+            <a:spAutoFit/>
+          </a:bodyPr>
+          <a:lstStyle/>
+          <a:p>
+            <a:r>
+              <a:rPr lang="en-US" sz="1400" i="1" dirty="0"/>
+              <a:t># Global X</a:t>
+            </a:r>
+          </a:p>
+          <a:p>
+            <a:r>
+              <a:rPr lang="en-US" sz="1400" i="1" dirty="0"/>
+              <a:t>X = 88 	</a:t>
+            </a:r>
+          </a:p>
+          <a:p>
+            <a:r>
+              <a:rPr lang="en-US" sz="1400" i="1" dirty="0" err="1"/>
+              <a:t>def</a:t>
+            </a:r>
+            <a:r>
+              <a:rPr lang="en-US" sz="1400" i="1" dirty="0"/>
+              <a:t> </a:t>
+            </a:r>
+            <a:r>
+              <a:rPr lang="en-US" sz="1400" i="1" dirty="0" err="1"/>
+              <a:t>func</a:t>
+            </a:r>
+            <a:r>
+              <a:rPr lang="en-US" sz="1400" i="1" dirty="0"/>
+              <a:t>():</a:t>
+            </a:r>
+          </a:p>
+          <a:p>
+            <a:r>
+              <a:rPr lang="en-US" sz="1400" i="1" dirty="0"/>
+              <a:t>         global X</a:t>
+            </a:r>
+          </a:p>
+          <a:p>
+            <a:r>
+              <a:rPr lang="en-US" sz="1400" i="1" dirty="0"/>
+              <a:t>         X = 99 	</a:t>
+            </a:r>
+            <a:r>
+              <a:rPr lang="en-US" sz="1400" i="1" dirty="0" smtClean="0"/>
+              <a:t>	# </a:t>
+            </a:r>
+            <a:r>
+              <a:rPr lang="en-US" sz="1400" i="1" dirty="0"/>
+              <a:t>Global X: outside </a:t>
+            </a:r>
+            <a:r>
+              <a:rPr lang="en-US" sz="1400" i="1" dirty="0" err="1"/>
+              <a:t>def</a:t>
+            </a:r>
+            <a:endParaRPr lang="en-US" sz="1400" i="1" dirty="0"/>
+          </a:p>
+          <a:p>
+            <a:r>
+              <a:rPr lang="en-US" sz="1400" i="1" dirty="0" err="1"/>
+              <a:t>func</a:t>
+            </a:r>
+            <a:r>
+              <a:rPr lang="en-US" sz="1400" i="1" dirty="0"/>
+              <a:t>()</a:t>
+            </a:r>
+          </a:p>
+          <a:p>
+            <a:r>
+              <a:rPr lang="en-US" sz="1400" i="1" dirty="0"/>
+              <a:t>print(X) 	</a:t>
+            </a:r>
+            <a:r>
+              <a:rPr lang="en-US" sz="1400" i="1" dirty="0" smtClean="0"/>
+              <a:t>	# </a:t>
+            </a:r>
+            <a:r>
+              <a:rPr lang="en-US" sz="1400" i="1" dirty="0"/>
+              <a:t>Prints </a:t>
+            </a:r>
+            <a:r>
+              <a:rPr lang="en-US" sz="1400" i="1" dirty="0" smtClean="0"/>
+              <a:t>99</a:t>
+            </a:r>
+            <a:endParaRPr lang="en-US" sz="1400" i="1" dirty="0"/>
+          </a:p>
+        </p:txBody>
+      </p:sp>
+      <p:sp>
+        <p:nvSpPr>
+          <p:cNvPr id="5" name="Rectangle 4"/>
+          <p:cNvSpPr/>
+          <p:nvPr/>
+        </p:nvSpPr>
+        <p:spPr>
+          <a:xfrm>
+            <a:off x="6192338" y="1573076"/>
+            <a:ext cx="5014369" cy="954107"/>
+          </a:xfrm>
+          <a:prstGeom prst="rect">
+            <a:avLst/>
+          </a:prstGeom>
+          <a:ln>
+            <a:solidFill>
+              <a:schemeClr val="accent1"/>
+            </a:solidFill>
+          </a:ln>
+        </p:spPr>
+        <p:txBody>
+          <a:bodyPr wrap="square">
+            <a:spAutoFit/>
+          </a:bodyPr>
+          <a:lstStyle/>
+          <a:p>
+            <a:r>
+              <a:rPr lang="es-ES" sz="1400" i="1" dirty="0"/>
+              <a:t>y, z = 1, 2 </a:t>
+            </a:r>
+            <a:r>
+              <a:rPr lang="es-ES" sz="1400" i="1" dirty="0" smtClean="0"/>
+              <a:t>                      # </a:t>
+            </a:r>
+            <a:r>
+              <a:rPr lang="es-ES" sz="1400" i="1" dirty="0"/>
+              <a:t>Global variables in module</a:t>
+            </a:r>
+          </a:p>
+          <a:p>
+            <a:r>
+              <a:rPr lang="en-US" sz="1400" i="1" dirty="0" err="1"/>
+              <a:t>def</a:t>
+            </a:r>
+            <a:r>
+              <a:rPr lang="en-US" sz="1400" i="1" dirty="0"/>
+              <a:t> </a:t>
+            </a:r>
+            <a:r>
+              <a:rPr lang="en-US" sz="1400" i="1" dirty="0" err="1"/>
+              <a:t>all_global</a:t>
+            </a:r>
+            <a:r>
+              <a:rPr lang="en-US" sz="1400" i="1" dirty="0"/>
+              <a:t>():</a:t>
+            </a:r>
+          </a:p>
+          <a:p>
+            <a:r>
+              <a:rPr lang="en-US" sz="1400" i="1" dirty="0" smtClean="0"/>
+              <a:t>       global </a:t>
+            </a:r>
+            <a:r>
+              <a:rPr lang="en-US" sz="1400" i="1" dirty="0"/>
+              <a:t>x </a:t>
+            </a:r>
+            <a:r>
+              <a:rPr lang="en-US" sz="1400" i="1" dirty="0" smtClean="0"/>
+              <a:t>                 # </a:t>
+            </a:r>
+            <a:r>
+              <a:rPr lang="en-US" sz="1400" i="1" dirty="0"/>
+              <a:t>Declare </a:t>
+            </a:r>
+            <a:r>
+              <a:rPr lang="en-US" sz="1400" i="1" dirty="0" err="1"/>
+              <a:t>globals</a:t>
+            </a:r>
+            <a:r>
+              <a:rPr lang="en-US" sz="1400" i="1" dirty="0"/>
+              <a:t> assigned</a:t>
+            </a:r>
+          </a:p>
+          <a:p>
+            <a:r>
+              <a:rPr lang="en-US" sz="1400" i="1" dirty="0" smtClean="0"/>
+              <a:t>       x </a:t>
+            </a:r>
+            <a:r>
+              <a:rPr lang="en-US" sz="1400" i="1" dirty="0"/>
+              <a:t>= y + z </a:t>
+            </a:r>
+            <a:r>
+              <a:rPr lang="en-US" sz="1400" i="1" dirty="0" smtClean="0"/>
+              <a:t>                 # </a:t>
+            </a:r>
+            <a:r>
+              <a:rPr lang="en-US" sz="1400" i="1" dirty="0"/>
+              <a:t>No need to declare y, z: LEGB rule</a:t>
+            </a:r>
+          </a:p>
+        </p:txBody>
+      </p:sp>
+      <p:sp>
+        <p:nvSpPr>
+          <p:cNvPr id="6" name="Rectangle 5"/>
+          <p:cNvSpPr/>
+          <p:nvPr/>
+        </p:nvSpPr>
+        <p:spPr>
+          <a:xfrm>
+            <a:off x="843506" y="3392271"/>
+            <a:ext cx="5014369" cy="1600438"/>
+          </a:xfrm>
+          <a:prstGeom prst="rect">
+            <a:avLst/>
+          </a:prstGeom>
+          <a:ln>
+            <a:solidFill>
+              <a:schemeClr val="accent1"/>
+            </a:solidFill>
+          </a:ln>
+        </p:spPr>
+        <p:txBody>
+          <a:bodyPr wrap="square">
+            <a:spAutoFit/>
+          </a:bodyPr>
+          <a:lstStyle/>
+          <a:p>
+            <a:r>
+              <a:rPr lang="en-US" sz="1400" i="1" dirty="0"/>
+              <a:t>X = 99              # Global scope name: not used</a:t>
+            </a:r>
+          </a:p>
+          <a:p>
+            <a:r>
+              <a:rPr lang="en-US" sz="1400" i="1" dirty="0" err="1"/>
+              <a:t>def</a:t>
+            </a:r>
+            <a:r>
+              <a:rPr lang="en-US" sz="1400" i="1" dirty="0"/>
+              <a:t> f1():</a:t>
+            </a:r>
+          </a:p>
+          <a:p>
+            <a:r>
+              <a:rPr lang="en-US" sz="1400" i="1" dirty="0"/>
+              <a:t>     X = 88         #Enclosing </a:t>
+            </a:r>
+            <a:r>
+              <a:rPr lang="en-US" sz="1400" i="1" dirty="0" err="1"/>
+              <a:t>def</a:t>
+            </a:r>
+            <a:r>
+              <a:rPr lang="en-US" sz="1400" i="1" dirty="0"/>
+              <a:t> local</a:t>
+            </a:r>
+          </a:p>
+          <a:p>
+            <a:r>
+              <a:rPr lang="en-US" sz="1400" i="1" dirty="0" err="1"/>
+              <a:t>def</a:t>
+            </a:r>
+            <a:r>
+              <a:rPr lang="en-US" sz="1400" i="1" dirty="0"/>
+              <a:t> f2():</a:t>
+            </a:r>
+          </a:p>
+          <a:p>
+            <a:r>
+              <a:rPr lang="en-US" sz="1400" i="1" dirty="0"/>
+              <a:t>     print(X)        # Reference made in nested </a:t>
+            </a:r>
+            <a:r>
+              <a:rPr lang="en-US" sz="1400" i="1" dirty="0" err="1"/>
+              <a:t>def</a:t>
+            </a:r>
+            <a:endParaRPr lang="en-US" sz="1400" i="1" dirty="0"/>
+          </a:p>
+          <a:p>
+            <a:r>
+              <a:rPr lang="en-US" sz="1400" i="1" dirty="0"/>
+              <a:t>f2()</a:t>
+            </a:r>
+          </a:p>
+          <a:p>
+            <a:r>
+              <a:rPr lang="en-US" sz="1400" i="1" dirty="0"/>
+              <a:t>f1()                   # Prints 88: enclosing </a:t>
+            </a:r>
+            <a:r>
+              <a:rPr lang="en-US" sz="1400" i="1" dirty="0" err="1"/>
+              <a:t>def</a:t>
+            </a:r>
+            <a:r>
+              <a:rPr lang="en-US" sz="1400" i="1" dirty="0"/>
+              <a:t> local</a:t>
+            </a:r>
+          </a:p>
+        </p:txBody>
+      </p:sp>
+      <p:sp>
+        <p:nvSpPr>
+          <p:cNvPr id="7" name="Rectangle 6"/>
+          <p:cNvSpPr/>
+          <p:nvPr/>
+        </p:nvSpPr>
+        <p:spPr>
+          <a:xfrm>
+            <a:off x="6178050" y="2736662"/>
+            <a:ext cx="5019675" cy="1384995"/>
+          </a:xfrm>
+          <a:prstGeom prst="rect">
+            <a:avLst/>
+          </a:prstGeom>
+          <a:ln>
+            <a:solidFill>
+              <a:schemeClr val="accent1"/>
+            </a:solidFill>
+          </a:ln>
+        </p:spPr>
+        <p:txBody>
+          <a:bodyPr wrap="square">
+            <a:spAutoFit/>
+          </a:bodyPr>
+          <a:lstStyle/>
+          <a:p>
+            <a:r>
+              <a:rPr lang="en-US" sz="1400" i="1" dirty="0" err="1"/>
+              <a:t>def</a:t>
+            </a:r>
+            <a:r>
+              <a:rPr lang="en-US" sz="1400" i="1" dirty="0"/>
+              <a:t> </a:t>
+            </a:r>
+            <a:r>
+              <a:rPr lang="en-US" sz="1400" i="1" dirty="0" err="1"/>
+              <a:t>func</a:t>
+            </a:r>
+            <a:r>
+              <a:rPr lang="en-US" sz="1400" i="1" dirty="0"/>
+              <a:t>():</a:t>
+            </a:r>
+          </a:p>
+          <a:p>
+            <a:r>
+              <a:rPr lang="en-US" sz="1400" i="1" dirty="0" smtClean="0"/>
+              <a:t>       x </a:t>
+            </a:r>
+            <a:r>
+              <a:rPr lang="en-US" sz="1400" i="1" dirty="0"/>
+              <a:t>= 4</a:t>
+            </a:r>
+          </a:p>
+          <a:p>
+            <a:r>
+              <a:rPr lang="en-US" sz="1400" i="1" dirty="0" smtClean="0"/>
+              <a:t>       action </a:t>
+            </a:r>
+            <a:r>
+              <a:rPr lang="en-US" sz="1400" i="1" dirty="0"/>
+              <a:t>= (lambda n: x ** n) </a:t>
+            </a:r>
+            <a:r>
+              <a:rPr lang="en-US" sz="1400" i="1" dirty="0" smtClean="0"/>
+              <a:t> # </a:t>
+            </a:r>
+            <a:r>
+              <a:rPr lang="en-US" sz="1400" i="1" dirty="0"/>
+              <a:t>x remembered from enclosing </a:t>
+            </a:r>
+            <a:r>
+              <a:rPr lang="en-US" sz="1400" i="1" dirty="0" err="1"/>
+              <a:t>def</a:t>
+            </a:r>
+            <a:endParaRPr lang="en-US" sz="1400" i="1" dirty="0"/>
+          </a:p>
+          <a:p>
+            <a:r>
+              <a:rPr lang="en-US" sz="1400" i="1" dirty="0" smtClean="0"/>
+              <a:t>       return </a:t>
+            </a:r>
+            <a:r>
+              <a:rPr lang="en-US" sz="1400" i="1" dirty="0"/>
+              <a:t>action</a:t>
+            </a:r>
+          </a:p>
+          <a:p>
+            <a:r>
+              <a:rPr lang="en-US" sz="1400" i="1" dirty="0"/>
+              <a:t>x = </a:t>
+            </a:r>
+            <a:r>
+              <a:rPr lang="en-US" sz="1400" i="1" dirty="0" err="1"/>
+              <a:t>func</a:t>
+            </a:r>
+            <a:r>
+              <a:rPr lang="en-US" sz="1400" i="1" dirty="0"/>
+              <a:t>()</a:t>
+            </a:r>
+          </a:p>
+          <a:p>
+            <a:r>
+              <a:rPr lang="fr-FR" sz="1400" i="1" dirty="0" err="1"/>
+              <a:t>print</a:t>
+            </a:r>
+            <a:r>
+              <a:rPr lang="fr-FR" sz="1400" i="1" dirty="0"/>
+              <a:t>(x(2)) </a:t>
+            </a:r>
+            <a:r>
+              <a:rPr lang="fr-FR" sz="1400" i="1" dirty="0" smtClean="0"/>
+              <a:t>                                     # </a:t>
+            </a:r>
+            <a:r>
+              <a:rPr lang="fr-FR" sz="1400" i="1" dirty="0" err="1"/>
+              <a:t>Prints</a:t>
+            </a:r>
+            <a:r>
+              <a:rPr lang="fr-FR" sz="1400" i="1" dirty="0"/>
+              <a:t> 16, 4 ** 2</a:t>
+            </a:r>
+            <a:endParaRPr lang="en-US" sz="1400" i="1" dirty="0"/>
+          </a:p>
+        </p:txBody>
+      </p:sp>
+      <p:sp>
+        <p:nvSpPr>
+          <p:cNvPr id="8" name="Rectangle 7"/>
+          <p:cNvSpPr/>
+          <p:nvPr/>
+        </p:nvSpPr>
+        <p:spPr>
+          <a:xfrm>
+            <a:off x="6160088" y="4265655"/>
+            <a:ext cx="5037637" cy="2462213"/>
+          </a:xfrm>
+          <a:prstGeom prst="rect">
+            <a:avLst/>
+          </a:prstGeom>
+          <a:ln>
+            <a:solidFill>
+              <a:schemeClr val="accent1"/>
+            </a:solidFill>
+          </a:ln>
+        </p:spPr>
+        <p:txBody>
+          <a:bodyPr wrap="square">
+            <a:spAutoFit/>
+          </a:bodyPr>
+          <a:lstStyle/>
+          <a:p>
+            <a:r>
+              <a:rPr lang="en-US" sz="1400" i="1" dirty="0" err="1" smtClean="0"/>
+              <a:t>def</a:t>
+            </a:r>
+            <a:r>
+              <a:rPr lang="en-US" sz="1400" i="1" dirty="0" smtClean="0"/>
+              <a:t> </a:t>
+            </a:r>
+            <a:r>
+              <a:rPr lang="en-US" sz="1400" i="1" dirty="0"/>
+              <a:t>tester(start):</a:t>
+            </a:r>
+          </a:p>
+          <a:p>
+            <a:r>
+              <a:rPr lang="en-US" sz="1400" i="1" dirty="0" smtClean="0"/>
+              <a:t>         state </a:t>
+            </a:r>
+            <a:r>
+              <a:rPr lang="en-US" sz="1400" i="1" dirty="0"/>
+              <a:t>= start </a:t>
+            </a:r>
+            <a:r>
+              <a:rPr lang="en-US" sz="1400" i="1" dirty="0" smtClean="0"/>
+              <a:t>                 # </a:t>
+            </a:r>
+            <a:r>
+              <a:rPr lang="en-US" sz="1400" i="1" dirty="0"/>
+              <a:t>Each call gets its own state</a:t>
+            </a:r>
+          </a:p>
+          <a:p>
+            <a:r>
+              <a:rPr lang="en-US" sz="1400" i="1" dirty="0" smtClean="0"/>
+              <a:t>         </a:t>
+            </a:r>
+            <a:r>
+              <a:rPr lang="en-US" sz="1400" i="1" dirty="0" err="1" smtClean="0"/>
+              <a:t>def</a:t>
+            </a:r>
+            <a:r>
+              <a:rPr lang="en-US" sz="1400" i="1" dirty="0" smtClean="0"/>
+              <a:t> </a:t>
+            </a:r>
+            <a:r>
+              <a:rPr lang="en-US" sz="1400" i="1" dirty="0"/>
+              <a:t>nested(label):</a:t>
+            </a:r>
+          </a:p>
+          <a:p>
+            <a:r>
+              <a:rPr lang="en-US" sz="1400" i="1" dirty="0" smtClean="0"/>
+              <a:t>                    nonlocal </a:t>
+            </a:r>
+            <a:r>
+              <a:rPr lang="en-US" sz="1400" i="1" dirty="0"/>
+              <a:t>state </a:t>
+            </a:r>
+            <a:r>
+              <a:rPr lang="en-US" sz="1400" i="1" dirty="0" smtClean="0"/>
+              <a:t>  # </a:t>
+            </a:r>
+            <a:r>
+              <a:rPr lang="en-US" sz="1400" i="1" dirty="0"/>
+              <a:t>Remembers state in enclosing scope</a:t>
+            </a:r>
+          </a:p>
+          <a:p>
+            <a:r>
+              <a:rPr lang="en-US" sz="1400" i="1" dirty="0" smtClean="0"/>
+              <a:t>                    print(label</a:t>
+            </a:r>
+            <a:r>
+              <a:rPr lang="en-US" sz="1400" i="1" dirty="0"/>
+              <a:t>, state)</a:t>
+            </a:r>
+          </a:p>
+          <a:p>
+            <a:r>
+              <a:rPr lang="en-US" sz="1400" i="1" dirty="0" smtClean="0"/>
+              <a:t>                    state </a:t>
+            </a:r>
+            <a:r>
+              <a:rPr lang="en-US" sz="1400" i="1" dirty="0"/>
+              <a:t>+= </a:t>
+            </a:r>
+            <a:r>
+              <a:rPr lang="en-US" sz="1400" i="1" dirty="0" smtClean="0"/>
+              <a:t>1            </a:t>
+            </a:r>
+            <a:r>
+              <a:rPr lang="en-US" sz="1400" i="1" dirty="0"/>
+              <a:t># Allowed to change it if nonlocal</a:t>
+            </a:r>
+          </a:p>
+          <a:p>
+            <a:r>
+              <a:rPr lang="en-US" sz="1400" i="1" dirty="0" smtClean="0"/>
+              <a:t>         return </a:t>
+            </a:r>
+            <a:r>
+              <a:rPr lang="en-US" sz="1400" i="1" dirty="0"/>
+              <a:t>nested</a:t>
+            </a:r>
+          </a:p>
+          <a:p>
+            <a:endParaRPr lang="en-US" sz="1400" i="1" dirty="0" smtClean="0"/>
+          </a:p>
+          <a:p>
+            <a:r>
+              <a:rPr lang="en-US" sz="1400" i="1" dirty="0" smtClean="0"/>
+              <a:t>F </a:t>
+            </a:r>
+            <a:r>
+              <a:rPr lang="en-US" sz="1400" i="1" dirty="0"/>
+              <a:t>= tester(0)</a:t>
+            </a:r>
+          </a:p>
+          <a:p>
+            <a:r>
+              <a:rPr lang="en-US" sz="1400" i="1" dirty="0" smtClean="0"/>
+              <a:t>F</a:t>
+            </a:r>
+            <a:r>
+              <a:rPr lang="en-US" sz="1400" i="1" dirty="0"/>
+              <a:t>('spam') </a:t>
+            </a:r>
+            <a:r>
+              <a:rPr lang="en-US" sz="1400" i="1" dirty="0" smtClean="0"/>
+              <a:t>                                # </a:t>
+            </a:r>
+            <a:r>
+              <a:rPr lang="en-US" sz="1400" i="1" dirty="0"/>
+              <a:t>State visible within closure only</a:t>
+            </a:r>
+          </a:p>
+          <a:p>
+            <a:r>
+              <a:rPr lang="en-US" sz="1400" i="1" dirty="0"/>
+              <a:t>spam 0</a:t>
+            </a:r>
+          </a:p>
+        </p:txBody>
+      </p:sp>
+    </p:spTree>
+    <p:extLst>
+      <p:ext uri="{BB962C8B-B14F-4D97-AF65-F5344CB8AC3E}">
+        <p14:creationId xmlns:p14="http://schemas.microsoft.com/office/powerpoint/2010/main" val="938085120"/>
+      </p:ext>
+    </p:extLst>
+  </p:cSld>
+  <p:clrMapOvr>
+    <a:masterClrMapping/>
+  </p:clrMapOvr>
+</p:sld>
+</file>
+
+<file path=ppt/slides/slide62.xml><?xml version="1.0" encoding="utf-8"?>
+<p:sld xmlns:a="http://schemas.openxmlformats.org/drawingml/2006/main" xmlns:r="http://schemas.openxmlformats.org/officeDocument/2006/relationships" xmlns:p="http://schemas.openxmlformats.org/presentationml/2006/main">
+  <p:cSld>
+    <p:spTree>
+      <p:nvGrpSpPr>
+        <p:cNvPr id="1" name=""/>
+        <p:cNvGrpSpPr/>
+        <p:nvPr/>
+      </p:nvGrpSpPr>
+      <p:grpSpPr>
+        <a:xfrm>
+          <a:off x="0" y="0"/>
+          <a:ext cx="0" cy="0"/>
+          <a:chOff x="0" y="0"/>
+          <a:chExt cx="0" cy="0"/>
+        </a:xfrm>
+      </p:grpSpPr>
+      <p:sp>
+        <p:nvSpPr>
+          <p:cNvPr id="2" name="Title 1"/>
+          <p:cNvSpPr>
+            <a:spLocks noGrp="1"/>
+          </p:cNvSpPr>
+          <p:nvPr>
+            <p:ph type="title"/>
+          </p:nvPr>
+        </p:nvSpPr>
+        <p:spPr/>
+        <p:txBody>
+          <a:bodyPr/>
+          <a:lstStyle/>
+          <a:p>
+            <a:r>
+              <a:rPr lang="en-US" b="1" dirty="0" smtClean="0"/>
+              <a:t>Functions - arguments</a:t>
+            </a:r>
+            <a:endParaRPr lang="en-US" b="1" dirty="0"/>
+          </a:p>
+        </p:txBody>
+      </p:sp>
+      <p:sp>
+        <p:nvSpPr>
+          <p:cNvPr id="3" name="Content Placeholder 2"/>
+          <p:cNvSpPr>
+            <a:spLocks noGrp="1"/>
+          </p:cNvSpPr>
+          <p:nvPr>
+            <p:ph idx="1"/>
+          </p:nvPr>
+        </p:nvSpPr>
+        <p:spPr>
+          <a:xfrm>
+            <a:off x="838200" y="1825625"/>
+            <a:ext cx="6137366" cy="4351338"/>
+          </a:xfrm>
+        </p:spPr>
+        <p:txBody>
+          <a:bodyPr>
+            <a:normAutofit fontScale="92500"/>
+          </a:bodyPr>
+          <a:lstStyle/>
+          <a:p>
+            <a:r>
+              <a:rPr lang="en-US" dirty="0"/>
+              <a:t>Arguments are passed by automatically assigning objects to local </a:t>
+            </a:r>
+            <a:r>
+              <a:rPr lang="en-US" dirty="0" smtClean="0"/>
+              <a:t>variable names</a:t>
+            </a:r>
+          </a:p>
+          <a:p>
+            <a:r>
+              <a:rPr lang="en-US" dirty="0"/>
+              <a:t>Assigning to argument names inside a function does not affect the </a:t>
+            </a:r>
+            <a:r>
+              <a:rPr lang="en-US" dirty="0" smtClean="0"/>
+              <a:t>caller</a:t>
+            </a:r>
+          </a:p>
+          <a:p>
+            <a:r>
+              <a:rPr lang="en-US" dirty="0"/>
+              <a:t>Changing a mutable object argument in a function may impact the </a:t>
+            </a:r>
+            <a:r>
+              <a:rPr lang="en-US" dirty="0" smtClean="0"/>
+              <a:t>caller</a:t>
+            </a:r>
+          </a:p>
+          <a:p>
+            <a:r>
+              <a:rPr lang="en-US" dirty="0"/>
+              <a:t>Immutable arguments are effectively passed “by value</a:t>
+            </a:r>
+            <a:r>
+              <a:rPr lang="en-US" dirty="0" smtClean="0"/>
+              <a:t>.”</a:t>
+            </a:r>
+          </a:p>
+          <a:p>
+            <a:r>
+              <a:rPr lang="en-US" dirty="0"/>
+              <a:t>Mutable arguments are effectively passed “by pointer.”</a:t>
+            </a:r>
+          </a:p>
+        </p:txBody>
+      </p:sp>
+      <p:pic>
+        <p:nvPicPr>
+          <p:cNvPr id="4" name="Picture 3"/>
+          <p:cNvPicPr>
+            <a:picLocks noChangeAspect="1"/>
+          </p:cNvPicPr>
+          <p:nvPr/>
+        </p:nvPicPr>
+        <p:blipFill>
+          <a:blip r:embed="rId2"/>
+          <a:stretch>
+            <a:fillRect/>
+          </a:stretch>
+        </p:blipFill>
+        <p:spPr>
+          <a:xfrm>
+            <a:off x="7167154" y="3600041"/>
+            <a:ext cx="4549713" cy="2931387"/>
+          </a:xfrm>
+          <a:prstGeom prst="rect">
+            <a:avLst/>
+          </a:prstGeom>
+        </p:spPr>
+      </p:pic>
+      <p:sp>
+        <p:nvSpPr>
+          <p:cNvPr id="5" name="Rectangle 4"/>
+          <p:cNvSpPr/>
+          <p:nvPr/>
+        </p:nvSpPr>
+        <p:spPr>
+          <a:xfrm>
+            <a:off x="7197118" y="1616268"/>
+            <a:ext cx="4519749" cy="1754326"/>
+          </a:xfrm>
+          <a:prstGeom prst="rect">
+            <a:avLst/>
+          </a:prstGeom>
+          <a:ln>
+            <a:solidFill>
+              <a:schemeClr val="accent1"/>
+            </a:solidFill>
+          </a:ln>
+        </p:spPr>
+        <p:txBody>
+          <a:bodyPr wrap="square">
+            <a:spAutoFit/>
+          </a:bodyPr>
+          <a:lstStyle/>
+          <a:p>
+            <a:r>
+              <a:rPr lang="en-US" sz="1200" b="1" dirty="0" err="1" smtClean="0">
+                <a:latin typeface="TheSansMonoCd-W7Bold"/>
+              </a:rPr>
+              <a:t>def</a:t>
+            </a:r>
+            <a:r>
+              <a:rPr lang="en-US" sz="1200" b="1" dirty="0" smtClean="0">
+                <a:latin typeface="TheSansMonoCd-W7Bold"/>
+              </a:rPr>
+              <a:t> </a:t>
+            </a:r>
+            <a:r>
+              <a:rPr lang="en-US" sz="1200" b="1" dirty="0">
+                <a:latin typeface="TheSansMonoCd-W7Bold"/>
+              </a:rPr>
+              <a:t>changer(a, b): </a:t>
+            </a:r>
+            <a:r>
+              <a:rPr lang="en-US" sz="1200" b="1" dirty="0" smtClean="0">
+                <a:latin typeface="TheSansMonoCd-W7Bold"/>
+              </a:rPr>
+              <a:t> </a:t>
+            </a:r>
+            <a:r>
+              <a:rPr lang="en-US" sz="1200" i="1" dirty="0" smtClean="0">
+                <a:latin typeface="Birka-Italic"/>
+              </a:rPr>
+              <a:t># </a:t>
+            </a:r>
+            <a:r>
+              <a:rPr lang="en-US" sz="1200" i="1" dirty="0">
+                <a:latin typeface="Birka-Italic"/>
+              </a:rPr>
+              <a:t>Arguments assigned references to objects</a:t>
+            </a:r>
+          </a:p>
+          <a:p>
+            <a:r>
+              <a:rPr lang="en-US" sz="1200" b="1" dirty="0" smtClean="0">
+                <a:latin typeface="TheSansMonoCd-W7Bold"/>
+              </a:rPr>
+              <a:t>       a </a:t>
+            </a:r>
+            <a:r>
+              <a:rPr lang="en-US" sz="1200" b="1" dirty="0">
+                <a:latin typeface="TheSansMonoCd-W7Bold"/>
+              </a:rPr>
+              <a:t>= </a:t>
+            </a:r>
+            <a:r>
+              <a:rPr lang="en-US" sz="1200" b="1" dirty="0" smtClean="0">
+                <a:latin typeface="TheSansMonoCd-W7Bold"/>
+              </a:rPr>
+              <a:t>2                 </a:t>
+            </a:r>
+            <a:r>
+              <a:rPr lang="en-US" sz="1200" i="1" dirty="0" smtClean="0">
+                <a:latin typeface="Birka-Italic"/>
+              </a:rPr>
+              <a:t># </a:t>
+            </a:r>
+            <a:r>
+              <a:rPr lang="en-US" sz="1200" i="1" dirty="0">
+                <a:latin typeface="Birka-Italic"/>
+              </a:rPr>
+              <a:t>Changes local name's value only</a:t>
+            </a:r>
+          </a:p>
+          <a:p>
+            <a:r>
+              <a:rPr lang="en-US" sz="1200" b="1" dirty="0" smtClean="0">
+                <a:latin typeface="TheSansMonoCd-W7Bold"/>
+              </a:rPr>
+              <a:t>       b[0</a:t>
+            </a:r>
+            <a:r>
+              <a:rPr lang="en-US" sz="1200" b="1" dirty="0">
+                <a:latin typeface="TheSansMonoCd-W7Bold"/>
+              </a:rPr>
+              <a:t>] = 'spam' </a:t>
+            </a:r>
+            <a:r>
+              <a:rPr lang="en-US" sz="1200" b="1" dirty="0" smtClean="0">
+                <a:latin typeface="TheSansMonoCd-W7Bold"/>
+              </a:rPr>
+              <a:t>  </a:t>
+            </a:r>
+            <a:r>
+              <a:rPr lang="en-US" sz="1200" i="1" dirty="0" smtClean="0">
+                <a:latin typeface="Birka-Italic"/>
+              </a:rPr>
+              <a:t># </a:t>
+            </a:r>
+            <a:r>
+              <a:rPr lang="en-US" sz="1200" i="1" dirty="0">
+                <a:latin typeface="Birka-Italic"/>
+              </a:rPr>
+              <a:t>Changes shared object in </a:t>
+            </a:r>
+            <a:r>
+              <a:rPr lang="en-US" sz="1200" i="1" dirty="0" smtClean="0">
+                <a:latin typeface="Birka-Italic"/>
+              </a:rPr>
+              <a:t>place</a:t>
+            </a:r>
+          </a:p>
+          <a:p>
+            <a:endParaRPr lang="en-US" sz="1200" b="1" i="1" dirty="0">
+              <a:latin typeface="Birka-Italic"/>
+            </a:endParaRPr>
+          </a:p>
+          <a:p>
+            <a:r>
+              <a:rPr lang="en-US" sz="1200" b="1" dirty="0" smtClean="0">
+                <a:latin typeface="TheSansMonoCd-W7Bold"/>
+              </a:rPr>
+              <a:t>X </a:t>
+            </a:r>
+            <a:r>
+              <a:rPr lang="en-US" sz="1200" b="1" dirty="0">
+                <a:latin typeface="TheSansMonoCd-W7Bold"/>
+              </a:rPr>
+              <a:t>= 1</a:t>
+            </a:r>
+          </a:p>
+          <a:p>
+            <a:r>
+              <a:rPr lang="en-US" sz="1200" b="1" dirty="0" smtClean="0">
+                <a:latin typeface="TheSansMonoCd-W7Bold"/>
+              </a:rPr>
+              <a:t>L </a:t>
+            </a:r>
+            <a:r>
+              <a:rPr lang="en-US" sz="1200" b="1" dirty="0">
+                <a:latin typeface="TheSansMonoCd-W7Bold"/>
+              </a:rPr>
+              <a:t>= [1, 2] </a:t>
+            </a:r>
+            <a:r>
+              <a:rPr lang="en-US" sz="1200" b="1" dirty="0" smtClean="0">
+                <a:latin typeface="TheSansMonoCd-W7Bold"/>
+              </a:rPr>
+              <a:t>                 </a:t>
+            </a:r>
+            <a:r>
+              <a:rPr lang="en-US" sz="1200" i="1" dirty="0" smtClean="0">
+                <a:latin typeface="Birka-Italic"/>
+              </a:rPr>
+              <a:t># </a:t>
+            </a:r>
+            <a:r>
+              <a:rPr lang="en-US" sz="1200" i="1" dirty="0">
+                <a:latin typeface="Birka-Italic"/>
+              </a:rPr>
+              <a:t>Caller:</a:t>
+            </a:r>
+          </a:p>
+          <a:p>
+            <a:r>
+              <a:rPr lang="en-US" sz="1200" b="1" dirty="0" smtClean="0">
+                <a:latin typeface="TheSansMonoCd-W7Bold"/>
+              </a:rPr>
+              <a:t>changer(X</a:t>
+            </a:r>
+            <a:r>
+              <a:rPr lang="en-US" sz="1200" b="1" dirty="0">
+                <a:latin typeface="TheSansMonoCd-W7Bold"/>
+              </a:rPr>
+              <a:t>, L) </a:t>
+            </a:r>
+            <a:r>
+              <a:rPr lang="en-US" sz="1200" b="1" dirty="0" smtClean="0">
+                <a:latin typeface="TheSansMonoCd-W7Bold"/>
+              </a:rPr>
+              <a:t>         </a:t>
+            </a:r>
+            <a:r>
+              <a:rPr lang="en-US" sz="1200" i="1" dirty="0" smtClean="0">
+                <a:latin typeface="Birka-Italic"/>
+              </a:rPr>
+              <a:t># </a:t>
+            </a:r>
+            <a:r>
+              <a:rPr lang="en-US" sz="1200" i="1" dirty="0">
+                <a:latin typeface="Birka-Italic"/>
+              </a:rPr>
+              <a:t>Pass immutable and mutable objects</a:t>
+            </a:r>
+          </a:p>
+          <a:p>
+            <a:r>
+              <a:rPr lang="en-US" sz="1200" b="1" dirty="0" smtClean="0">
+                <a:latin typeface="TheSansMonoCd-W7Bold"/>
+              </a:rPr>
+              <a:t>X</a:t>
+            </a:r>
+            <a:r>
+              <a:rPr lang="en-US" sz="1200" b="1" dirty="0">
+                <a:latin typeface="TheSansMonoCd-W7Bold"/>
+              </a:rPr>
+              <a:t>, L </a:t>
+            </a:r>
+            <a:r>
+              <a:rPr lang="en-US" sz="1200" b="1" dirty="0" smtClean="0">
+                <a:latin typeface="TheSansMonoCd-W7Bold"/>
+              </a:rPr>
+              <a:t>                         </a:t>
+            </a:r>
+            <a:r>
+              <a:rPr lang="en-US" sz="1200" i="1" dirty="0" smtClean="0">
+                <a:latin typeface="Birka-Italic"/>
+              </a:rPr>
+              <a:t># </a:t>
+            </a:r>
+            <a:r>
+              <a:rPr lang="en-US" sz="1200" i="1" dirty="0">
+                <a:latin typeface="Birka-Italic"/>
+              </a:rPr>
+              <a:t>X is unchanged, L is different!</a:t>
+            </a:r>
+          </a:p>
+          <a:p>
+            <a:r>
+              <a:rPr lang="en-US" sz="1200" dirty="0">
+                <a:latin typeface="TheSansMonoCd-W5Regular"/>
+              </a:rPr>
+              <a:t>(1, ['spam', 2])</a:t>
+            </a:r>
+            <a:endParaRPr lang="en-US" sz="1200" dirty="0"/>
+          </a:p>
+        </p:txBody>
+      </p:sp>
+    </p:spTree>
+    <p:extLst>
+      <p:ext uri="{BB962C8B-B14F-4D97-AF65-F5344CB8AC3E}">
+        <p14:creationId xmlns:p14="http://schemas.microsoft.com/office/powerpoint/2010/main" val="2104678434"/>
+      </p:ext>
+    </p:extLst>
+  </p:cSld>
+  <p:clrMapOvr>
+    <a:masterClrMapping/>
+  </p:clrMapOvr>
+</p:sld>
+</file>
+
+<file path=ppt/slides/slide63.xml><?xml version="1.0" encoding="utf-8"?>
+<p:sld xmlns:a="http://schemas.openxmlformats.org/drawingml/2006/main" xmlns:r="http://schemas.openxmlformats.org/officeDocument/2006/relationships" xmlns:p="http://schemas.openxmlformats.org/presentationml/2006/main">
+  <p:cSld>
+    <p:spTree>
+      <p:nvGrpSpPr>
+        <p:cNvPr id="1" name=""/>
+        <p:cNvGrpSpPr/>
+        <p:nvPr/>
+      </p:nvGrpSpPr>
+      <p:grpSpPr>
+        <a:xfrm>
+          <a:off x="0" y="0"/>
+          <a:ext cx="0" cy="0"/>
+          <a:chOff x="0" y="0"/>
+          <a:chExt cx="0" cy="0"/>
+        </a:xfrm>
+      </p:grpSpPr>
+      <p:sp>
+        <p:nvSpPr>
+          <p:cNvPr id="2" name="Title 1"/>
+          <p:cNvSpPr>
+            <a:spLocks noGrp="1"/>
+          </p:cNvSpPr>
+          <p:nvPr>
+            <p:ph type="title"/>
+          </p:nvPr>
+        </p:nvSpPr>
+        <p:spPr/>
+        <p:txBody>
+          <a:bodyPr/>
+          <a:lstStyle/>
+          <a:p>
+            <a:r>
+              <a:rPr lang="en-US" b="1" dirty="0" smtClean="0"/>
+              <a:t>Functions - arguments</a:t>
+            </a:r>
+            <a:endParaRPr lang="en-US" b="1" dirty="0"/>
+          </a:p>
+        </p:txBody>
+      </p:sp>
+      <p:pic>
+        <p:nvPicPr>
+          <p:cNvPr id="4" name="Content Placeholder 3"/>
+          <p:cNvPicPr>
+            <a:picLocks noGrp="1" noChangeAspect="1"/>
+          </p:cNvPicPr>
+          <p:nvPr>
+            <p:ph idx="1"/>
+          </p:nvPr>
+        </p:nvPicPr>
+        <p:blipFill>
+          <a:blip r:embed="rId2"/>
+          <a:stretch>
+            <a:fillRect/>
+          </a:stretch>
+        </p:blipFill>
+        <p:spPr>
+          <a:xfrm>
+            <a:off x="838200" y="1387475"/>
+            <a:ext cx="10761234" cy="5175250"/>
+          </a:xfrm>
+          <a:prstGeom prst="rect">
+            <a:avLst/>
+          </a:prstGeom>
+        </p:spPr>
+      </p:pic>
+    </p:spTree>
+    <p:extLst>
+      <p:ext uri="{BB962C8B-B14F-4D97-AF65-F5344CB8AC3E}">
+        <p14:creationId xmlns:p14="http://schemas.microsoft.com/office/powerpoint/2010/main" val="2776167842"/>
+      </p:ext>
+    </p:extLst>
+  </p:cSld>
+  <p:clrMapOvr>
+    <a:masterClrMapping/>
+  </p:clrMapOvr>
+</p:sld>
+</file>
+
+<file path=ppt/slides/slide64.xml><?xml version="1.0" encoding="utf-8"?>
+<p:sld xmlns:a="http://schemas.openxmlformats.org/drawingml/2006/main" xmlns:r="http://schemas.openxmlformats.org/officeDocument/2006/relationships" xmlns:p="http://schemas.openxmlformats.org/presentationml/2006/main">
+  <p:cSld>
+    <p:spTree>
+      <p:nvGrpSpPr>
+        <p:cNvPr id="1" name=""/>
+        <p:cNvGrpSpPr/>
+        <p:nvPr/>
+      </p:nvGrpSpPr>
+      <p:grpSpPr>
+        <a:xfrm>
+          <a:off x="0" y="0"/>
+          <a:ext cx="0" cy="0"/>
+          <a:chOff x="0" y="0"/>
+          <a:chExt cx="0" cy="0"/>
+        </a:xfrm>
+      </p:grpSpPr>
+      <p:sp>
+        <p:nvSpPr>
+          <p:cNvPr id="2" name="Title 1"/>
+          <p:cNvSpPr>
+            <a:spLocks noGrp="1"/>
+          </p:cNvSpPr>
+          <p:nvPr>
+            <p:ph type="title"/>
+          </p:nvPr>
+        </p:nvSpPr>
+        <p:spPr/>
+        <p:txBody>
+          <a:bodyPr/>
+          <a:lstStyle/>
+          <a:p>
+            <a:r>
+              <a:rPr lang="en-US" b="1" dirty="0" smtClean="0"/>
+              <a:t>Functions</a:t>
+            </a:r>
+            <a:endParaRPr lang="en-US" b="1" dirty="0"/>
+          </a:p>
+        </p:txBody>
+      </p:sp>
+      <p:sp>
+        <p:nvSpPr>
+          <p:cNvPr id="3" name="Content Placeholder 2"/>
+          <p:cNvSpPr>
+            <a:spLocks noGrp="1"/>
+          </p:cNvSpPr>
+          <p:nvPr>
+            <p:ph idx="1"/>
+          </p:nvPr>
+        </p:nvSpPr>
+        <p:spPr/>
+        <p:txBody>
+          <a:bodyPr/>
+          <a:lstStyle/>
+          <a:p>
+            <a:pPr marL="0" indent="0">
+              <a:buNone/>
+            </a:pPr>
+            <a:r>
+              <a:rPr lang="en-US" dirty="0" err="1"/>
+              <a:t>def</a:t>
+            </a:r>
+            <a:r>
+              <a:rPr lang="en-US" dirty="0"/>
+              <a:t> </a:t>
+            </a:r>
+            <a:r>
+              <a:rPr lang="en-US" dirty="0" err="1"/>
+              <a:t>func</a:t>
+            </a:r>
+            <a:r>
+              <a:rPr lang="en-US" dirty="0"/>
+              <a:t>(spam, eggs, toast=0, ham=0): </a:t>
+            </a:r>
+            <a:r>
+              <a:rPr lang="en-US" i="1" dirty="0"/>
+              <a:t># First 2 required</a:t>
+            </a:r>
+          </a:p>
+          <a:p>
+            <a:pPr marL="0" indent="0">
+              <a:buNone/>
+            </a:pPr>
+            <a:r>
+              <a:rPr lang="nb-NO" dirty="0" smtClean="0"/>
+              <a:t>	print</a:t>
+            </a:r>
+            <a:r>
+              <a:rPr lang="nb-NO" dirty="0"/>
+              <a:t>((spam, eggs, toast, ham</a:t>
+            </a:r>
+            <a:r>
+              <a:rPr lang="nb-NO" dirty="0" smtClean="0"/>
+              <a:t>))</a:t>
+            </a:r>
+          </a:p>
+          <a:p>
+            <a:pPr marL="0" indent="0">
+              <a:buNone/>
+            </a:pPr>
+            <a:endParaRPr lang="nb-NO" dirty="0"/>
+          </a:p>
+          <a:p>
+            <a:pPr marL="0" indent="0">
+              <a:buNone/>
+            </a:pPr>
+            <a:r>
+              <a:rPr lang="en-US" dirty="0" err="1"/>
+              <a:t>func</a:t>
+            </a:r>
+            <a:r>
+              <a:rPr lang="en-US" dirty="0"/>
+              <a:t>(1, 2) </a:t>
+            </a:r>
+            <a:r>
+              <a:rPr lang="en-US" dirty="0" smtClean="0"/>
+              <a:t>					</a:t>
+            </a:r>
+            <a:r>
+              <a:rPr lang="en-US" i="1" dirty="0" smtClean="0"/>
+              <a:t># </a:t>
+            </a:r>
+            <a:r>
+              <a:rPr lang="en-US" i="1" dirty="0"/>
+              <a:t>Output: (1, 2, 0, 0)</a:t>
+            </a:r>
+          </a:p>
+          <a:p>
+            <a:pPr marL="0" indent="0">
+              <a:buNone/>
+            </a:pPr>
+            <a:r>
+              <a:rPr lang="nb-NO" dirty="0"/>
+              <a:t>func(1, ham=1, eggs=0) </a:t>
+            </a:r>
+            <a:r>
+              <a:rPr lang="nb-NO" dirty="0" smtClean="0"/>
+              <a:t>			</a:t>
+            </a:r>
+            <a:r>
+              <a:rPr lang="nb-NO" i="1" dirty="0" smtClean="0"/>
+              <a:t># </a:t>
+            </a:r>
+            <a:r>
+              <a:rPr lang="nb-NO" i="1" dirty="0"/>
+              <a:t>Output: (1, 0, 0, 1)</a:t>
+            </a:r>
+          </a:p>
+          <a:p>
+            <a:pPr marL="0" indent="0">
+              <a:buNone/>
+            </a:pPr>
+            <a:r>
+              <a:rPr lang="en-US" dirty="0" err="1"/>
+              <a:t>func</a:t>
+            </a:r>
+            <a:r>
+              <a:rPr lang="en-US" dirty="0"/>
+              <a:t>(spam=1, eggs=0) </a:t>
+            </a:r>
+            <a:r>
+              <a:rPr lang="en-US" dirty="0" smtClean="0"/>
+              <a:t>			</a:t>
+            </a:r>
+            <a:r>
+              <a:rPr lang="en-US" i="1" dirty="0" smtClean="0"/>
+              <a:t># </a:t>
+            </a:r>
+            <a:r>
+              <a:rPr lang="en-US" i="1" dirty="0"/>
+              <a:t>Output: (1, 0, 0, 0)</a:t>
+            </a:r>
+          </a:p>
+          <a:p>
+            <a:pPr marL="0" indent="0">
+              <a:buNone/>
+            </a:pPr>
+            <a:r>
+              <a:rPr lang="en-US" dirty="0" err="1"/>
+              <a:t>func</a:t>
+            </a:r>
+            <a:r>
+              <a:rPr lang="en-US" dirty="0"/>
+              <a:t>(toast=1, eggs=2, spam=3) </a:t>
+            </a:r>
+            <a:r>
+              <a:rPr lang="en-US" dirty="0" smtClean="0"/>
+              <a:t>		</a:t>
+            </a:r>
+            <a:r>
+              <a:rPr lang="en-US" i="1" dirty="0" smtClean="0"/>
+              <a:t># </a:t>
+            </a:r>
+            <a:r>
+              <a:rPr lang="en-US" i="1" dirty="0"/>
+              <a:t>Output: (3, 2, 1, 0)</a:t>
+            </a:r>
+          </a:p>
+          <a:p>
+            <a:pPr marL="0" indent="0">
+              <a:buNone/>
+            </a:pPr>
+            <a:r>
+              <a:rPr lang="en-US" dirty="0" err="1"/>
+              <a:t>func</a:t>
+            </a:r>
+            <a:r>
+              <a:rPr lang="en-US" dirty="0"/>
+              <a:t>(1, 2, 3, 4) </a:t>
+            </a:r>
+            <a:r>
+              <a:rPr lang="en-US" dirty="0" smtClean="0"/>
+              <a:t>				</a:t>
+            </a:r>
+            <a:r>
+              <a:rPr lang="en-US" i="1" dirty="0" smtClean="0"/>
+              <a:t># </a:t>
+            </a:r>
+            <a:r>
+              <a:rPr lang="en-US" i="1" dirty="0"/>
+              <a:t>Output: (1, 2, 3, 4)</a:t>
+            </a:r>
+            <a:endParaRPr lang="en-US" dirty="0"/>
+          </a:p>
+        </p:txBody>
+      </p:sp>
+    </p:spTree>
+    <p:extLst>
+      <p:ext uri="{BB962C8B-B14F-4D97-AF65-F5344CB8AC3E}">
+        <p14:creationId xmlns:p14="http://schemas.microsoft.com/office/powerpoint/2010/main" val="3550439869"/>
+      </p:ext>
+    </p:extLst>
+  </p:cSld>
+  <p:clrMapOvr>
+    <a:masterClrMapping/>
+  </p:clrMapOvr>
+</p:sld>
+</file>
+
+<file path=ppt/slides/slide65.xml><?xml version="1.0" encoding="utf-8"?>
+<p:sld xmlns:a="http://schemas.openxmlformats.org/drawingml/2006/main" xmlns:r="http://schemas.openxmlformats.org/officeDocument/2006/relationships" xmlns:p="http://schemas.openxmlformats.org/presentationml/2006/main">
+  <p:cSld>
+    <p:spTree>
+      <p:nvGrpSpPr>
+        <p:cNvPr id="1" name=""/>
+        <p:cNvGrpSpPr/>
+        <p:nvPr/>
+      </p:nvGrpSpPr>
+      <p:grpSpPr>
+        <a:xfrm>
+          <a:off x="0" y="0"/>
+          <a:ext cx="0" cy="0"/>
+          <a:chOff x="0" y="0"/>
+          <a:chExt cx="0" cy="0"/>
+        </a:xfrm>
+      </p:grpSpPr>
+      <p:sp>
+        <p:nvSpPr>
+          <p:cNvPr id="2" name="Title 1"/>
+          <p:cNvSpPr>
+            <a:spLocks noGrp="1"/>
+          </p:cNvSpPr>
+          <p:nvPr>
+            <p:ph type="title"/>
+          </p:nvPr>
+        </p:nvSpPr>
+        <p:spPr/>
+        <p:txBody>
+          <a:bodyPr/>
+          <a:lstStyle/>
+          <a:p>
+            <a:r>
+              <a:rPr lang="en-US" b="1" dirty="0"/>
+              <a:t>Anonymous Functions: lambda</a:t>
+            </a:r>
+          </a:p>
+        </p:txBody>
+      </p:sp>
+      <p:sp>
+        <p:nvSpPr>
+          <p:cNvPr id="3" name="Content Placeholder 2"/>
+          <p:cNvSpPr>
+            <a:spLocks noGrp="1"/>
+          </p:cNvSpPr>
+          <p:nvPr>
+            <p:ph idx="1"/>
+          </p:nvPr>
+        </p:nvSpPr>
+        <p:spPr>
+          <a:xfrm>
+            <a:off x="838200" y="1776549"/>
+            <a:ext cx="10515600" cy="4400414"/>
+          </a:xfrm>
+        </p:spPr>
+        <p:txBody>
+          <a:bodyPr>
+            <a:normAutofit fontScale="77500" lnSpcReduction="20000"/>
+          </a:bodyPr>
+          <a:lstStyle/>
+          <a:p>
+            <a:pPr marL="0" indent="0">
+              <a:buNone/>
+            </a:pPr>
+            <a:r>
+              <a:rPr lang="en-US" dirty="0"/>
+              <a:t>lambda </a:t>
+            </a:r>
+            <a:r>
+              <a:rPr lang="en-US" i="1" dirty="0"/>
+              <a:t>argument1</a:t>
+            </a:r>
+            <a:r>
+              <a:rPr lang="en-US" dirty="0"/>
+              <a:t>, </a:t>
+            </a:r>
+            <a:r>
+              <a:rPr lang="en-US" i="1" dirty="0"/>
+              <a:t>argument2</a:t>
+            </a:r>
+            <a:r>
+              <a:rPr lang="en-US" dirty="0"/>
+              <a:t>,... </a:t>
+            </a:r>
+            <a:r>
+              <a:rPr lang="en-US" i="1" dirty="0" err="1"/>
+              <a:t>argumentN</a:t>
+            </a:r>
+            <a:r>
+              <a:rPr lang="en-US" i="1" dirty="0"/>
+              <a:t> </a:t>
+            </a:r>
+            <a:r>
+              <a:rPr lang="en-US" dirty="0"/>
+              <a:t>: </a:t>
+            </a:r>
+            <a:r>
+              <a:rPr lang="en-US" i="1" dirty="0"/>
+              <a:t>expression using </a:t>
+            </a:r>
+            <a:r>
+              <a:rPr lang="en-US" i="1" dirty="0" smtClean="0"/>
+              <a:t>arguments</a:t>
+            </a:r>
+          </a:p>
+          <a:p>
+            <a:endParaRPr lang="en-US" b="1" i="1" dirty="0"/>
+          </a:p>
+          <a:p>
+            <a:r>
+              <a:rPr lang="en-US" dirty="0"/>
+              <a:t>lambda is an expression, not a </a:t>
+            </a:r>
+            <a:r>
+              <a:rPr lang="en-US" dirty="0" smtClean="0"/>
+              <a:t>statement</a:t>
+            </a:r>
+          </a:p>
+          <a:p>
+            <a:r>
+              <a:rPr lang="en-US" dirty="0"/>
+              <a:t>lambda’s body is a single expression, not a block of </a:t>
+            </a:r>
+            <a:r>
+              <a:rPr lang="en-US" dirty="0" smtClean="0"/>
+              <a:t>statements</a:t>
+            </a:r>
+          </a:p>
+          <a:p>
+            <a:pPr marL="0" indent="0">
+              <a:buNone/>
+            </a:pPr>
+            <a:endParaRPr lang="en-US" dirty="0" smtClean="0"/>
+          </a:p>
+          <a:p>
+            <a:pPr marL="0" indent="0">
+              <a:buNone/>
+            </a:pPr>
+            <a:r>
+              <a:rPr lang="en-US" dirty="0"/>
+              <a:t>&gt;&gt;&gt; </a:t>
+            </a:r>
+            <a:r>
+              <a:rPr lang="en-US" b="1" dirty="0" err="1"/>
+              <a:t>def</a:t>
+            </a:r>
+            <a:r>
+              <a:rPr lang="en-US" b="1" dirty="0"/>
+              <a:t> </a:t>
+            </a:r>
+            <a:r>
+              <a:rPr lang="en-US" b="1" dirty="0" err="1"/>
+              <a:t>func</a:t>
+            </a:r>
+            <a:r>
+              <a:rPr lang="en-US" b="1" dirty="0"/>
+              <a:t>(x, y, z): return x + y + z</a:t>
+            </a:r>
+          </a:p>
+          <a:p>
+            <a:pPr marL="0" indent="0">
+              <a:buNone/>
+            </a:pPr>
+            <a:r>
+              <a:rPr lang="en-US" dirty="0"/>
+              <a:t>&gt;&gt;&gt; </a:t>
+            </a:r>
+            <a:r>
+              <a:rPr lang="en-US" b="1" dirty="0" err="1"/>
+              <a:t>func</a:t>
+            </a:r>
+            <a:r>
+              <a:rPr lang="en-US" b="1" dirty="0"/>
+              <a:t>(2, 3, 4)</a:t>
+            </a:r>
+          </a:p>
+          <a:p>
+            <a:pPr marL="0" indent="0">
+              <a:buNone/>
+            </a:pPr>
+            <a:r>
+              <a:rPr lang="en-US" dirty="0" smtClean="0"/>
+              <a:t>9</a:t>
+            </a:r>
+          </a:p>
+          <a:p>
+            <a:endParaRPr lang="en-US" dirty="0"/>
+          </a:p>
+          <a:p>
+            <a:pPr marL="0" indent="0">
+              <a:buNone/>
+            </a:pPr>
+            <a:r>
+              <a:rPr lang="en-US" dirty="0" smtClean="0"/>
+              <a:t>&gt;&gt;&gt; </a:t>
+            </a:r>
+            <a:r>
+              <a:rPr lang="en-US" b="1" dirty="0"/>
+              <a:t>f = lambda x, y, z: x + y + z</a:t>
+            </a:r>
+          </a:p>
+          <a:p>
+            <a:pPr marL="0" indent="0">
+              <a:buNone/>
+            </a:pPr>
+            <a:r>
+              <a:rPr lang="en-US" dirty="0"/>
+              <a:t>&gt;&gt;&gt; </a:t>
+            </a:r>
+            <a:r>
+              <a:rPr lang="en-US" b="1" dirty="0"/>
+              <a:t>f(2, 3, 4)</a:t>
+            </a:r>
+          </a:p>
+          <a:p>
+            <a:pPr marL="0" indent="0">
+              <a:buNone/>
+            </a:pPr>
+            <a:r>
+              <a:rPr lang="en-US" dirty="0"/>
+              <a:t>9</a:t>
+            </a:r>
+          </a:p>
+        </p:txBody>
+      </p:sp>
+    </p:spTree>
+    <p:extLst>
+      <p:ext uri="{BB962C8B-B14F-4D97-AF65-F5344CB8AC3E}">
+        <p14:creationId xmlns:p14="http://schemas.microsoft.com/office/powerpoint/2010/main" val="2189545485"/>
+      </p:ext>
+    </p:extLst>
+  </p:cSld>
+  <p:clrMapOvr>
+    <a:masterClrMapping/>
+  </p:clrMapOvr>
+</p:sld>
+</file>
+
+<file path=ppt/slides/slide66.xml><?xml version="1.0" encoding="utf-8"?>
+<p:sld xmlns:a="http://schemas.openxmlformats.org/drawingml/2006/main" xmlns:r="http://schemas.openxmlformats.org/officeDocument/2006/relationships" xmlns:p="http://schemas.openxmlformats.org/presentationml/2006/main">
+  <p:cSld>
+    <p:spTree>
+      <p:nvGrpSpPr>
+        <p:cNvPr id="1" name=""/>
+        <p:cNvGrpSpPr/>
+        <p:nvPr/>
+      </p:nvGrpSpPr>
+      <p:grpSpPr>
+        <a:xfrm>
+          <a:off x="0" y="0"/>
+          <a:ext cx="0" cy="0"/>
+          <a:chOff x="0" y="0"/>
+          <a:chExt cx="0" cy="0"/>
+        </a:xfrm>
+      </p:grpSpPr>
+      <p:sp>
+        <p:nvSpPr>
+          <p:cNvPr id="2" name="Title 1"/>
+          <p:cNvSpPr>
+            <a:spLocks noGrp="1"/>
+          </p:cNvSpPr>
+          <p:nvPr>
+            <p:ph type="title"/>
+          </p:nvPr>
+        </p:nvSpPr>
+        <p:spPr/>
+        <p:txBody>
+          <a:bodyPr/>
+          <a:lstStyle/>
+          <a:p>
+            <a:r>
+              <a:rPr lang="en-US" b="1" dirty="0"/>
+              <a:t>m</a:t>
+            </a:r>
+            <a:r>
+              <a:rPr lang="en-US" b="1" dirty="0" smtClean="0"/>
+              <a:t>ap, filter, reduce</a:t>
+            </a:r>
+            <a:endParaRPr lang="en-US" b="1" dirty="0"/>
+          </a:p>
+        </p:txBody>
+      </p:sp>
+      <p:sp>
+        <p:nvSpPr>
+          <p:cNvPr id="3" name="Content Placeholder 2"/>
+          <p:cNvSpPr>
+            <a:spLocks noGrp="1"/>
+          </p:cNvSpPr>
+          <p:nvPr>
+            <p:ph idx="1"/>
+          </p:nvPr>
+        </p:nvSpPr>
+        <p:spPr>
+          <a:xfrm>
+            <a:off x="838200" y="1541417"/>
+            <a:ext cx="10515600" cy="4876800"/>
+          </a:xfrm>
+        </p:spPr>
+        <p:txBody>
+          <a:bodyPr>
+            <a:noAutofit/>
+          </a:bodyPr>
+          <a:lstStyle/>
+          <a:p>
+            <a:pPr marL="0" indent="0">
+              <a:buNone/>
+            </a:pPr>
+            <a:r>
+              <a:rPr lang="en-US" sz="1600" dirty="0"/>
+              <a:t>&gt;&gt;&gt; </a:t>
+            </a:r>
+            <a:r>
+              <a:rPr lang="en-US" sz="1600" b="1" dirty="0" err="1"/>
+              <a:t>def</a:t>
+            </a:r>
+            <a:r>
+              <a:rPr lang="en-US" sz="1600" b="1" dirty="0"/>
+              <a:t> </a:t>
+            </a:r>
+            <a:r>
+              <a:rPr lang="en-US" sz="1600" b="1" dirty="0" err="1"/>
+              <a:t>inc</a:t>
+            </a:r>
+            <a:r>
+              <a:rPr lang="en-US" sz="1600" b="1" dirty="0"/>
+              <a:t>(x): return x + 10 </a:t>
+            </a:r>
+            <a:r>
+              <a:rPr lang="en-US" sz="1600" b="1" dirty="0" smtClean="0"/>
+              <a:t>			</a:t>
+            </a:r>
+            <a:r>
+              <a:rPr lang="en-US" sz="1600" i="1" dirty="0" smtClean="0"/>
+              <a:t># </a:t>
+            </a:r>
+            <a:r>
+              <a:rPr lang="en-US" sz="1600" i="1" dirty="0"/>
+              <a:t>Function to be run</a:t>
+            </a:r>
+          </a:p>
+          <a:p>
+            <a:pPr marL="0" indent="0">
+              <a:buNone/>
+            </a:pPr>
+            <a:r>
+              <a:rPr lang="en-US" sz="1600" dirty="0"/>
+              <a:t>&gt;&gt;&gt; </a:t>
+            </a:r>
+            <a:r>
+              <a:rPr lang="en-US" sz="1600" b="1" dirty="0"/>
+              <a:t>list(map(</a:t>
+            </a:r>
+            <a:r>
+              <a:rPr lang="en-US" sz="1600" b="1" dirty="0" err="1"/>
+              <a:t>inc</a:t>
+            </a:r>
+            <a:r>
+              <a:rPr lang="en-US" sz="1600" b="1" dirty="0"/>
+              <a:t>, counters)) </a:t>
+            </a:r>
+            <a:r>
+              <a:rPr lang="en-US" sz="1600" b="1" dirty="0" smtClean="0"/>
+              <a:t>			</a:t>
+            </a:r>
+            <a:r>
+              <a:rPr lang="en-US" sz="1600" i="1" dirty="0" smtClean="0"/>
+              <a:t># </a:t>
+            </a:r>
+            <a:r>
+              <a:rPr lang="en-US" sz="1600" i="1" dirty="0"/>
+              <a:t>Collect results</a:t>
+            </a:r>
+          </a:p>
+          <a:p>
+            <a:pPr marL="0" indent="0">
+              <a:buNone/>
+            </a:pPr>
+            <a:r>
+              <a:rPr lang="en-US" sz="1600" dirty="0"/>
+              <a:t>[11, 12, 13, 14</a:t>
+            </a:r>
+            <a:r>
+              <a:rPr lang="en-US" sz="1600" dirty="0" smtClean="0"/>
+              <a:t>]</a:t>
+            </a:r>
+          </a:p>
+          <a:p>
+            <a:pPr marL="0" indent="0">
+              <a:buNone/>
+            </a:pPr>
+            <a:endParaRPr lang="en-US" sz="1600" dirty="0"/>
+          </a:p>
+          <a:p>
+            <a:pPr marL="0" indent="0">
+              <a:buNone/>
+            </a:pPr>
+            <a:r>
+              <a:rPr lang="en-US" sz="1600" dirty="0"/>
+              <a:t>&gt;&gt;&gt; </a:t>
+            </a:r>
+            <a:r>
+              <a:rPr lang="en-US" sz="1600" b="1" dirty="0"/>
+              <a:t>list(range(−5, 5)) </a:t>
+            </a:r>
+            <a:r>
+              <a:rPr lang="en-US" sz="1600" b="1" dirty="0" smtClean="0"/>
+              <a:t>				</a:t>
+            </a:r>
+            <a:r>
+              <a:rPr lang="en-US" sz="1600" i="1" dirty="0" smtClean="0"/>
+              <a:t># </a:t>
+            </a:r>
+            <a:r>
+              <a:rPr lang="en-US" sz="1600" i="1" dirty="0"/>
+              <a:t>An </a:t>
+            </a:r>
+            <a:r>
+              <a:rPr lang="en-US" sz="1600" i="1" dirty="0" err="1"/>
+              <a:t>iterable</a:t>
+            </a:r>
+            <a:r>
+              <a:rPr lang="en-US" sz="1600" i="1" dirty="0"/>
+              <a:t> in 3.X</a:t>
+            </a:r>
+          </a:p>
+          <a:p>
+            <a:pPr marL="0" indent="0">
+              <a:buNone/>
+            </a:pPr>
+            <a:r>
+              <a:rPr lang="en-US" sz="1600" dirty="0"/>
+              <a:t>[−5, −4, −3, −2, −1, 0, 1, 2, 3, 4]</a:t>
+            </a:r>
+          </a:p>
+          <a:p>
+            <a:pPr marL="0" indent="0">
+              <a:buNone/>
+            </a:pPr>
+            <a:r>
+              <a:rPr lang="en-US" sz="1600" dirty="0"/>
+              <a:t>&gt;&gt;&gt; </a:t>
+            </a:r>
+            <a:r>
+              <a:rPr lang="en-US" sz="1600" b="1" dirty="0"/>
+              <a:t>list(filter((lambda x: x &gt; 0), range(−5, 5))) </a:t>
+            </a:r>
+            <a:r>
+              <a:rPr lang="en-US" sz="1600" b="1" dirty="0" smtClean="0"/>
+              <a:t>	</a:t>
+            </a:r>
+            <a:r>
+              <a:rPr lang="en-US" sz="1600" i="1" dirty="0" smtClean="0"/>
+              <a:t># </a:t>
+            </a:r>
+            <a:r>
+              <a:rPr lang="en-US" sz="1600" i="1" dirty="0"/>
+              <a:t>An </a:t>
+            </a:r>
+            <a:r>
+              <a:rPr lang="en-US" sz="1600" i="1" dirty="0" err="1"/>
+              <a:t>iterable</a:t>
+            </a:r>
+            <a:r>
+              <a:rPr lang="en-US" sz="1600" i="1" dirty="0"/>
+              <a:t> in 3.X</a:t>
+            </a:r>
+          </a:p>
+          <a:p>
+            <a:pPr marL="0" indent="0">
+              <a:buNone/>
+            </a:pPr>
+            <a:r>
+              <a:rPr lang="en-US" sz="1600" dirty="0"/>
+              <a:t>[1, 2, 3, 4</a:t>
+            </a:r>
+            <a:r>
+              <a:rPr lang="en-US" sz="1600" dirty="0" smtClean="0"/>
+              <a:t>]</a:t>
+            </a:r>
+          </a:p>
+          <a:p>
+            <a:pPr marL="0" indent="0">
+              <a:buNone/>
+            </a:pPr>
+            <a:endParaRPr lang="en-US" sz="1600" dirty="0"/>
+          </a:p>
+          <a:p>
+            <a:pPr marL="0" indent="0">
+              <a:buNone/>
+            </a:pPr>
+            <a:r>
+              <a:rPr lang="en-US" sz="1600" dirty="0"/>
+              <a:t>&gt;&gt;&gt; </a:t>
+            </a:r>
+            <a:r>
+              <a:rPr lang="en-US" sz="1600" b="1" dirty="0"/>
+              <a:t>from </a:t>
+            </a:r>
+            <a:r>
+              <a:rPr lang="en-US" sz="1600" b="1" dirty="0" err="1"/>
+              <a:t>functools</a:t>
+            </a:r>
+            <a:r>
+              <a:rPr lang="en-US" sz="1600" b="1" dirty="0"/>
+              <a:t> import reduce </a:t>
+            </a:r>
+            <a:r>
+              <a:rPr lang="en-US" sz="1600" b="1" dirty="0" smtClean="0"/>
+              <a:t>		</a:t>
+            </a:r>
+            <a:r>
+              <a:rPr lang="en-US" sz="1600" i="1" dirty="0" smtClean="0"/>
+              <a:t># </a:t>
+            </a:r>
+            <a:r>
+              <a:rPr lang="en-US" sz="1600" i="1" dirty="0"/>
+              <a:t>Import in 3.X, not in 2.X</a:t>
+            </a:r>
+          </a:p>
+          <a:p>
+            <a:pPr marL="0" indent="0">
+              <a:buNone/>
+            </a:pPr>
+            <a:r>
+              <a:rPr lang="es-ES" sz="1600" dirty="0"/>
+              <a:t>&gt;&gt;&gt; </a:t>
+            </a:r>
+            <a:r>
+              <a:rPr lang="es-ES" sz="1600" b="1" dirty="0"/>
+              <a:t>reduce((lambda x, y: x + y), [1, 2, 3, 4])</a:t>
+            </a:r>
+          </a:p>
+          <a:p>
+            <a:pPr marL="0" indent="0">
+              <a:buNone/>
+            </a:pPr>
+            <a:r>
+              <a:rPr lang="en-US" sz="1600" dirty="0"/>
+              <a:t>10</a:t>
+            </a:r>
+          </a:p>
+          <a:p>
+            <a:pPr marL="0" indent="0">
+              <a:buNone/>
+            </a:pPr>
+            <a:r>
+              <a:rPr lang="es-ES" sz="1600" dirty="0"/>
+              <a:t>&gt;&gt;&gt; </a:t>
+            </a:r>
+            <a:r>
+              <a:rPr lang="es-ES" sz="1600" b="1" dirty="0"/>
+              <a:t>reduce((lambda x, y: x * y), [1, 2, 3, 4])</a:t>
+            </a:r>
+          </a:p>
+          <a:p>
+            <a:pPr marL="0" indent="0">
+              <a:buNone/>
+            </a:pPr>
+            <a:r>
+              <a:rPr lang="en-US" sz="1600" dirty="0"/>
+              <a:t>24</a:t>
+            </a:r>
+          </a:p>
+        </p:txBody>
+      </p:sp>
+    </p:spTree>
+    <p:extLst>
+      <p:ext uri="{BB962C8B-B14F-4D97-AF65-F5344CB8AC3E}">
+        <p14:creationId xmlns:p14="http://schemas.microsoft.com/office/powerpoint/2010/main" val="4252114319"/>
+      </p:ext>
+    </p:extLst>
+  </p:cSld>
+  <p:clrMapOvr>
+    <a:masterClrMapping/>
+  </p:clrMapOvr>
+</p:sld>
+</file>
+
+<file path=ppt/slides/slide67.xml><?xml version="1.0" encoding="utf-8"?>
+<p:sld xmlns:a="http://schemas.openxmlformats.org/drawingml/2006/main" xmlns:r="http://schemas.openxmlformats.org/officeDocument/2006/relationships" xmlns:p="http://schemas.openxmlformats.org/presentationml/2006/main">
+  <p:cSld>
+    <p:spTree>
+      <p:nvGrpSpPr>
+        <p:cNvPr id="1" name=""/>
+        <p:cNvGrpSpPr/>
+        <p:nvPr/>
+      </p:nvGrpSpPr>
+      <p:grpSpPr>
+        <a:xfrm>
+          <a:off x="0" y="0"/>
+          <a:ext cx="0" cy="0"/>
+          <a:chOff x="0" y="0"/>
+          <a:chExt cx="0" cy="0"/>
+        </a:xfrm>
+      </p:grpSpPr>
+      <p:sp>
+        <p:nvSpPr>
+          <p:cNvPr id="2" name="Title 1"/>
+          <p:cNvSpPr>
+            <a:spLocks noGrp="1"/>
+          </p:cNvSpPr>
+          <p:nvPr>
+            <p:ph type="title"/>
+          </p:nvPr>
+        </p:nvSpPr>
+        <p:spPr/>
+        <p:txBody>
+          <a:bodyPr/>
+          <a:lstStyle/>
+          <a:p>
+            <a:r>
+              <a:rPr lang="en-US" b="1" dirty="0" smtClean="0"/>
+              <a:t>Generators</a:t>
+            </a:r>
+            <a:endParaRPr lang="en-US" b="1" dirty="0"/>
+          </a:p>
+        </p:txBody>
+      </p:sp>
+      <p:sp>
+        <p:nvSpPr>
+          <p:cNvPr id="3" name="Content Placeholder 2"/>
+          <p:cNvSpPr>
+            <a:spLocks noGrp="1"/>
+          </p:cNvSpPr>
+          <p:nvPr>
+            <p:ph idx="1"/>
+          </p:nvPr>
+        </p:nvSpPr>
+        <p:spPr>
+          <a:xfrm>
+            <a:off x="331761" y="1534143"/>
+            <a:ext cx="5476856" cy="4701193"/>
+          </a:xfrm>
+        </p:spPr>
+        <p:txBody>
+          <a:bodyPr>
+            <a:normAutofit/>
+          </a:bodyPr>
+          <a:lstStyle/>
+          <a:p>
+            <a:pPr marL="0" indent="0">
+              <a:buNone/>
+            </a:pPr>
+            <a:r>
+              <a:rPr lang="en-US" sz="1800" dirty="0"/>
+              <a:t>&gt;&gt;&gt; </a:t>
+            </a:r>
+            <a:r>
+              <a:rPr lang="en-US" sz="1800" b="1" dirty="0" err="1"/>
+              <a:t>def</a:t>
+            </a:r>
+            <a:r>
+              <a:rPr lang="en-US" sz="1800" b="1" dirty="0"/>
+              <a:t> </a:t>
+            </a:r>
+            <a:r>
+              <a:rPr lang="en-US" sz="1800" b="1" dirty="0" err="1"/>
+              <a:t>gensquares</a:t>
+            </a:r>
+            <a:r>
+              <a:rPr lang="en-US" sz="1800" b="1" dirty="0"/>
+              <a:t>(N):</a:t>
+            </a:r>
+          </a:p>
+          <a:p>
+            <a:pPr marL="0" indent="0">
+              <a:buNone/>
+            </a:pPr>
+            <a:r>
+              <a:rPr lang="en-US" sz="1800" b="1" dirty="0" smtClean="0"/>
+              <a:t>	for </a:t>
+            </a:r>
+            <a:r>
+              <a:rPr lang="en-US" sz="1800" b="1" dirty="0" err="1"/>
+              <a:t>i</a:t>
+            </a:r>
+            <a:r>
+              <a:rPr lang="en-US" sz="1800" b="1" dirty="0"/>
+              <a:t> in range(N):</a:t>
+            </a:r>
+          </a:p>
+          <a:p>
+            <a:pPr marL="0" indent="0">
+              <a:buNone/>
+            </a:pPr>
+            <a:r>
+              <a:rPr lang="en-US" sz="1800" b="1" dirty="0" smtClean="0"/>
+              <a:t>	yield </a:t>
+            </a:r>
+            <a:r>
+              <a:rPr lang="en-US" sz="1800" b="1" dirty="0" err="1"/>
+              <a:t>i</a:t>
+            </a:r>
+            <a:r>
+              <a:rPr lang="en-US" sz="1800" b="1" dirty="0"/>
+              <a:t> ** 2 </a:t>
+            </a:r>
+            <a:r>
+              <a:rPr lang="en-US" sz="1800" b="1" dirty="0" smtClean="0"/>
+              <a:t>	</a:t>
+            </a:r>
+            <a:r>
+              <a:rPr lang="en-US" sz="1800" i="1" dirty="0" smtClean="0"/>
+              <a:t># </a:t>
+            </a:r>
+            <a:r>
+              <a:rPr lang="en-US" sz="1800" i="1" dirty="0"/>
+              <a:t>Resume here </a:t>
+            </a:r>
+            <a:r>
+              <a:rPr lang="en-US" sz="1800" i="1" dirty="0" smtClean="0"/>
+              <a:t>later</a:t>
+            </a:r>
+          </a:p>
+          <a:p>
+            <a:pPr marL="0" indent="0">
+              <a:buNone/>
+            </a:pPr>
+            <a:endParaRPr lang="en-US" sz="1800" i="1" dirty="0" smtClean="0"/>
+          </a:p>
+          <a:p>
+            <a:pPr marL="0" indent="0">
+              <a:buNone/>
+            </a:pPr>
+            <a:endParaRPr lang="en-US" sz="1800" i="1" dirty="0" smtClean="0"/>
+          </a:p>
+          <a:p>
+            <a:pPr marL="0" indent="0">
+              <a:buNone/>
+            </a:pPr>
+            <a:r>
+              <a:rPr lang="en-US" sz="1800" dirty="0"/>
+              <a:t>&gt;&gt;&gt; </a:t>
+            </a:r>
+            <a:r>
+              <a:rPr lang="en-US" sz="1800" b="1" dirty="0"/>
+              <a:t>for </a:t>
+            </a:r>
+            <a:r>
+              <a:rPr lang="en-US" sz="1800" b="1" dirty="0" err="1"/>
+              <a:t>i</a:t>
+            </a:r>
+            <a:r>
+              <a:rPr lang="en-US" sz="1800" b="1" dirty="0"/>
+              <a:t> in </a:t>
+            </a:r>
+            <a:r>
+              <a:rPr lang="en-US" sz="1800" b="1" dirty="0" err="1"/>
+              <a:t>gensquares</a:t>
+            </a:r>
+            <a:r>
+              <a:rPr lang="en-US" sz="1800" b="1" dirty="0"/>
+              <a:t>(5): </a:t>
+            </a:r>
+            <a:r>
+              <a:rPr lang="en-US" sz="1800" b="1" dirty="0" smtClean="0"/>
+              <a:t>	</a:t>
+            </a:r>
+            <a:r>
+              <a:rPr lang="en-US" sz="1800" i="1" dirty="0" smtClean="0"/>
+              <a:t># </a:t>
+            </a:r>
+            <a:r>
+              <a:rPr lang="en-US" sz="1800" i="1" dirty="0"/>
+              <a:t>Resume the function</a:t>
+            </a:r>
+          </a:p>
+          <a:p>
+            <a:pPr marL="0" indent="0">
+              <a:buNone/>
+            </a:pPr>
+            <a:r>
+              <a:rPr lang="en-US" sz="1800" b="1" dirty="0" smtClean="0"/>
+              <a:t>	print(</a:t>
+            </a:r>
+            <a:r>
+              <a:rPr lang="en-US" sz="1800" b="1" dirty="0" err="1" smtClean="0"/>
+              <a:t>i</a:t>
+            </a:r>
+            <a:r>
+              <a:rPr lang="en-US" sz="1800" b="1" dirty="0"/>
+              <a:t>, end=' : ') </a:t>
+            </a:r>
+            <a:r>
+              <a:rPr lang="en-US" sz="1800" b="1" dirty="0" smtClean="0"/>
+              <a:t>	</a:t>
+            </a:r>
+            <a:r>
+              <a:rPr lang="en-US" sz="1800" i="1" dirty="0" smtClean="0"/>
+              <a:t># </a:t>
+            </a:r>
+            <a:r>
+              <a:rPr lang="en-US" sz="1800" i="1" dirty="0"/>
+              <a:t>Print last yielded </a:t>
+            </a:r>
+            <a:r>
+              <a:rPr lang="en-US" sz="1800" i="1" dirty="0" smtClean="0"/>
+              <a:t>value</a:t>
+            </a:r>
+          </a:p>
+          <a:p>
+            <a:pPr marL="0" indent="0">
+              <a:buNone/>
+            </a:pPr>
+            <a:r>
+              <a:rPr lang="en-US" sz="1800" dirty="0"/>
+              <a:t>0 : 1 : 4 : 9 : 16 </a:t>
+            </a:r>
+            <a:r>
+              <a:rPr lang="en-US" sz="1800" dirty="0" smtClean="0"/>
+              <a:t>:</a:t>
+            </a:r>
+          </a:p>
+          <a:p>
+            <a:pPr marL="0" indent="0">
+              <a:buNone/>
+            </a:pPr>
+            <a:endParaRPr lang="en-US" sz="1800" dirty="0" smtClean="0"/>
+          </a:p>
+          <a:p>
+            <a:pPr marL="0" indent="0">
+              <a:buNone/>
+            </a:pPr>
+            <a:r>
+              <a:rPr lang="en-US" sz="1800" dirty="0"/>
+              <a:t>&gt;&gt;&gt; </a:t>
+            </a:r>
+            <a:r>
+              <a:rPr lang="en-US" sz="1800" b="1" dirty="0"/>
+              <a:t>x = </a:t>
+            </a:r>
+            <a:r>
+              <a:rPr lang="en-US" sz="1800" b="1" dirty="0" err="1"/>
+              <a:t>gensquares</a:t>
+            </a:r>
+            <a:r>
+              <a:rPr lang="en-US" sz="1800" b="1" dirty="0"/>
+              <a:t>(4)</a:t>
+            </a:r>
+          </a:p>
+          <a:p>
+            <a:pPr marL="0" indent="0">
+              <a:buNone/>
+            </a:pPr>
+            <a:r>
+              <a:rPr lang="en-US" sz="1800" dirty="0"/>
+              <a:t>&gt;&gt;&gt; </a:t>
+            </a:r>
+            <a:r>
+              <a:rPr lang="en-US" sz="1800" b="1" dirty="0"/>
+              <a:t>x</a:t>
+            </a:r>
+          </a:p>
+          <a:p>
+            <a:pPr marL="0" indent="0">
+              <a:buNone/>
+            </a:pPr>
+            <a:r>
+              <a:rPr lang="en-US" sz="1800" dirty="0"/>
+              <a:t>&lt;generator object </a:t>
+            </a:r>
+            <a:r>
+              <a:rPr lang="en-US" sz="1800" dirty="0" err="1"/>
+              <a:t>gensquares</a:t>
+            </a:r>
+            <a:r>
+              <a:rPr lang="en-US" sz="1800" dirty="0"/>
+              <a:t> at 0x000000000292CA68&gt;</a:t>
+            </a:r>
+          </a:p>
+          <a:p>
+            <a:pPr marL="0" indent="0">
+              <a:buNone/>
+            </a:pPr>
+            <a:endParaRPr lang="en-US" sz="1800" dirty="0"/>
+          </a:p>
+          <a:p>
+            <a:pPr marL="0" indent="0">
+              <a:buNone/>
+            </a:pPr>
+            <a:endParaRPr lang="en-US" sz="1800" dirty="0"/>
+          </a:p>
+          <a:p>
+            <a:pPr marL="0" indent="0">
+              <a:buNone/>
+            </a:pPr>
+            <a:endParaRPr lang="en-US" sz="1800" dirty="0"/>
+          </a:p>
+        </p:txBody>
+      </p:sp>
+      <p:sp>
+        <p:nvSpPr>
+          <p:cNvPr id="4" name="TextBox 3"/>
+          <p:cNvSpPr txBox="1"/>
+          <p:nvPr/>
+        </p:nvSpPr>
+        <p:spPr>
+          <a:xfrm>
+            <a:off x="6096000" y="1534144"/>
+            <a:ext cx="5408023" cy="3416320"/>
+          </a:xfrm>
+          <a:prstGeom prst="rect">
+            <a:avLst/>
+          </a:prstGeom>
+          <a:noFill/>
+        </p:spPr>
+        <p:txBody>
+          <a:bodyPr wrap="square" rtlCol="0">
+            <a:spAutoFit/>
+          </a:bodyPr>
+          <a:lstStyle/>
+          <a:p>
+            <a:r>
+              <a:rPr lang="en-US" dirty="0" smtClean="0"/>
+              <a:t>&gt;&gt;&gt; </a:t>
+            </a:r>
+            <a:r>
+              <a:rPr lang="en-US" b="1" dirty="0"/>
+              <a:t>next(x) </a:t>
+            </a:r>
+            <a:r>
+              <a:rPr lang="en-US" b="1" dirty="0" smtClean="0"/>
+              <a:t>	</a:t>
+            </a:r>
+            <a:r>
+              <a:rPr lang="en-US" i="1" dirty="0" smtClean="0"/>
+              <a:t># </a:t>
+            </a:r>
+            <a:r>
+              <a:rPr lang="en-US" i="1" dirty="0"/>
+              <a:t>Same as </a:t>
+            </a:r>
+            <a:r>
+              <a:rPr lang="en-US" i="1" dirty="0" err="1"/>
+              <a:t>x.__next</a:t>
+            </a:r>
+            <a:r>
+              <a:rPr lang="en-US" i="1" dirty="0"/>
+              <a:t>__() in 3.X</a:t>
+            </a:r>
+          </a:p>
+          <a:p>
+            <a:r>
+              <a:rPr lang="en-US" dirty="0"/>
+              <a:t>0</a:t>
+            </a:r>
+          </a:p>
+          <a:p>
+            <a:r>
+              <a:rPr lang="en-US" dirty="0"/>
+              <a:t>&gt;&gt;&gt; </a:t>
+            </a:r>
+            <a:r>
+              <a:rPr lang="en-US" b="1" dirty="0"/>
+              <a:t>next(x) </a:t>
+            </a:r>
+            <a:r>
+              <a:rPr lang="en-US" b="1" dirty="0" smtClean="0"/>
+              <a:t>	</a:t>
+            </a:r>
+            <a:r>
+              <a:rPr lang="en-US" i="1" dirty="0" smtClean="0"/>
+              <a:t># </a:t>
+            </a:r>
+            <a:r>
+              <a:rPr lang="en-US" i="1" dirty="0"/>
+              <a:t>Use </a:t>
+            </a:r>
+            <a:r>
+              <a:rPr lang="en-US" i="1" dirty="0" err="1"/>
+              <a:t>x.next</a:t>
+            </a:r>
+            <a:r>
+              <a:rPr lang="en-US" i="1" dirty="0"/>
+              <a:t>() or next() in 2.X</a:t>
+            </a:r>
+          </a:p>
+          <a:p>
+            <a:r>
+              <a:rPr lang="en-US" dirty="0"/>
+              <a:t>1</a:t>
+            </a:r>
+          </a:p>
+          <a:p>
+            <a:r>
+              <a:rPr lang="en-US" dirty="0"/>
+              <a:t>&gt;&gt;&gt; </a:t>
+            </a:r>
+            <a:r>
+              <a:rPr lang="en-US" b="1" dirty="0"/>
+              <a:t>next(x)</a:t>
+            </a:r>
+          </a:p>
+          <a:p>
+            <a:r>
+              <a:rPr lang="en-US" dirty="0"/>
+              <a:t>4</a:t>
+            </a:r>
+          </a:p>
+          <a:p>
+            <a:r>
+              <a:rPr lang="en-US" dirty="0"/>
+              <a:t>&gt;&gt;&gt; </a:t>
+            </a:r>
+            <a:r>
+              <a:rPr lang="en-US" b="1" dirty="0"/>
+              <a:t>next(x)</a:t>
+            </a:r>
+          </a:p>
+          <a:p>
+            <a:r>
+              <a:rPr lang="en-US" dirty="0"/>
+              <a:t>9</a:t>
+            </a:r>
+          </a:p>
+          <a:p>
+            <a:r>
+              <a:rPr lang="en-US" dirty="0"/>
+              <a:t>&gt;&gt;&gt; </a:t>
+            </a:r>
+            <a:r>
+              <a:rPr lang="en-US" b="1" dirty="0"/>
+              <a:t>next(x)</a:t>
+            </a:r>
+          </a:p>
+          <a:p>
+            <a:r>
+              <a:rPr lang="en-US" dirty="0" err="1"/>
+              <a:t>Traceback</a:t>
+            </a:r>
+            <a:r>
+              <a:rPr lang="en-US" dirty="0"/>
+              <a:t> (most recent call last):</a:t>
+            </a:r>
+          </a:p>
+          <a:p>
+            <a:r>
+              <a:rPr lang="en-US" dirty="0" smtClean="0"/>
+              <a:t>    File </a:t>
+            </a:r>
+            <a:r>
+              <a:rPr lang="en-US" dirty="0"/>
+              <a:t>"&lt;</a:t>
+            </a:r>
+            <a:r>
+              <a:rPr lang="en-US" dirty="0" err="1"/>
+              <a:t>stdin</a:t>
+            </a:r>
+            <a:r>
+              <a:rPr lang="en-US" dirty="0"/>
+              <a:t>&gt;", line 1, in &lt;module&gt;</a:t>
+            </a:r>
+          </a:p>
+          <a:p>
+            <a:r>
+              <a:rPr lang="en-US" dirty="0" err="1"/>
+              <a:t>StopIteration</a:t>
+            </a:r>
+            <a:endParaRPr lang="en-US" dirty="0"/>
+          </a:p>
+        </p:txBody>
+      </p:sp>
+      <p:cxnSp>
+        <p:nvCxnSpPr>
+          <p:cNvPr id="6" name="Straight Connector 5"/>
+          <p:cNvCxnSpPr/>
+          <p:nvPr/>
+        </p:nvCxnSpPr>
+        <p:spPr>
+          <a:xfrm>
+            <a:off x="5808617" y="1402080"/>
+            <a:ext cx="0" cy="4929051"/>
+          </a:xfrm>
+          <a:prstGeom prst="line">
+            <a:avLst/>
+          </a:prstGeom>
+        </p:spPr>
+        <p:style>
+          <a:lnRef idx="1">
+            <a:schemeClr val="accent1"/>
+          </a:lnRef>
+          <a:fillRef idx="0">
+            <a:schemeClr val="accent1"/>
+          </a:fillRef>
+          <a:effectRef idx="0">
+            <a:schemeClr val="accent1"/>
+          </a:effectRef>
+          <a:fontRef idx="minor">
+            <a:schemeClr val="tx1"/>
+          </a:fontRef>
+        </p:style>
+      </p:cxnSp>
+    </p:spTree>
+    <p:extLst>
+      <p:ext uri="{BB962C8B-B14F-4D97-AF65-F5344CB8AC3E}">
+        <p14:creationId xmlns:p14="http://schemas.microsoft.com/office/powerpoint/2010/main" val="3953586626"/>
+      </p:ext>
+    </p:extLst>
+  </p:cSld>
+  <p:clrMapOvr>
+    <a:masterClrMapping/>
+  </p:clrMapOvr>
+</p:sld>
+</file>
+
+<file path=ppt/slides/slide68.xml><?xml version="1.0" encoding="utf-8"?>
+<p:sld xmlns:a="http://schemas.openxmlformats.org/drawingml/2006/main" xmlns:r="http://schemas.openxmlformats.org/officeDocument/2006/relationships" xmlns:p="http://schemas.openxmlformats.org/presentationml/2006/main">
+  <p:cSld>
+    <p:spTree>
+      <p:nvGrpSpPr>
+        <p:cNvPr id="1" name=""/>
+        <p:cNvGrpSpPr/>
+        <p:nvPr/>
+      </p:nvGrpSpPr>
+      <p:grpSpPr>
+        <a:xfrm>
+          <a:off x="0" y="0"/>
+          <a:ext cx="0" cy="0"/>
+          <a:chOff x="0" y="0"/>
+          <a:chExt cx="0" cy="0"/>
+        </a:xfrm>
+      </p:grpSpPr>
+      <p:sp>
+        <p:nvSpPr>
+          <p:cNvPr id="2" name="Title 1"/>
+          <p:cNvSpPr>
+            <a:spLocks noGrp="1"/>
+          </p:cNvSpPr>
+          <p:nvPr>
+            <p:ph type="title"/>
+          </p:nvPr>
+        </p:nvSpPr>
+        <p:spPr/>
+        <p:txBody>
+          <a:bodyPr/>
+          <a:lstStyle/>
+          <a:p>
+            <a:r>
+              <a:rPr lang="en-US" b="1" dirty="0" smtClean="0"/>
+              <a:t>Module</a:t>
+            </a:r>
+            <a:endParaRPr lang="en-US" b="1" dirty="0"/>
+          </a:p>
+        </p:txBody>
+      </p:sp>
+      <p:sp>
+        <p:nvSpPr>
+          <p:cNvPr id="3" name="Content Placeholder 2"/>
+          <p:cNvSpPr>
+            <a:spLocks noGrp="1"/>
+          </p:cNvSpPr>
+          <p:nvPr>
+            <p:ph idx="1"/>
+          </p:nvPr>
+        </p:nvSpPr>
+        <p:spPr>
+          <a:xfrm>
+            <a:off x="838200" y="1825625"/>
+            <a:ext cx="4038600" cy="4351338"/>
+          </a:xfrm>
+        </p:spPr>
+        <p:txBody>
+          <a:bodyPr/>
+          <a:lstStyle/>
+          <a:p>
+            <a:r>
+              <a:rPr lang="en-US" i="1" dirty="0"/>
+              <a:t>Code </a:t>
+            </a:r>
+            <a:r>
+              <a:rPr lang="en-US" i="1" dirty="0" smtClean="0"/>
+              <a:t>reuse</a:t>
+            </a:r>
+          </a:p>
+          <a:p>
+            <a:r>
+              <a:rPr lang="en-US" i="1" dirty="0"/>
+              <a:t>System namespace </a:t>
+            </a:r>
+            <a:r>
+              <a:rPr lang="en-US" i="1" dirty="0" smtClean="0"/>
+              <a:t>partitioning</a:t>
+            </a:r>
+          </a:p>
+          <a:p>
+            <a:r>
+              <a:rPr lang="en-US" i="1" dirty="0"/>
+              <a:t>Implementing shared services or data</a:t>
+            </a:r>
+            <a:endParaRPr lang="en-US" dirty="0"/>
+          </a:p>
+        </p:txBody>
+      </p:sp>
+      <p:pic>
+        <p:nvPicPr>
+          <p:cNvPr id="4" name="Picture 3"/>
+          <p:cNvPicPr>
+            <a:picLocks noChangeAspect="1"/>
+          </p:cNvPicPr>
+          <p:nvPr/>
+        </p:nvPicPr>
+        <p:blipFill>
+          <a:blip r:embed="rId2"/>
+          <a:stretch>
+            <a:fillRect/>
+          </a:stretch>
+        </p:blipFill>
+        <p:spPr>
+          <a:xfrm>
+            <a:off x="4876800" y="2086233"/>
+            <a:ext cx="6659350" cy="3830122"/>
+          </a:xfrm>
+          <a:prstGeom prst="rect">
+            <a:avLst/>
+          </a:prstGeom>
+        </p:spPr>
+      </p:pic>
+    </p:spTree>
+    <p:extLst>
+      <p:ext uri="{BB962C8B-B14F-4D97-AF65-F5344CB8AC3E}">
+        <p14:creationId xmlns:p14="http://schemas.microsoft.com/office/powerpoint/2010/main" val="533203271"/>
+      </p:ext>
+    </p:extLst>
+  </p:cSld>
+  <p:clrMapOvr>
+    <a:masterClrMapping/>
+  </p:clrMapOvr>
+</p:sld>
+</file>
+
+<file path=ppt/slides/slide69.xml><?xml version="1.0" encoding="utf-8"?>
+<p:sld xmlns:a="http://schemas.openxmlformats.org/drawingml/2006/main" xmlns:r="http://schemas.openxmlformats.org/officeDocument/2006/relationships" xmlns:p="http://schemas.openxmlformats.org/presentationml/2006/main">
+  <p:cSld>
+    <p:spTree>
+      <p:nvGrpSpPr>
+        <p:cNvPr id="1" name=""/>
+        <p:cNvGrpSpPr/>
+        <p:nvPr/>
+      </p:nvGrpSpPr>
+      <p:grpSpPr>
+        <a:xfrm>
+          <a:off x="0" y="0"/>
+          <a:ext cx="0" cy="0"/>
+          <a:chOff x="0" y="0"/>
+          <a:chExt cx="0" cy="0"/>
+        </a:xfrm>
+      </p:grpSpPr>
+      <p:sp>
+        <p:nvSpPr>
+          <p:cNvPr id="2" name="Title 1"/>
+          <p:cNvSpPr>
+            <a:spLocks noGrp="1"/>
+          </p:cNvSpPr>
+          <p:nvPr>
+            <p:ph type="title"/>
+          </p:nvPr>
+        </p:nvSpPr>
+        <p:spPr/>
+        <p:txBody>
+          <a:bodyPr/>
+          <a:lstStyle/>
+          <a:p>
+            <a:r>
+              <a:rPr lang="en-US" b="1" dirty="0"/>
+              <a:t>The Module Search Path</a:t>
+            </a:r>
+          </a:p>
+        </p:txBody>
+      </p:sp>
+      <p:sp>
+        <p:nvSpPr>
+          <p:cNvPr id="3" name="Content Placeholder 2"/>
+          <p:cNvSpPr>
+            <a:spLocks noGrp="1"/>
+          </p:cNvSpPr>
+          <p:nvPr>
+            <p:ph idx="1"/>
+          </p:nvPr>
+        </p:nvSpPr>
+        <p:spPr/>
+        <p:txBody>
+          <a:bodyPr/>
+          <a:lstStyle/>
+          <a:p>
+            <a:r>
+              <a:rPr lang="en-US" dirty="0"/>
+              <a:t>1. The home directory of the program</a:t>
+            </a:r>
+          </a:p>
+          <a:p>
+            <a:r>
+              <a:rPr lang="en-US" dirty="0"/>
+              <a:t>2. PYTHONPATH directories (if set)</a:t>
+            </a:r>
+          </a:p>
+          <a:p>
+            <a:r>
+              <a:rPr lang="en-US" dirty="0"/>
+              <a:t>3. Standard library directories</a:t>
+            </a:r>
+          </a:p>
+          <a:p>
+            <a:r>
+              <a:rPr lang="en-US" dirty="0"/>
+              <a:t>4. The contents of any </a:t>
+            </a:r>
+            <a:r>
+              <a:rPr lang="en-US" i="1" dirty="0"/>
+              <a:t>.</a:t>
+            </a:r>
+            <a:r>
+              <a:rPr lang="en-US" i="1" dirty="0" err="1"/>
+              <a:t>pth</a:t>
+            </a:r>
+            <a:r>
+              <a:rPr lang="en-US" i="1" dirty="0"/>
+              <a:t> </a:t>
+            </a:r>
+            <a:r>
+              <a:rPr lang="en-US" dirty="0"/>
+              <a:t>files (if present)</a:t>
+            </a:r>
+          </a:p>
+          <a:p>
+            <a:r>
+              <a:rPr lang="en-US" dirty="0"/>
+              <a:t>5. The </a:t>
+            </a:r>
+            <a:r>
+              <a:rPr lang="en-US" i="1" dirty="0"/>
+              <a:t>site-packages </a:t>
+            </a:r>
+            <a:r>
+              <a:rPr lang="en-US" dirty="0"/>
+              <a:t>home of third-party extensions</a:t>
+            </a:r>
+          </a:p>
+        </p:txBody>
+      </p:sp>
+    </p:spTree>
+    <p:extLst>
+      <p:ext uri="{BB962C8B-B14F-4D97-AF65-F5344CB8AC3E}">
+        <p14:creationId xmlns:p14="http://schemas.microsoft.com/office/powerpoint/2010/main" val="2161822208"/>
+      </p:ext>
+    </p:extLst>
+  </p:cSld>
+  <p:clrMapOvr>
+    <a:masterClrMapping/>
+  </p:clrMapOvr>
 </p:sld>
 </file>
 
@@ -21080,11 +25642,11 @@
   <p:clrMapOvr>
     <a:masterClrMapping/>
   </p:clrMapOvr>
-  <mc:AlternateContent xmlns:mc="http://schemas.openxmlformats.org/markup-compatibility/2006">
-    <mc:Choice xmlns:p14="http://schemas.microsoft.com/office/powerpoint/2010/main" Requires="p14">
+  <mc:AlternateContent xmlns:mc="http://schemas.openxmlformats.org/markup-compatibility/2006" xmlns:p14="http://schemas.microsoft.com/office/powerpoint/2010/main">
+    <mc:Choice Requires="p14">
       <p:transition p14:dur="0"/>
     </mc:Choice>
-    <mc:Fallback>
+    <mc:Fallback xmlns="">
       <p:transition/>
     </mc:Fallback>
   </mc:AlternateContent>
@@ -21095,6 +25657,2958 @@
       </p:par>
     </p:tnLst>
   </p:timing>
+</p:sld>
+</file>
+
+<file path=ppt/slides/slide70.xml><?xml version="1.0" encoding="utf-8"?>
+<p:sld xmlns:a="http://schemas.openxmlformats.org/drawingml/2006/main" xmlns:r="http://schemas.openxmlformats.org/officeDocument/2006/relationships" xmlns:p="http://schemas.openxmlformats.org/presentationml/2006/main">
+  <p:cSld>
+    <p:spTree>
+      <p:nvGrpSpPr>
+        <p:cNvPr id="1" name=""/>
+        <p:cNvGrpSpPr/>
+        <p:nvPr/>
+      </p:nvGrpSpPr>
+      <p:grpSpPr>
+        <a:xfrm>
+          <a:off x="0" y="0"/>
+          <a:ext cx="0" cy="0"/>
+          <a:chOff x="0" y="0"/>
+          <a:chExt cx="0" cy="0"/>
+        </a:xfrm>
+      </p:grpSpPr>
+      <p:sp>
+        <p:nvSpPr>
+          <p:cNvPr id="2" name="Title 1"/>
+          <p:cNvSpPr>
+            <a:spLocks noGrp="1"/>
+          </p:cNvSpPr>
+          <p:nvPr>
+            <p:ph type="title"/>
+          </p:nvPr>
+        </p:nvSpPr>
+        <p:spPr/>
+        <p:txBody>
+          <a:bodyPr/>
+          <a:lstStyle/>
+          <a:p>
+            <a:r>
+              <a:rPr lang="en-US" b="1" dirty="0" smtClean="0"/>
+              <a:t>Module</a:t>
+            </a:r>
+            <a:endParaRPr lang="en-US" b="1" dirty="0"/>
+          </a:p>
+        </p:txBody>
+      </p:sp>
+      <p:sp>
+        <p:nvSpPr>
+          <p:cNvPr id="3" name="Content Placeholder 2"/>
+          <p:cNvSpPr>
+            <a:spLocks noGrp="1"/>
+          </p:cNvSpPr>
+          <p:nvPr>
+            <p:ph idx="1"/>
+          </p:nvPr>
+        </p:nvSpPr>
+        <p:spPr/>
+        <p:txBody>
+          <a:bodyPr>
+            <a:normAutofit fontScale="77500" lnSpcReduction="20000"/>
+          </a:bodyPr>
+          <a:lstStyle/>
+          <a:p>
+            <a:pPr marL="0" indent="0">
+              <a:buNone/>
+            </a:pPr>
+            <a:r>
+              <a:rPr lang="en-US" dirty="0"/>
+              <a:t>The import </a:t>
+            </a:r>
+            <a:r>
+              <a:rPr lang="en-US" dirty="0" smtClean="0"/>
+              <a:t>Statement</a:t>
+            </a:r>
+          </a:p>
+          <a:p>
+            <a:pPr marL="0" indent="0">
+              <a:buNone/>
+            </a:pPr>
+            <a:r>
+              <a:rPr lang="en-US" sz="2000" dirty="0"/>
+              <a:t>&gt;&gt;&gt; </a:t>
+            </a:r>
+            <a:r>
+              <a:rPr lang="en-US" sz="2000" b="1" dirty="0"/>
+              <a:t>import module1 </a:t>
+            </a:r>
+            <a:r>
+              <a:rPr lang="en-US" sz="2000" b="1" dirty="0" smtClean="0"/>
+              <a:t>                      	</a:t>
+            </a:r>
+            <a:r>
+              <a:rPr lang="en-US" sz="2000" i="1" dirty="0" smtClean="0"/>
+              <a:t># </a:t>
+            </a:r>
+            <a:r>
+              <a:rPr lang="en-US" sz="2000" i="1" dirty="0"/>
+              <a:t>Get module as a whole (one or more)</a:t>
+            </a:r>
+          </a:p>
+          <a:p>
+            <a:pPr marL="0" indent="0">
+              <a:buNone/>
+            </a:pPr>
+            <a:r>
+              <a:rPr lang="en-US" sz="2000" dirty="0"/>
+              <a:t>&gt;&gt;&gt; </a:t>
+            </a:r>
+            <a:r>
+              <a:rPr lang="en-US" sz="2000" b="1" dirty="0"/>
+              <a:t>module1.printer('Hello world!') </a:t>
+            </a:r>
+            <a:r>
+              <a:rPr lang="en-US" sz="2000" b="1" dirty="0" smtClean="0"/>
+              <a:t>	</a:t>
+            </a:r>
+            <a:r>
+              <a:rPr lang="en-US" sz="2000" i="1" dirty="0" smtClean="0"/>
+              <a:t># </a:t>
+            </a:r>
+            <a:r>
+              <a:rPr lang="en-US" sz="2000" i="1" dirty="0"/>
+              <a:t>Qualify to get names</a:t>
+            </a:r>
+          </a:p>
+          <a:p>
+            <a:pPr marL="0" indent="0">
+              <a:buNone/>
+            </a:pPr>
+            <a:r>
+              <a:rPr lang="en-US" sz="2000" dirty="0"/>
+              <a:t>Hello world</a:t>
+            </a:r>
+            <a:r>
+              <a:rPr lang="en-US" sz="2000" dirty="0" smtClean="0"/>
+              <a:t>!</a:t>
+            </a:r>
+          </a:p>
+          <a:p>
+            <a:pPr marL="0" indent="0">
+              <a:buNone/>
+            </a:pPr>
+            <a:endParaRPr lang="en-US" sz="2000" dirty="0"/>
+          </a:p>
+          <a:p>
+            <a:pPr marL="0" indent="0">
+              <a:buNone/>
+            </a:pPr>
+            <a:r>
+              <a:rPr lang="en-US" dirty="0"/>
+              <a:t>The from </a:t>
+            </a:r>
+            <a:r>
+              <a:rPr lang="en-US" dirty="0" smtClean="0"/>
+              <a:t>Statement</a:t>
+            </a:r>
+          </a:p>
+          <a:p>
+            <a:pPr marL="0" indent="0">
+              <a:buNone/>
+            </a:pPr>
+            <a:r>
+              <a:rPr lang="en-US" sz="2000" dirty="0"/>
+              <a:t>&gt;&gt;&gt; </a:t>
+            </a:r>
+            <a:r>
+              <a:rPr lang="en-US" sz="2000" b="1" dirty="0"/>
+              <a:t>from module1 import printer </a:t>
+            </a:r>
+            <a:r>
+              <a:rPr lang="en-US" sz="2000" b="1" dirty="0" smtClean="0"/>
+              <a:t>	</a:t>
+            </a:r>
+            <a:r>
+              <a:rPr lang="en-US" sz="2000" i="1" dirty="0" smtClean="0"/>
+              <a:t># </a:t>
+            </a:r>
+            <a:r>
+              <a:rPr lang="en-US" sz="2000" i="1" dirty="0"/>
+              <a:t>Copy out a variable (one or more)</a:t>
+            </a:r>
+          </a:p>
+          <a:p>
+            <a:pPr marL="0" indent="0">
+              <a:buNone/>
+            </a:pPr>
+            <a:r>
+              <a:rPr lang="en-US" sz="2000" dirty="0"/>
+              <a:t>&gt;&gt;&gt; </a:t>
+            </a:r>
+            <a:r>
+              <a:rPr lang="en-US" sz="2000" b="1" dirty="0"/>
+              <a:t>printer('Hello world!') </a:t>
+            </a:r>
+            <a:r>
+              <a:rPr lang="en-US" sz="2000" b="1" dirty="0" smtClean="0"/>
+              <a:t>		</a:t>
+            </a:r>
+            <a:r>
+              <a:rPr lang="en-US" sz="2000" i="1" dirty="0" smtClean="0"/>
+              <a:t># </a:t>
+            </a:r>
+            <a:r>
+              <a:rPr lang="en-US" sz="2000" i="1" dirty="0"/>
+              <a:t>No need to qualify name</a:t>
+            </a:r>
+          </a:p>
+          <a:p>
+            <a:pPr marL="0" indent="0">
+              <a:buNone/>
+            </a:pPr>
+            <a:r>
+              <a:rPr lang="en-US" sz="2000" dirty="0"/>
+              <a:t>Hello world</a:t>
+            </a:r>
+            <a:r>
+              <a:rPr lang="en-US" sz="2000" dirty="0" smtClean="0"/>
+              <a:t>!</a:t>
+            </a:r>
+          </a:p>
+          <a:p>
+            <a:pPr marL="0" indent="0">
+              <a:buNone/>
+            </a:pPr>
+            <a:endParaRPr lang="en-US" sz="2000" dirty="0"/>
+          </a:p>
+          <a:p>
+            <a:pPr marL="0" indent="0">
+              <a:buNone/>
+            </a:pPr>
+            <a:r>
+              <a:rPr lang="en-US" dirty="0"/>
+              <a:t>The from * </a:t>
+            </a:r>
+            <a:r>
+              <a:rPr lang="en-US" dirty="0" smtClean="0"/>
+              <a:t>Statement</a:t>
+            </a:r>
+          </a:p>
+          <a:p>
+            <a:pPr marL="0" indent="0">
+              <a:buNone/>
+            </a:pPr>
+            <a:r>
+              <a:rPr lang="en-US" sz="2100" dirty="0"/>
+              <a:t>&gt;&gt;&gt; </a:t>
+            </a:r>
+            <a:r>
+              <a:rPr lang="en-US" sz="2100" b="1" dirty="0"/>
+              <a:t>from module1 import * </a:t>
+            </a:r>
+            <a:r>
+              <a:rPr lang="en-US" sz="2100" b="1" dirty="0" smtClean="0"/>
+              <a:t>		</a:t>
+            </a:r>
+            <a:r>
+              <a:rPr lang="en-US" sz="2100" i="1" dirty="0" smtClean="0"/>
+              <a:t># </a:t>
+            </a:r>
+            <a:r>
+              <a:rPr lang="en-US" sz="2100" i="1" dirty="0"/>
+              <a:t>Copy out _all_ variables</a:t>
+            </a:r>
+          </a:p>
+          <a:p>
+            <a:pPr marL="0" indent="0">
+              <a:buNone/>
+            </a:pPr>
+            <a:r>
+              <a:rPr lang="en-US" sz="2100" dirty="0"/>
+              <a:t>&gt;&gt;&gt; </a:t>
+            </a:r>
+            <a:r>
+              <a:rPr lang="en-US" sz="2100" b="1" dirty="0"/>
+              <a:t>printer('Hello world!')</a:t>
+            </a:r>
+          </a:p>
+          <a:p>
+            <a:pPr marL="0" indent="0">
+              <a:buNone/>
+            </a:pPr>
+            <a:r>
+              <a:rPr lang="en-US" sz="2100" dirty="0"/>
+              <a:t>Hello world!</a:t>
+            </a:r>
+            <a:endParaRPr lang="en-US" sz="1200" dirty="0"/>
+          </a:p>
+        </p:txBody>
+      </p:sp>
+    </p:spTree>
+    <p:extLst>
+      <p:ext uri="{BB962C8B-B14F-4D97-AF65-F5344CB8AC3E}">
+        <p14:creationId xmlns:p14="http://schemas.microsoft.com/office/powerpoint/2010/main" val="3806307969"/>
+      </p:ext>
+    </p:extLst>
+  </p:cSld>
+  <p:clrMapOvr>
+    <a:masterClrMapping/>
+  </p:clrMapOvr>
+</p:sld>
+</file>
+
+<file path=ppt/slides/slide71.xml><?xml version="1.0" encoding="utf-8"?>
+<p:sld xmlns:a="http://schemas.openxmlformats.org/drawingml/2006/main" xmlns:r="http://schemas.openxmlformats.org/officeDocument/2006/relationships" xmlns:p="http://schemas.openxmlformats.org/presentationml/2006/main">
+  <p:cSld>
+    <p:spTree>
+      <p:nvGrpSpPr>
+        <p:cNvPr id="1" name=""/>
+        <p:cNvGrpSpPr/>
+        <p:nvPr/>
+      </p:nvGrpSpPr>
+      <p:grpSpPr>
+        <a:xfrm>
+          <a:off x="0" y="0"/>
+          <a:ext cx="0" cy="0"/>
+          <a:chOff x="0" y="0"/>
+          <a:chExt cx="0" cy="0"/>
+        </a:xfrm>
+      </p:grpSpPr>
+      <p:sp>
+        <p:nvSpPr>
+          <p:cNvPr id="2" name="Title 1"/>
+          <p:cNvSpPr>
+            <a:spLocks noGrp="1"/>
+          </p:cNvSpPr>
+          <p:nvPr>
+            <p:ph type="title"/>
+          </p:nvPr>
+        </p:nvSpPr>
+        <p:spPr/>
+        <p:txBody>
+          <a:bodyPr/>
+          <a:lstStyle/>
+          <a:p>
+            <a:r>
+              <a:rPr lang="en-US" b="1" dirty="0" smtClean="0"/>
+              <a:t>Package</a:t>
+            </a:r>
+            <a:endParaRPr lang="en-US" b="1" dirty="0"/>
+          </a:p>
+        </p:txBody>
+      </p:sp>
+      <p:sp>
+        <p:nvSpPr>
+          <p:cNvPr id="3" name="Content Placeholder 2"/>
+          <p:cNvSpPr>
+            <a:spLocks noGrp="1"/>
+          </p:cNvSpPr>
+          <p:nvPr>
+            <p:ph idx="1"/>
+          </p:nvPr>
+        </p:nvSpPr>
+        <p:spPr/>
+        <p:txBody>
+          <a:bodyPr>
+            <a:normAutofit fontScale="85000" lnSpcReduction="20000"/>
+          </a:bodyPr>
+          <a:lstStyle/>
+          <a:p>
+            <a:pPr marL="0" indent="0">
+              <a:buNone/>
+            </a:pPr>
+            <a:r>
+              <a:rPr lang="en-US" dirty="0"/>
+              <a:t>Packages are simply directories of Python modules with a special </a:t>
+            </a:r>
+            <a:r>
+              <a:rPr lang="en-US" i="1" dirty="0"/>
+              <a:t>__init__.py </a:t>
+            </a:r>
+            <a:r>
+              <a:rPr lang="en-US" dirty="0"/>
+              <a:t>file,</a:t>
+            </a:r>
+          </a:p>
+          <a:p>
+            <a:pPr marL="0" indent="0">
+              <a:buNone/>
+            </a:pPr>
+            <a:r>
+              <a:rPr lang="en-US" dirty="0"/>
+              <a:t>which enables A.B.C directory path syntax in imports</a:t>
+            </a:r>
+            <a:r>
+              <a:rPr lang="en-US" dirty="0" smtClean="0"/>
+              <a:t>.</a:t>
+            </a:r>
+          </a:p>
+          <a:p>
+            <a:endParaRPr lang="en-US" dirty="0" smtClean="0"/>
+          </a:p>
+          <a:p>
+            <a:pPr marL="0" indent="0">
+              <a:buNone/>
+            </a:pPr>
+            <a:r>
+              <a:rPr lang="en-US" dirty="0" smtClean="0"/>
+              <a:t>import dir1.dir2.mod</a:t>
+            </a:r>
+          </a:p>
+          <a:p>
+            <a:pPr marL="0" indent="0">
+              <a:buNone/>
+            </a:pPr>
+            <a:r>
+              <a:rPr lang="en-US" dirty="0"/>
+              <a:t>from dir1.dir2.mod import </a:t>
+            </a:r>
+            <a:r>
+              <a:rPr lang="en-US" dirty="0" smtClean="0"/>
+              <a:t>x</a:t>
+            </a:r>
+          </a:p>
+          <a:p>
+            <a:pPr marL="0" indent="0">
+              <a:buNone/>
+            </a:pPr>
+            <a:endParaRPr lang="en-US" dirty="0"/>
+          </a:p>
+          <a:p>
+            <a:r>
+              <a:rPr lang="en-US" dirty="0"/>
+              <a:t>__init__.py </a:t>
+            </a:r>
+            <a:r>
+              <a:rPr lang="en-US" dirty="0" smtClean="0"/>
+              <a:t>Files</a:t>
+            </a:r>
+          </a:p>
+          <a:p>
+            <a:endParaRPr lang="en-US" dirty="0" smtClean="0"/>
+          </a:p>
+          <a:p>
+            <a:pPr marL="0" indent="0">
+              <a:buNone/>
+            </a:pPr>
+            <a:endParaRPr lang="en-US" dirty="0" smtClean="0"/>
+          </a:p>
+          <a:p>
+            <a:pPr marL="0" indent="0">
+              <a:buNone/>
+            </a:pPr>
+            <a:r>
+              <a:rPr lang="en-US" dirty="0" smtClean="0"/>
+              <a:t>Relative import with . Operator</a:t>
+            </a:r>
+          </a:p>
+          <a:p>
+            <a:pPr marL="0" indent="0">
+              <a:buNone/>
+            </a:pPr>
+            <a:r>
+              <a:rPr lang="en-US" sz="2400" dirty="0"/>
+              <a:t>from __future__ import </a:t>
+            </a:r>
+            <a:r>
+              <a:rPr lang="en-US" sz="2400" dirty="0" err="1" smtClean="0"/>
+              <a:t>absolute_import</a:t>
+            </a:r>
+            <a:r>
+              <a:rPr lang="en-US" sz="2400" dirty="0" smtClean="0"/>
+              <a:t> 	</a:t>
+            </a:r>
+            <a:r>
+              <a:rPr lang="en-US" sz="2000" i="1" dirty="0" smtClean="0"/>
+              <a:t># </a:t>
+            </a:r>
+            <a:r>
+              <a:rPr lang="en-US" sz="2000" i="1" dirty="0"/>
+              <a:t>Use 3.X relative import model in 2.X</a:t>
+            </a:r>
+            <a:endParaRPr lang="en-US" sz="2000" dirty="0"/>
+          </a:p>
+        </p:txBody>
+      </p:sp>
+    </p:spTree>
+    <p:extLst>
+      <p:ext uri="{BB962C8B-B14F-4D97-AF65-F5344CB8AC3E}">
+        <p14:creationId xmlns:p14="http://schemas.microsoft.com/office/powerpoint/2010/main" val="3664810267"/>
+      </p:ext>
+    </p:extLst>
+  </p:cSld>
+  <p:clrMapOvr>
+    <a:masterClrMapping/>
+  </p:clrMapOvr>
+</p:sld>
+</file>
+
+<file path=ppt/slides/slide72.xml><?xml version="1.0" encoding="utf-8"?>
+<p:sld xmlns:a="http://schemas.openxmlformats.org/drawingml/2006/main" xmlns:r="http://schemas.openxmlformats.org/officeDocument/2006/relationships" xmlns:p="http://schemas.openxmlformats.org/presentationml/2006/main">
+  <p:cSld>
+    <p:spTree>
+      <p:nvGrpSpPr>
+        <p:cNvPr id="1" name=""/>
+        <p:cNvGrpSpPr/>
+        <p:nvPr/>
+      </p:nvGrpSpPr>
+      <p:grpSpPr>
+        <a:xfrm>
+          <a:off x="0" y="0"/>
+          <a:ext cx="0" cy="0"/>
+          <a:chOff x="0" y="0"/>
+          <a:chExt cx="0" cy="0"/>
+        </a:xfrm>
+      </p:grpSpPr>
+      <p:sp>
+        <p:nvSpPr>
+          <p:cNvPr id="2" name="Title 1"/>
+          <p:cNvSpPr>
+            <a:spLocks noGrp="1"/>
+          </p:cNvSpPr>
+          <p:nvPr>
+            <p:ph type="title"/>
+          </p:nvPr>
+        </p:nvSpPr>
+        <p:spPr/>
+        <p:txBody>
+          <a:bodyPr/>
+          <a:lstStyle/>
+          <a:p>
+            <a:r>
+              <a:rPr lang="en-US" b="1" dirty="0" smtClean="0"/>
+              <a:t>Regular Expression</a:t>
+            </a:r>
+            <a:endParaRPr lang="en-US" b="1" dirty="0"/>
+          </a:p>
+        </p:txBody>
+      </p:sp>
+      <p:sp>
+        <p:nvSpPr>
+          <p:cNvPr id="3" name="Content Placeholder 2"/>
+          <p:cNvSpPr>
+            <a:spLocks noGrp="1"/>
+          </p:cNvSpPr>
+          <p:nvPr>
+            <p:ph idx="1"/>
+          </p:nvPr>
+        </p:nvSpPr>
+        <p:spPr/>
+        <p:txBody>
+          <a:bodyPr/>
+          <a:lstStyle/>
+          <a:p>
+            <a:r>
+              <a:rPr lang="en-US" dirty="0"/>
+              <a:t>T</a:t>
+            </a:r>
+            <a:r>
+              <a:rPr lang="en-US" dirty="0" smtClean="0"/>
+              <a:t>ext-matching </a:t>
+            </a:r>
+            <a:r>
+              <a:rPr lang="en-US" dirty="0"/>
+              <a:t>patterns described with a formal </a:t>
+            </a:r>
+            <a:r>
+              <a:rPr lang="en-US" dirty="0" smtClean="0"/>
+              <a:t>syntax</a:t>
+            </a:r>
+          </a:p>
+          <a:p>
+            <a:r>
+              <a:rPr lang="en-US" dirty="0" smtClean="0"/>
+              <a:t>For finding </a:t>
+            </a:r>
+            <a:r>
+              <a:rPr lang="en-US" dirty="0"/>
+              <a:t>repetition, to </a:t>
+            </a:r>
+            <a:r>
+              <a:rPr lang="en-US" dirty="0" smtClean="0"/>
+              <a:t>text-matching</a:t>
+            </a:r>
+          </a:p>
+          <a:p>
+            <a:endParaRPr lang="en-US" dirty="0"/>
+          </a:p>
+          <a:p>
+            <a:endParaRPr lang="en-US" dirty="0"/>
+          </a:p>
+        </p:txBody>
+      </p:sp>
+      <p:sp>
+        <p:nvSpPr>
+          <p:cNvPr id="4" name="Rectangle 1"/>
+          <p:cNvSpPr>
+            <a:spLocks noChangeArrowheads="1"/>
+          </p:cNvSpPr>
+          <p:nvPr/>
+        </p:nvSpPr>
+        <p:spPr bwMode="auto">
+          <a:xfrm>
+            <a:off x="975873" y="3088499"/>
+            <a:ext cx="10493316" cy="3323987"/>
+          </a:xfrm>
+          <a:prstGeom prst="rect">
+            <a:avLst/>
+          </a:prstGeom>
+          <a:solidFill>
+            <a:srgbClr val="F7F7F7"/>
+          </a:solidFill>
+          <a:ln>
+            <a:noFill/>
+          </a:ln>
+          <a:effectLst/>
+          <a:extLst>
+            <a:ext uri="{91240B29-F687-4F45-9708-019B960494DF}">
+              <a14:hiddenLine xmlns:a14="http://schemas.microsoft.com/office/drawing/2010/main" w="9525">
+                <a:solidFill>
+                  <a:schemeClr val="tx1"/>
+                </a:solidFill>
+                <a:miter lim="800000"/>
+                <a:headEnd/>
+                <a:tailEnd/>
+              </a14:hiddenLine>
+            </a:ext>
+            <a:ext uri="{AF507438-7753-43E0-B8FC-AC1667EBCBE1}">
+              <a14:hiddenEffects xmlns:a14="http://schemas.microsoft.com/office/drawing/2010/main">
+                <a:effectLst>
+                  <a:outerShdw dist="35921" dir="2700000" algn="ctr" rotWithShape="0">
+                    <a:schemeClr val="bg2"/>
+                  </a:outerShdw>
+                </a:effectLst>
+              </a14:hiddenEffects>
+            </a:ext>
+          </a:extLst>
+        </p:spPr>
+        <p:txBody>
+          <a:bodyPr vert="horz" wrap="square" lIns="0" tIns="0" rIns="0" bIns="0" numCol="1" anchor="ctr" anchorCtr="0" compatLnSpc="1">
+            <a:prstTxWarp prst="textNoShape">
+              <a:avLst/>
+            </a:prstTxWarp>
+            <a:spAutoFit/>
+          </a:bodyPr>
+          <a:lstStyle/>
+          <a:p>
+            <a:pPr marL="0" marR="0" lvl="0" indent="0" algn="l" defTabSz="914400" rtl="0" eaLnBrk="0" fontAlgn="base" latinLnBrk="0" hangingPunct="0">
+              <a:lnSpc>
+                <a:spcPct val="100000"/>
+              </a:lnSpc>
+              <a:spcBef>
+                <a:spcPct val="30000"/>
+              </a:spcBef>
+              <a:spcAft>
+                <a:spcPct val="0"/>
+              </a:spcAft>
+              <a:buClrTx/>
+              <a:buSzTx/>
+              <a:buFontTx/>
+              <a:buNone/>
+              <a:tabLst/>
+            </a:pPr>
+            <a:r>
+              <a:rPr kumimoji="0" lang="en-US" altLang="en-US" sz="1500" b="1" i="0" u="none" strike="noStrike" cap="none" normalizeH="0" baseline="0" dirty="0" smtClean="0">
+                <a:ln>
+                  <a:noFill/>
+                </a:ln>
+                <a:solidFill>
+                  <a:srgbClr val="008000"/>
+                </a:solidFill>
+                <a:effectLst/>
+                <a:latin typeface="Courier New" panose="02070309020205020404" pitchFamily="49" charset="0"/>
+              </a:rPr>
+              <a:t>import</a:t>
+            </a:r>
+            <a:r>
+              <a:rPr kumimoji="0" lang="en-US" altLang="en-US" sz="1500" b="0" i="0" u="none" strike="noStrike" cap="none" normalizeH="0" baseline="0" dirty="0" smtClean="0">
+                <a:ln>
+                  <a:noFill/>
+                </a:ln>
+                <a:solidFill>
+                  <a:srgbClr val="333333"/>
+                </a:solidFill>
+                <a:effectLst/>
+                <a:latin typeface="Courier New" panose="02070309020205020404" pitchFamily="49" charset="0"/>
+              </a:rPr>
+              <a:t> </a:t>
+            </a:r>
+            <a:r>
+              <a:rPr kumimoji="0" lang="en-US" altLang="en-US" sz="1500" b="1" i="0" u="none" strike="noStrike" cap="none" normalizeH="0" baseline="0" dirty="0" smtClean="0">
+                <a:ln>
+                  <a:noFill/>
+                </a:ln>
+                <a:solidFill>
+                  <a:srgbClr val="0000FF"/>
+                </a:solidFill>
+                <a:effectLst/>
+                <a:latin typeface="Courier New" panose="02070309020205020404" pitchFamily="49" charset="0"/>
+              </a:rPr>
+              <a:t>re</a:t>
+            </a:r>
+            <a:r>
+              <a:rPr kumimoji="0" lang="en-US" altLang="en-US" sz="1500" b="0" i="0" u="none" strike="noStrike" cap="none" normalizeH="0" baseline="0" dirty="0" smtClean="0">
+                <a:ln>
+                  <a:noFill/>
+                </a:ln>
+                <a:solidFill>
+                  <a:srgbClr val="333333"/>
+                </a:solidFill>
+                <a:effectLst/>
+                <a:latin typeface="Courier New" panose="02070309020205020404" pitchFamily="49" charset="0"/>
+              </a:rPr>
+              <a:t> </a:t>
+            </a:r>
+          </a:p>
+          <a:p>
+            <a:pPr marL="0" marR="0" lvl="0" indent="0" algn="l" defTabSz="914400" rtl="0" eaLnBrk="0" fontAlgn="base" latinLnBrk="0" hangingPunct="0">
+              <a:lnSpc>
+                <a:spcPct val="100000"/>
+              </a:lnSpc>
+              <a:spcBef>
+                <a:spcPct val="30000"/>
+              </a:spcBef>
+              <a:spcAft>
+                <a:spcPct val="0"/>
+              </a:spcAft>
+              <a:buClrTx/>
+              <a:buSzTx/>
+              <a:buFontTx/>
+              <a:buNone/>
+              <a:tabLst/>
+            </a:pPr>
+            <a:r>
+              <a:rPr kumimoji="0" lang="en-US" altLang="en-US" sz="1500" b="0" i="1" u="none" strike="noStrike" cap="none" normalizeH="0" baseline="0" dirty="0" smtClean="0">
+                <a:ln>
+                  <a:noFill/>
+                </a:ln>
+                <a:solidFill>
+                  <a:srgbClr val="408080"/>
+                </a:solidFill>
+                <a:effectLst/>
+                <a:latin typeface="Courier New" panose="02070309020205020404" pitchFamily="49" charset="0"/>
+              </a:rPr>
+              <a:t># List of patterns to search for</a:t>
+            </a:r>
+            <a:r>
+              <a:rPr kumimoji="0" lang="en-US" altLang="en-US" sz="1500" b="0" i="0" u="none" strike="noStrike" cap="none" normalizeH="0" baseline="0" dirty="0" smtClean="0">
+                <a:ln>
+                  <a:noFill/>
+                </a:ln>
+                <a:solidFill>
+                  <a:srgbClr val="333333"/>
+                </a:solidFill>
+                <a:effectLst/>
+                <a:latin typeface="Courier New" panose="02070309020205020404" pitchFamily="49" charset="0"/>
+              </a:rPr>
+              <a:t> </a:t>
+            </a:r>
+          </a:p>
+          <a:p>
+            <a:pPr marL="0" marR="0" lvl="0" indent="0" algn="l" defTabSz="914400" rtl="0" eaLnBrk="0" fontAlgn="base" latinLnBrk="0" hangingPunct="0">
+              <a:lnSpc>
+                <a:spcPct val="100000"/>
+              </a:lnSpc>
+              <a:spcBef>
+                <a:spcPct val="30000"/>
+              </a:spcBef>
+              <a:spcAft>
+                <a:spcPct val="0"/>
+              </a:spcAft>
+              <a:buClrTx/>
+              <a:buSzTx/>
+              <a:buFontTx/>
+              <a:buNone/>
+              <a:tabLst/>
+            </a:pPr>
+            <a:r>
+              <a:rPr kumimoji="0" lang="en-US" altLang="en-US" sz="1500" b="0" i="0" u="none" strike="noStrike" cap="none" normalizeH="0" baseline="0" dirty="0" smtClean="0">
+                <a:ln>
+                  <a:noFill/>
+                </a:ln>
+                <a:solidFill>
+                  <a:schemeClr val="tx1"/>
+                </a:solidFill>
+                <a:effectLst/>
+                <a:latin typeface="Arial" panose="020B0604020202020204" pitchFamily="34" charset="0"/>
+              </a:rPr>
+              <a:t>patterns</a:t>
+            </a:r>
+            <a:r>
+              <a:rPr kumimoji="0" lang="en-US" altLang="en-US" sz="1500" b="0" i="0" u="none" strike="noStrike" cap="none" normalizeH="0" baseline="0" dirty="0" smtClean="0">
+                <a:ln>
+                  <a:noFill/>
+                </a:ln>
+                <a:solidFill>
+                  <a:srgbClr val="333333"/>
+                </a:solidFill>
+                <a:effectLst/>
+                <a:latin typeface="Courier New" panose="02070309020205020404" pitchFamily="49" charset="0"/>
+              </a:rPr>
+              <a:t> </a:t>
+            </a:r>
+            <a:r>
+              <a:rPr kumimoji="0" lang="en-US" altLang="en-US" sz="1500" b="0" i="0" u="none" strike="noStrike" cap="none" normalizeH="0" baseline="0" dirty="0" smtClean="0">
+                <a:ln>
+                  <a:noFill/>
+                </a:ln>
+                <a:solidFill>
+                  <a:srgbClr val="666666"/>
+                </a:solidFill>
+                <a:effectLst/>
+                <a:latin typeface="Arial" panose="020B0604020202020204" pitchFamily="34" charset="0"/>
+              </a:rPr>
+              <a:t>=</a:t>
+            </a:r>
+            <a:r>
+              <a:rPr kumimoji="0" lang="en-US" altLang="en-US" sz="1500" b="0" i="0" u="none" strike="noStrike" cap="none" normalizeH="0" baseline="0" dirty="0" smtClean="0">
+                <a:ln>
+                  <a:noFill/>
+                </a:ln>
+                <a:solidFill>
+                  <a:srgbClr val="333333"/>
+                </a:solidFill>
+                <a:effectLst/>
+                <a:latin typeface="Courier New" panose="02070309020205020404" pitchFamily="49" charset="0"/>
+              </a:rPr>
+              <a:t> [</a:t>
+            </a:r>
+            <a:r>
+              <a:rPr kumimoji="0" lang="en-US" altLang="en-US" sz="1500" b="0" i="0" u="none" strike="noStrike" cap="none" normalizeH="0" baseline="0" dirty="0" smtClean="0">
+                <a:ln>
+                  <a:noFill/>
+                </a:ln>
+                <a:solidFill>
+                  <a:srgbClr val="BA2121"/>
+                </a:solidFill>
+                <a:effectLst/>
+                <a:latin typeface="Courier New" panose="02070309020205020404" pitchFamily="49" charset="0"/>
+              </a:rPr>
+              <a:t>'term1'</a:t>
+            </a:r>
+            <a:r>
+              <a:rPr kumimoji="0" lang="en-US" altLang="en-US" sz="1500" b="0" i="0" u="none" strike="noStrike" cap="none" normalizeH="0" baseline="0" dirty="0" smtClean="0">
+                <a:ln>
+                  <a:noFill/>
+                </a:ln>
+                <a:solidFill>
+                  <a:srgbClr val="333333"/>
+                </a:solidFill>
+                <a:effectLst/>
+                <a:latin typeface="Courier New" panose="02070309020205020404" pitchFamily="49" charset="0"/>
+              </a:rPr>
+              <a:t>, </a:t>
+            </a:r>
+            <a:r>
+              <a:rPr kumimoji="0" lang="en-US" altLang="en-US" sz="1500" b="0" i="0" u="none" strike="noStrike" cap="none" normalizeH="0" baseline="0" dirty="0" smtClean="0">
+                <a:ln>
+                  <a:noFill/>
+                </a:ln>
+                <a:solidFill>
+                  <a:srgbClr val="BA2121"/>
+                </a:solidFill>
+                <a:effectLst/>
+                <a:latin typeface="Courier New" panose="02070309020205020404" pitchFamily="49" charset="0"/>
+              </a:rPr>
+              <a:t>'term2'</a:t>
+            </a:r>
+            <a:r>
+              <a:rPr kumimoji="0" lang="en-US" altLang="en-US" sz="1500" b="0" i="0" u="none" strike="noStrike" cap="none" normalizeH="0" baseline="0" dirty="0" smtClean="0">
+                <a:ln>
+                  <a:noFill/>
+                </a:ln>
+                <a:solidFill>
+                  <a:srgbClr val="333333"/>
+                </a:solidFill>
+                <a:effectLst/>
+                <a:latin typeface="Courier New" panose="02070309020205020404" pitchFamily="49" charset="0"/>
+              </a:rPr>
+              <a:t>] </a:t>
+            </a:r>
+          </a:p>
+          <a:p>
+            <a:pPr marL="0" marR="0" lvl="0" indent="0" algn="l" defTabSz="914400" rtl="0" eaLnBrk="0" fontAlgn="base" latinLnBrk="0" hangingPunct="0">
+              <a:lnSpc>
+                <a:spcPct val="100000"/>
+              </a:lnSpc>
+              <a:spcBef>
+                <a:spcPct val="30000"/>
+              </a:spcBef>
+              <a:spcAft>
+                <a:spcPct val="0"/>
+              </a:spcAft>
+              <a:buClrTx/>
+              <a:buSzTx/>
+              <a:buFontTx/>
+              <a:buNone/>
+              <a:tabLst/>
+            </a:pPr>
+            <a:r>
+              <a:rPr kumimoji="0" lang="en-US" altLang="en-US" sz="1500" b="0" i="1" u="none" strike="noStrike" cap="none" normalizeH="0" baseline="0" dirty="0" smtClean="0">
+                <a:ln>
+                  <a:noFill/>
+                </a:ln>
+                <a:solidFill>
+                  <a:srgbClr val="408080"/>
+                </a:solidFill>
+                <a:effectLst/>
+                <a:latin typeface="Courier New" panose="02070309020205020404" pitchFamily="49" charset="0"/>
+              </a:rPr>
+              <a:t># Text to parse</a:t>
+            </a:r>
+            <a:r>
+              <a:rPr kumimoji="0" lang="en-US" altLang="en-US" sz="1500" b="0" i="0" u="none" strike="noStrike" cap="none" normalizeH="0" baseline="0" dirty="0" smtClean="0">
+                <a:ln>
+                  <a:noFill/>
+                </a:ln>
+                <a:solidFill>
+                  <a:srgbClr val="333333"/>
+                </a:solidFill>
+                <a:effectLst/>
+                <a:latin typeface="Courier New" panose="02070309020205020404" pitchFamily="49" charset="0"/>
+              </a:rPr>
+              <a:t> </a:t>
+            </a:r>
+          </a:p>
+          <a:p>
+            <a:pPr marL="0" marR="0" lvl="0" indent="0" algn="l" defTabSz="914400" rtl="0" eaLnBrk="0" fontAlgn="base" latinLnBrk="0" hangingPunct="0">
+              <a:lnSpc>
+                <a:spcPct val="100000"/>
+              </a:lnSpc>
+              <a:spcBef>
+                <a:spcPct val="30000"/>
+              </a:spcBef>
+              <a:spcAft>
+                <a:spcPct val="0"/>
+              </a:spcAft>
+              <a:buClrTx/>
+              <a:buSzTx/>
+              <a:buFontTx/>
+              <a:buNone/>
+              <a:tabLst/>
+            </a:pPr>
+            <a:r>
+              <a:rPr kumimoji="0" lang="en-US" altLang="en-US" sz="1500" b="0" i="0" u="none" strike="noStrike" cap="none" normalizeH="0" baseline="0" dirty="0" smtClean="0">
+                <a:ln>
+                  <a:noFill/>
+                </a:ln>
+                <a:solidFill>
+                  <a:schemeClr val="tx1"/>
+                </a:solidFill>
+                <a:effectLst/>
+                <a:latin typeface="Arial" panose="020B0604020202020204" pitchFamily="34" charset="0"/>
+              </a:rPr>
+              <a:t>text</a:t>
+            </a:r>
+            <a:r>
+              <a:rPr kumimoji="0" lang="en-US" altLang="en-US" sz="1500" b="0" i="0" u="none" strike="noStrike" cap="none" normalizeH="0" baseline="0" dirty="0" smtClean="0">
+                <a:ln>
+                  <a:noFill/>
+                </a:ln>
+                <a:solidFill>
+                  <a:srgbClr val="333333"/>
+                </a:solidFill>
+                <a:effectLst/>
+                <a:latin typeface="Courier New" panose="02070309020205020404" pitchFamily="49" charset="0"/>
+              </a:rPr>
+              <a:t> </a:t>
+            </a:r>
+            <a:r>
+              <a:rPr kumimoji="0" lang="en-US" altLang="en-US" sz="1500" b="0" i="0" u="none" strike="noStrike" cap="none" normalizeH="0" baseline="0" dirty="0" smtClean="0">
+                <a:ln>
+                  <a:noFill/>
+                </a:ln>
+                <a:solidFill>
+                  <a:srgbClr val="666666"/>
+                </a:solidFill>
+                <a:effectLst/>
+                <a:latin typeface="Arial" panose="020B0604020202020204" pitchFamily="34" charset="0"/>
+              </a:rPr>
+              <a:t>=</a:t>
+            </a:r>
+            <a:r>
+              <a:rPr kumimoji="0" lang="en-US" altLang="en-US" sz="1500" b="0" i="0" u="none" strike="noStrike" cap="none" normalizeH="0" baseline="0" dirty="0" smtClean="0">
+                <a:ln>
+                  <a:noFill/>
+                </a:ln>
+                <a:solidFill>
+                  <a:srgbClr val="333333"/>
+                </a:solidFill>
+                <a:effectLst/>
+                <a:latin typeface="Courier New" panose="02070309020205020404" pitchFamily="49" charset="0"/>
+              </a:rPr>
+              <a:t> </a:t>
+            </a:r>
+            <a:r>
+              <a:rPr kumimoji="0" lang="en-US" altLang="en-US" sz="1500" b="0" i="0" u="none" strike="noStrike" cap="none" normalizeH="0" baseline="0" dirty="0" smtClean="0">
+                <a:ln>
+                  <a:noFill/>
+                </a:ln>
+                <a:solidFill>
+                  <a:srgbClr val="BA2121"/>
+                </a:solidFill>
+                <a:effectLst/>
+                <a:latin typeface="Courier New" panose="02070309020205020404" pitchFamily="49" charset="0"/>
+              </a:rPr>
+              <a:t>'This is a string with term1, but it does not have the other term.'</a:t>
+            </a:r>
+            <a:r>
+              <a:rPr kumimoji="0" lang="en-US" altLang="en-US" sz="1500" b="0" i="0" u="none" strike="noStrike" cap="none" normalizeH="0" baseline="0" dirty="0" smtClean="0">
+                <a:ln>
+                  <a:noFill/>
+                </a:ln>
+                <a:solidFill>
+                  <a:srgbClr val="333333"/>
+                </a:solidFill>
+                <a:effectLst/>
+                <a:latin typeface="Courier New" panose="02070309020205020404" pitchFamily="49" charset="0"/>
+              </a:rPr>
+              <a:t> </a:t>
+            </a:r>
+          </a:p>
+          <a:p>
+            <a:pPr marL="0" marR="0" lvl="0" indent="0" algn="l" defTabSz="914400" rtl="0" eaLnBrk="0" fontAlgn="base" latinLnBrk="0" hangingPunct="0">
+              <a:lnSpc>
+                <a:spcPct val="100000"/>
+              </a:lnSpc>
+              <a:spcBef>
+                <a:spcPct val="30000"/>
+              </a:spcBef>
+              <a:spcAft>
+                <a:spcPct val="0"/>
+              </a:spcAft>
+              <a:buClrTx/>
+              <a:buSzTx/>
+              <a:buFontTx/>
+              <a:buNone/>
+              <a:tabLst/>
+            </a:pPr>
+            <a:endParaRPr lang="en-US" altLang="en-US" sz="1500" dirty="0">
+              <a:solidFill>
+                <a:srgbClr val="333333"/>
+              </a:solidFill>
+              <a:latin typeface="Courier New" panose="02070309020205020404" pitchFamily="49" charset="0"/>
+            </a:endParaRPr>
+          </a:p>
+          <a:p>
+            <a:pPr marL="0" marR="0" lvl="0" indent="0" algn="l" defTabSz="914400" rtl="0" eaLnBrk="0" fontAlgn="base" latinLnBrk="0" hangingPunct="0">
+              <a:lnSpc>
+                <a:spcPct val="100000"/>
+              </a:lnSpc>
+              <a:spcBef>
+                <a:spcPct val="30000"/>
+              </a:spcBef>
+              <a:spcAft>
+                <a:spcPct val="0"/>
+              </a:spcAft>
+              <a:buClrTx/>
+              <a:buSzTx/>
+              <a:buFontTx/>
+              <a:buNone/>
+              <a:tabLst/>
+            </a:pPr>
+            <a:r>
+              <a:rPr kumimoji="0" lang="en-US" altLang="en-US" sz="1500" b="1" i="0" u="none" strike="noStrike" cap="none" normalizeH="0" baseline="0" dirty="0" smtClean="0">
+                <a:ln>
+                  <a:noFill/>
+                </a:ln>
+                <a:solidFill>
+                  <a:srgbClr val="008000"/>
+                </a:solidFill>
+                <a:effectLst/>
+                <a:latin typeface="Courier New" panose="02070309020205020404" pitchFamily="49" charset="0"/>
+              </a:rPr>
+              <a:t>for</a:t>
+            </a:r>
+            <a:r>
+              <a:rPr kumimoji="0" lang="en-US" altLang="en-US" sz="1500" b="0" i="0" u="none" strike="noStrike" cap="none" normalizeH="0" baseline="0" dirty="0" smtClean="0">
+                <a:ln>
+                  <a:noFill/>
+                </a:ln>
+                <a:solidFill>
+                  <a:srgbClr val="333333"/>
+                </a:solidFill>
+                <a:effectLst/>
+                <a:latin typeface="Courier New" panose="02070309020205020404" pitchFamily="49" charset="0"/>
+              </a:rPr>
+              <a:t> </a:t>
+            </a:r>
+            <a:r>
+              <a:rPr kumimoji="0" lang="en-US" altLang="en-US" sz="1500" b="0" i="0" u="none" strike="noStrike" cap="none" normalizeH="0" baseline="0" dirty="0" smtClean="0">
+                <a:ln>
+                  <a:noFill/>
+                </a:ln>
+                <a:solidFill>
+                  <a:schemeClr val="tx1"/>
+                </a:solidFill>
+                <a:effectLst/>
+                <a:latin typeface="Arial" panose="020B0604020202020204" pitchFamily="34" charset="0"/>
+              </a:rPr>
+              <a:t>pattern</a:t>
+            </a:r>
+            <a:r>
+              <a:rPr kumimoji="0" lang="en-US" altLang="en-US" sz="1500" b="0" i="0" u="none" strike="noStrike" cap="none" normalizeH="0" baseline="0" dirty="0" smtClean="0">
+                <a:ln>
+                  <a:noFill/>
+                </a:ln>
+                <a:solidFill>
+                  <a:srgbClr val="333333"/>
+                </a:solidFill>
+                <a:effectLst/>
+                <a:latin typeface="Courier New" panose="02070309020205020404" pitchFamily="49" charset="0"/>
+              </a:rPr>
+              <a:t> </a:t>
+            </a:r>
+            <a:r>
+              <a:rPr kumimoji="0" lang="en-US" altLang="en-US" sz="1500" b="1" i="0" u="none" strike="noStrike" cap="none" normalizeH="0" baseline="0" dirty="0" smtClean="0">
+                <a:ln>
+                  <a:noFill/>
+                </a:ln>
+                <a:solidFill>
+                  <a:srgbClr val="AA22FF"/>
+                </a:solidFill>
+                <a:effectLst/>
+                <a:latin typeface="Courier New" panose="02070309020205020404" pitchFamily="49" charset="0"/>
+              </a:rPr>
+              <a:t>in</a:t>
+            </a:r>
+            <a:r>
+              <a:rPr kumimoji="0" lang="en-US" altLang="en-US" sz="1500" b="0" i="0" u="none" strike="noStrike" cap="none" normalizeH="0" baseline="0" dirty="0" smtClean="0">
+                <a:ln>
+                  <a:noFill/>
+                </a:ln>
+                <a:solidFill>
+                  <a:srgbClr val="333333"/>
+                </a:solidFill>
+                <a:effectLst/>
+                <a:latin typeface="Courier New" panose="02070309020205020404" pitchFamily="49" charset="0"/>
+              </a:rPr>
+              <a:t> </a:t>
+            </a:r>
+            <a:r>
+              <a:rPr kumimoji="0" lang="en-US" altLang="en-US" sz="1500" b="0" i="0" u="none" strike="noStrike" cap="none" normalizeH="0" baseline="0" dirty="0" smtClean="0">
+                <a:ln>
+                  <a:noFill/>
+                </a:ln>
+                <a:solidFill>
+                  <a:schemeClr val="tx1"/>
+                </a:solidFill>
+                <a:effectLst/>
+                <a:latin typeface="Arial" panose="020B0604020202020204" pitchFamily="34" charset="0"/>
+              </a:rPr>
+              <a:t>patterns</a:t>
+            </a:r>
+            <a:r>
+              <a:rPr kumimoji="0" lang="en-US" altLang="en-US" sz="1500" b="0" i="0" u="none" strike="noStrike" cap="none" normalizeH="0" baseline="0" dirty="0" smtClean="0">
+                <a:ln>
+                  <a:noFill/>
+                </a:ln>
+                <a:solidFill>
+                  <a:srgbClr val="333333"/>
+                </a:solidFill>
+                <a:effectLst/>
+                <a:latin typeface="Courier New" panose="02070309020205020404" pitchFamily="49" charset="0"/>
+              </a:rPr>
+              <a:t>: </a:t>
+            </a:r>
+            <a:endParaRPr kumimoji="0" lang="en-US" altLang="en-US" sz="1500" b="0" i="0" u="none" strike="noStrike" cap="none" normalizeH="0" baseline="0" dirty="0" smtClean="0">
+              <a:ln>
+                <a:noFill/>
+              </a:ln>
+              <a:solidFill>
+                <a:srgbClr val="008000"/>
+              </a:solidFill>
+              <a:effectLst/>
+              <a:latin typeface="Arial" panose="020B0604020202020204" pitchFamily="34" charset="0"/>
+            </a:endParaRPr>
+          </a:p>
+          <a:p>
+            <a:pPr marL="0" marR="0" lvl="0" indent="0" algn="l" defTabSz="914400" rtl="0" eaLnBrk="0" fontAlgn="base" latinLnBrk="0" hangingPunct="0">
+              <a:lnSpc>
+                <a:spcPct val="100000"/>
+              </a:lnSpc>
+              <a:spcBef>
+                <a:spcPct val="30000"/>
+              </a:spcBef>
+              <a:spcAft>
+                <a:spcPct val="0"/>
+              </a:spcAft>
+              <a:buClrTx/>
+              <a:buSzTx/>
+              <a:buFontTx/>
+              <a:buNone/>
+              <a:tabLst/>
+            </a:pPr>
+            <a:r>
+              <a:rPr kumimoji="0" lang="en-US" altLang="en-US" sz="1500" b="0" i="0" u="none" strike="noStrike" cap="none" normalizeH="0" baseline="0" dirty="0" smtClean="0">
+                <a:ln>
+                  <a:noFill/>
+                </a:ln>
+                <a:solidFill>
+                  <a:srgbClr val="333333"/>
+                </a:solidFill>
+                <a:effectLst/>
+                <a:latin typeface="Courier New" panose="02070309020205020404" pitchFamily="49" charset="0"/>
+              </a:rPr>
+              <a:t>	(</a:t>
+            </a:r>
+            <a:r>
+              <a:rPr kumimoji="0" lang="en-US" altLang="en-US" sz="1500" b="0" i="0" u="none" strike="noStrike" cap="none" normalizeH="0" baseline="0" dirty="0" smtClean="0">
+                <a:ln>
+                  <a:noFill/>
+                </a:ln>
+                <a:solidFill>
+                  <a:srgbClr val="BA2121"/>
+                </a:solidFill>
+                <a:effectLst/>
+                <a:latin typeface="Courier New" panose="02070309020205020404" pitchFamily="49" charset="0"/>
+              </a:rPr>
+              <a:t>'Searching for "</a:t>
+            </a:r>
+            <a:r>
+              <a:rPr kumimoji="0" lang="en-US" altLang="en-US" sz="1500" b="1" i="0" u="none" strike="noStrike" cap="none" normalizeH="0" baseline="0" dirty="0" smtClean="0">
+                <a:ln>
+                  <a:noFill/>
+                </a:ln>
+                <a:solidFill>
+                  <a:srgbClr val="BB6688"/>
+                </a:solidFill>
+                <a:effectLst/>
+                <a:latin typeface="Courier New" panose="02070309020205020404" pitchFamily="49" charset="0"/>
+              </a:rPr>
+              <a:t>%s</a:t>
+            </a:r>
+            <a:r>
+              <a:rPr kumimoji="0" lang="en-US" altLang="en-US" sz="1500" b="0" i="0" u="none" strike="noStrike" cap="none" normalizeH="0" baseline="0" dirty="0" smtClean="0">
+                <a:ln>
+                  <a:noFill/>
+                </a:ln>
+                <a:solidFill>
+                  <a:srgbClr val="BA2121"/>
+                </a:solidFill>
+                <a:effectLst/>
+                <a:latin typeface="Courier New" panose="02070309020205020404" pitchFamily="49" charset="0"/>
+              </a:rPr>
+              <a:t>" in:</a:t>
+            </a:r>
+            <a:r>
+              <a:rPr kumimoji="0" lang="en-US" altLang="en-US" sz="1500" b="1" i="0" u="none" strike="noStrike" cap="none" normalizeH="0" baseline="0" dirty="0" smtClean="0">
+                <a:ln>
+                  <a:noFill/>
+                </a:ln>
+                <a:solidFill>
+                  <a:srgbClr val="BB6622"/>
+                </a:solidFill>
+                <a:effectLst/>
+                <a:latin typeface="Courier New" panose="02070309020205020404" pitchFamily="49" charset="0"/>
+              </a:rPr>
+              <a:t>\n</a:t>
+            </a:r>
+            <a:r>
+              <a:rPr kumimoji="0" lang="en-US" altLang="en-US" sz="1500" b="0" i="0" u="none" strike="noStrike" cap="none" normalizeH="0" baseline="0" dirty="0" smtClean="0">
+                <a:ln>
+                  <a:noFill/>
+                </a:ln>
+                <a:solidFill>
+                  <a:srgbClr val="BA2121"/>
+                </a:solidFill>
+                <a:effectLst/>
+                <a:latin typeface="Courier New" panose="02070309020205020404" pitchFamily="49" charset="0"/>
+              </a:rPr>
+              <a:t> "</a:t>
+            </a:r>
+            <a:r>
+              <a:rPr kumimoji="0" lang="en-US" altLang="en-US" sz="1500" b="1" i="0" u="none" strike="noStrike" cap="none" normalizeH="0" baseline="0" dirty="0" smtClean="0">
+                <a:ln>
+                  <a:noFill/>
+                </a:ln>
+                <a:solidFill>
+                  <a:srgbClr val="BB6688"/>
+                </a:solidFill>
+                <a:effectLst/>
+                <a:latin typeface="Courier New" panose="02070309020205020404" pitchFamily="49" charset="0"/>
+              </a:rPr>
+              <a:t>%s</a:t>
+            </a:r>
+            <a:r>
+              <a:rPr kumimoji="0" lang="en-US" altLang="en-US" sz="1500" b="0" i="0" u="none" strike="noStrike" cap="none" normalizeH="0" baseline="0" dirty="0" smtClean="0">
+                <a:ln>
+                  <a:noFill/>
+                </a:ln>
+                <a:solidFill>
+                  <a:srgbClr val="BA2121"/>
+                </a:solidFill>
+                <a:effectLst/>
+                <a:latin typeface="Courier New" panose="02070309020205020404" pitchFamily="49" charset="0"/>
+              </a:rPr>
+              <a:t>"</a:t>
+            </a:r>
+            <a:r>
+              <a:rPr kumimoji="0" lang="en-US" altLang="en-US" sz="1500" b="1" i="0" u="none" strike="noStrike" cap="none" normalizeH="0" baseline="0" dirty="0" smtClean="0">
+                <a:ln>
+                  <a:noFill/>
+                </a:ln>
+                <a:solidFill>
+                  <a:srgbClr val="BB6622"/>
+                </a:solidFill>
+                <a:effectLst/>
+                <a:latin typeface="Courier New" panose="02070309020205020404" pitchFamily="49" charset="0"/>
+              </a:rPr>
+              <a:t>\n</a:t>
+            </a:r>
+            <a:r>
+              <a:rPr kumimoji="0" lang="en-US" altLang="en-US" sz="1500" b="0" i="0" u="none" strike="noStrike" cap="none" normalizeH="0" baseline="0" dirty="0" smtClean="0">
+                <a:ln>
+                  <a:noFill/>
+                </a:ln>
+                <a:solidFill>
+                  <a:srgbClr val="BA2121"/>
+                </a:solidFill>
+                <a:effectLst/>
+                <a:latin typeface="Courier New" panose="02070309020205020404" pitchFamily="49" charset="0"/>
+              </a:rPr>
+              <a:t>'</a:t>
+            </a:r>
+            <a:r>
+              <a:rPr kumimoji="0" lang="en-US" altLang="en-US" sz="1500" b="0" i="0" u="none" strike="noStrike" cap="none" normalizeH="0" baseline="0" dirty="0" smtClean="0">
+                <a:ln>
+                  <a:noFill/>
+                </a:ln>
+                <a:solidFill>
+                  <a:srgbClr val="333333"/>
+                </a:solidFill>
+                <a:effectLst/>
+                <a:latin typeface="Courier New" panose="02070309020205020404" pitchFamily="49" charset="0"/>
+              </a:rPr>
+              <a:t> </a:t>
+            </a:r>
+            <a:r>
+              <a:rPr kumimoji="0" lang="en-US" altLang="en-US" sz="1500" b="0" i="0" u="none" strike="noStrike" cap="none" normalizeH="0" baseline="0" dirty="0" smtClean="0">
+                <a:ln>
+                  <a:noFill/>
+                </a:ln>
+                <a:solidFill>
+                  <a:srgbClr val="666666"/>
+                </a:solidFill>
+                <a:effectLst/>
+                <a:latin typeface="Arial" panose="020B0604020202020204" pitchFamily="34" charset="0"/>
+              </a:rPr>
+              <a:t>%</a:t>
+            </a:r>
+            <a:r>
+              <a:rPr kumimoji="0" lang="en-US" altLang="en-US" sz="1500" b="0" i="0" u="none" strike="noStrike" cap="none" normalizeH="0" baseline="0" dirty="0" smtClean="0">
+                <a:ln>
+                  <a:noFill/>
+                </a:ln>
+                <a:solidFill>
+                  <a:srgbClr val="333333"/>
+                </a:solidFill>
+                <a:effectLst/>
+                <a:latin typeface="Courier New" panose="02070309020205020404" pitchFamily="49" charset="0"/>
+              </a:rPr>
+              <a:t>(</a:t>
+            </a:r>
+            <a:r>
+              <a:rPr kumimoji="0" lang="en-US" altLang="en-US" sz="1500" b="0" i="0" u="none" strike="noStrike" cap="none" normalizeH="0" baseline="0" dirty="0" err="1" smtClean="0">
+                <a:ln>
+                  <a:noFill/>
+                </a:ln>
+                <a:solidFill>
+                  <a:schemeClr val="tx1"/>
+                </a:solidFill>
+                <a:effectLst/>
+                <a:latin typeface="Arial" panose="020B0604020202020204" pitchFamily="34" charset="0"/>
+              </a:rPr>
+              <a:t>pattern</a:t>
+            </a:r>
+            <a:r>
+              <a:rPr kumimoji="0" lang="en-US" altLang="en-US" sz="1500" b="0" i="0" u="none" strike="noStrike" cap="none" normalizeH="0" baseline="0" dirty="0" err="1" smtClean="0">
+                <a:ln>
+                  <a:noFill/>
+                </a:ln>
+                <a:solidFill>
+                  <a:srgbClr val="333333"/>
+                </a:solidFill>
+                <a:effectLst/>
+                <a:latin typeface="Courier New" panose="02070309020205020404" pitchFamily="49" charset="0"/>
+              </a:rPr>
+              <a:t>,</a:t>
+            </a:r>
+            <a:r>
+              <a:rPr kumimoji="0" lang="en-US" altLang="en-US" sz="1500" b="0" i="0" u="none" strike="noStrike" cap="none" normalizeH="0" baseline="0" dirty="0" err="1" smtClean="0">
+                <a:ln>
+                  <a:noFill/>
+                </a:ln>
+                <a:solidFill>
+                  <a:schemeClr val="tx1"/>
+                </a:solidFill>
+                <a:effectLst/>
+                <a:latin typeface="Arial" panose="020B0604020202020204" pitchFamily="34" charset="0"/>
+              </a:rPr>
+              <a:t>text</a:t>
+            </a:r>
+            <a:r>
+              <a:rPr kumimoji="0" lang="en-US" altLang="en-US" sz="1500" b="0" i="0" u="none" strike="noStrike" cap="none" normalizeH="0" baseline="0" dirty="0" smtClean="0">
+                <a:ln>
+                  <a:noFill/>
+                </a:ln>
+                <a:solidFill>
+                  <a:srgbClr val="333333"/>
+                </a:solidFill>
+                <a:effectLst/>
+                <a:latin typeface="Courier New" panose="02070309020205020404" pitchFamily="49" charset="0"/>
+              </a:rPr>
+              <a:t>)) </a:t>
+            </a:r>
+            <a:r>
+              <a:rPr kumimoji="0" lang="en-US" altLang="en-US" sz="1500" b="0" i="1" u="none" strike="noStrike" cap="none" normalizeH="0" baseline="0" dirty="0" smtClean="0">
+                <a:ln>
+                  <a:noFill/>
+                </a:ln>
+                <a:solidFill>
+                  <a:srgbClr val="408080"/>
+                </a:solidFill>
+                <a:effectLst/>
+                <a:latin typeface="Courier New" panose="02070309020205020404" pitchFamily="49" charset="0"/>
+              </a:rPr>
+              <a:t>#Check for match</a:t>
+            </a:r>
+            <a:r>
+              <a:rPr kumimoji="0" lang="en-US" altLang="en-US" sz="1500" b="0" i="0" u="none" strike="noStrike" cap="none" normalizeH="0" baseline="0" dirty="0" smtClean="0">
+                <a:ln>
+                  <a:noFill/>
+                </a:ln>
+                <a:solidFill>
+                  <a:srgbClr val="333333"/>
+                </a:solidFill>
+                <a:effectLst/>
+                <a:latin typeface="Courier New" panose="02070309020205020404" pitchFamily="49" charset="0"/>
+              </a:rPr>
+              <a:t> 	</a:t>
+            </a:r>
+          </a:p>
+          <a:p>
+            <a:pPr marL="0" marR="0" lvl="0" indent="0" algn="l" defTabSz="914400" rtl="0" eaLnBrk="0" fontAlgn="base" latinLnBrk="0" hangingPunct="0">
+              <a:lnSpc>
+                <a:spcPct val="100000"/>
+              </a:lnSpc>
+              <a:spcBef>
+                <a:spcPct val="30000"/>
+              </a:spcBef>
+              <a:spcAft>
+                <a:spcPct val="0"/>
+              </a:spcAft>
+              <a:buClrTx/>
+              <a:buSzTx/>
+              <a:buFontTx/>
+              <a:buNone/>
+              <a:tabLst/>
+            </a:pPr>
+            <a:r>
+              <a:rPr lang="en-US" altLang="en-US" sz="1500" dirty="0">
+                <a:solidFill>
+                  <a:srgbClr val="333333"/>
+                </a:solidFill>
+                <a:latin typeface="Courier New" panose="02070309020205020404" pitchFamily="49" charset="0"/>
+              </a:rPr>
+              <a:t>	</a:t>
+            </a:r>
+            <a:r>
+              <a:rPr kumimoji="0" lang="en-US" altLang="en-US" sz="1500" b="1" i="0" u="none" strike="noStrike" cap="none" normalizeH="0" baseline="0" dirty="0" smtClean="0">
+                <a:ln>
+                  <a:noFill/>
+                </a:ln>
+                <a:solidFill>
+                  <a:srgbClr val="008000"/>
+                </a:solidFill>
+                <a:effectLst/>
+                <a:latin typeface="Courier New" panose="02070309020205020404" pitchFamily="49" charset="0"/>
+              </a:rPr>
+              <a:t>if</a:t>
+            </a:r>
+            <a:r>
+              <a:rPr kumimoji="0" lang="en-US" altLang="en-US" sz="1500" b="0" i="0" u="none" strike="noStrike" cap="none" normalizeH="0" baseline="0" dirty="0" smtClean="0">
+                <a:ln>
+                  <a:noFill/>
+                </a:ln>
+                <a:solidFill>
+                  <a:srgbClr val="333333"/>
+                </a:solidFill>
+                <a:effectLst/>
+                <a:latin typeface="Courier New" panose="02070309020205020404" pitchFamily="49" charset="0"/>
+              </a:rPr>
+              <a:t> </a:t>
+            </a:r>
+            <a:r>
+              <a:rPr kumimoji="0" lang="en-US" altLang="en-US" sz="1500" b="0" i="0" u="none" strike="noStrike" cap="none" normalizeH="0" baseline="0" dirty="0" err="1" smtClean="0">
+                <a:ln>
+                  <a:noFill/>
+                </a:ln>
+                <a:solidFill>
+                  <a:schemeClr val="tx1"/>
+                </a:solidFill>
+                <a:effectLst/>
+                <a:latin typeface="Arial" panose="020B0604020202020204" pitchFamily="34" charset="0"/>
+              </a:rPr>
+              <a:t>re</a:t>
+            </a:r>
+            <a:r>
+              <a:rPr kumimoji="0" lang="en-US" altLang="en-US" sz="1500" b="0" i="0" u="none" strike="noStrike" cap="none" normalizeH="0" baseline="0" dirty="0" err="1" smtClean="0">
+                <a:ln>
+                  <a:noFill/>
+                </a:ln>
+                <a:solidFill>
+                  <a:srgbClr val="666666"/>
+                </a:solidFill>
+                <a:effectLst/>
+                <a:latin typeface="Arial" panose="020B0604020202020204" pitchFamily="34" charset="0"/>
+              </a:rPr>
+              <a:t>.</a:t>
+            </a:r>
+            <a:r>
+              <a:rPr kumimoji="0" lang="en-US" altLang="en-US" sz="1500" b="0" i="0" u="none" strike="noStrike" cap="none" normalizeH="0" baseline="0" dirty="0" err="1" smtClean="0">
+                <a:ln>
+                  <a:noFill/>
+                </a:ln>
+                <a:solidFill>
+                  <a:schemeClr val="tx1"/>
+                </a:solidFill>
+                <a:effectLst/>
+                <a:latin typeface="Arial" panose="020B0604020202020204" pitchFamily="34" charset="0"/>
+              </a:rPr>
+              <a:t>search</a:t>
+            </a:r>
+            <a:r>
+              <a:rPr kumimoji="0" lang="en-US" altLang="en-US" sz="1500" b="0" i="0" u="none" strike="noStrike" cap="none" normalizeH="0" baseline="0" dirty="0" smtClean="0">
+                <a:ln>
+                  <a:noFill/>
+                </a:ln>
+                <a:solidFill>
+                  <a:srgbClr val="333333"/>
+                </a:solidFill>
+                <a:effectLst/>
+                <a:latin typeface="Courier New" panose="02070309020205020404" pitchFamily="49" charset="0"/>
+              </a:rPr>
+              <a:t>(</a:t>
+            </a:r>
+            <a:r>
+              <a:rPr kumimoji="0" lang="en-US" altLang="en-US" sz="1500" b="0" i="0" u="none" strike="noStrike" cap="none" normalizeH="0" baseline="0" dirty="0" err="1" smtClean="0">
+                <a:ln>
+                  <a:noFill/>
+                </a:ln>
+                <a:solidFill>
+                  <a:schemeClr val="tx1"/>
+                </a:solidFill>
+                <a:effectLst/>
+                <a:latin typeface="Arial" panose="020B0604020202020204" pitchFamily="34" charset="0"/>
+              </a:rPr>
+              <a:t>pattern</a:t>
+            </a:r>
+            <a:r>
+              <a:rPr kumimoji="0" lang="en-US" altLang="en-US" sz="1500" b="0" i="0" u="none" strike="noStrike" cap="none" normalizeH="0" baseline="0" dirty="0" err="1" smtClean="0">
+                <a:ln>
+                  <a:noFill/>
+                </a:ln>
+                <a:solidFill>
+                  <a:srgbClr val="333333"/>
+                </a:solidFill>
+                <a:effectLst/>
+                <a:latin typeface="Courier New" panose="02070309020205020404" pitchFamily="49" charset="0"/>
+              </a:rPr>
+              <a:t>,</a:t>
+            </a:r>
+            <a:r>
+              <a:rPr kumimoji="0" lang="en-US" altLang="en-US" sz="1500" b="0" i="0" u="none" strike="noStrike" cap="none" normalizeH="0" baseline="0" dirty="0" err="1" smtClean="0">
+                <a:ln>
+                  <a:noFill/>
+                </a:ln>
+                <a:solidFill>
+                  <a:schemeClr val="tx1"/>
+                </a:solidFill>
+                <a:effectLst/>
+                <a:latin typeface="Arial" panose="020B0604020202020204" pitchFamily="34" charset="0"/>
+              </a:rPr>
+              <a:t>text</a:t>
+            </a:r>
+            <a:r>
+              <a:rPr kumimoji="0" lang="en-US" altLang="en-US" sz="1500" b="0" i="0" u="none" strike="noStrike" cap="none" normalizeH="0" baseline="0" dirty="0" smtClean="0">
+                <a:ln>
+                  <a:noFill/>
+                </a:ln>
+                <a:solidFill>
+                  <a:srgbClr val="333333"/>
+                </a:solidFill>
+                <a:effectLst/>
+                <a:latin typeface="Courier New" panose="02070309020205020404" pitchFamily="49" charset="0"/>
+              </a:rPr>
+              <a:t>): </a:t>
+            </a:r>
+            <a:endParaRPr kumimoji="0" lang="en-US" altLang="en-US" sz="1500" b="0" i="0" u="none" strike="noStrike" cap="none" normalizeH="0" baseline="0" dirty="0" smtClean="0">
+              <a:ln>
+                <a:noFill/>
+              </a:ln>
+              <a:solidFill>
+                <a:srgbClr val="008000"/>
+              </a:solidFill>
+              <a:effectLst/>
+              <a:latin typeface="Arial" panose="020B0604020202020204" pitchFamily="34" charset="0"/>
+            </a:endParaRPr>
+          </a:p>
+          <a:p>
+            <a:pPr marL="0" marR="0" lvl="0" indent="0" algn="l" defTabSz="914400" rtl="0" eaLnBrk="0" fontAlgn="base" latinLnBrk="0" hangingPunct="0">
+              <a:lnSpc>
+                <a:spcPct val="100000"/>
+              </a:lnSpc>
+              <a:spcBef>
+                <a:spcPct val="0"/>
+              </a:spcBef>
+              <a:spcAft>
+                <a:spcPct val="0"/>
+              </a:spcAft>
+              <a:buClrTx/>
+              <a:buSzTx/>
+              <a:buFontTx/>
+              <a:buNone/>
+              <a:tabLst/>
+            </a:pPr>
+            <a:r>
+              <a:rPr kumimoji="0" lang="en-US" altLang="en-US" sz="1500" b="0" i="0" u="none" strike="noStrike" cap="none" normalizeH="0" baseline="0" dirty="0" smtClean="0">
+                <a:ln>
+                  <a:noFill/>
+                </a:ln>
+                <a:solidFill>
+                  <a:srgbClr val="333333"/>
+                </a:solidFill>
+                <a:effectLst/>
+                <a:latin typeface="Courier New" panose="02070309020205020404" pitchFamily="49" charset="0"/>
+              </a:rPr>
+              <a:t>		(</a:t>
+            </a:r>
+            <a:r>
+              <a:rPr kumimoji="0" lang="en-US" altLang="en-US" sz="1500" b="0" i="0" u="none" strike="noStrike" cap="none" normalizeH="0" baseline="0" dirty="0" smtClean="0">
+                <a:ln>
+                  <a:noFill/>
+                </a:ln>
+                <a:solidFill>
+                  <a:srgbClr val="BA2121"/>
+                </a:solidFill>
+                <a:effectLst/>
+                <a:latin typeface="Courier New" panose="02070309020205020404" pitchFamily="49" charset="0"/>
+              </a:rPr>
+              <a:t>'Match was found. </a:t>
+            </a:r>
+            <a:r>
+              <a:rPr kumimoji="0" lang="en-US" altLang="en-US" sz="1500" b="1" i="0" u="none" strike="noStrike" cap="none" normalizeH="0" baseline="0" dirty="0" smtClean="0">
+                <a:ln>
+                  <a:noFill/>
+                </a:ln>
+                <a:solidFill>
+                  <a:srgbClr val="BB6622"/>
+                </a:solidFill>
+                <a:effectLst/>
+                <a:latin typeface="Courier New" panose="02070309020205020404" pitchFamily="49" charset="0"/>
+              </a:rPr>
+              <a:t>\n</a:t>
+            </a:r>
+            <a:r>
+              <a:rPr kumimoji="0" lang="en-US" altLang="en-US" sz="1500" b="0" i="0" u="none" strike="noStrike" cap="none" normalizeH="0" baseline="0" dirty="0" smtClean="0">
+                <a:ln>
+                  <a:noFill/>
+                </a:ln>
+                <a:solidFill>
+                  <a:srgbClr val="BA2121"/>
+                </a:solidFill>
+                <a:effectLst/>
+                <a:latin typeface="Courier New" panose="02070309020205020404" pitchFamily="49" charset="0"/>
+              </a:rPr>
+              <a:t>'</a:t>
+            </a:r>
+            <a:r>
+              <a:rPr kumimoji="0" lang="en-US" altLang="en-US" sz="1500" b="0" i="0" u="none" strike="noStrike" cap="none" normalizeH="0" baseline="0" dirty="0" smtClean="0">
+                <a:ln>
+                  <a:noFill/>
+                </a:ln>
+                <a:solidFill>
+                  <a:srgbClr val="333333"/>
+                </a:solidFill>
+                <a:effectLst/>
+                <a:latin typeface="Courier New" panose="02070309020205020404" pitchFamily="49" charset="0"/>
+              </a:rPr>
+              <a:t>) </a:t>
+            </a:r>
+          </a:p>
+          <a:p>
+            <a:pPr marL="0" marR="0" lvl="0" indent="0" algn="l" defTabSz="914400" rtl="0" eaLnBrk="0" fontAlgn="base" latinLnBrk="0" hangingPunct="0">
+              <a:lnSpc>
+                <a:spcPct val="100000"/>
+              </a:lnSpc>
+              <a:spcBef>
+                <a:spcPct val="0"/>
+              </a:spcBef>
+              <a:spcAft>
+                <a:spcPct val="0"/>
+              </a:spcAft>
+              <a:buClrTx/>
+              <a:buSzTx/>
+              <a:buFontTx/>
+              <a:buNone/>
+              <a:tabLst/>
+            </a:pPr>
+            <a:r>
+              <a:rPr lang="en-US" altLang="en-US" sz="1500" dirty="0">
+                <a:solidFill>
+                  <a:srgbClr val="333333"/>
+                </a:solidFill>
+                <a:latin typeface="Courier New" panose="02070309020205020404" pitchFamily="49" charset="0"/>
+              </a:rPr>
+              <a:t>	</a:t>
+            </a:r>
+            <a:r>
+              <a:rPr kumimoji="0" lang="en-US" altLang="en-US" sz="1500" b="1" i="0" u="none" strike="noStrike" cap="none" normalizeH="0" baseline="0" dirty="0" smtClean="0">
+                <a:ln>
+                  <a:noFill/>
+                </a:ln>
+                <a:solidFill>
+                  <a:srgbClr val="008000"/>
+                </a:solidFill>
+                <a:effectLst/>
+                <a:latin typeface="Courier New" panose="02070309020205020404" pitchFamily="49" charset="0"/>
+              </a:rPr>
+              <a:t>else</a:t>
+            </a:r>
+            <a:r>
+              <a:rPr kumimoji="0" lang="en-US" altLang="en-US" sz="1500" b="0" i="0" u="none" strike="noStrike" cap="none" normalizeH="0" baseline="0" dirty="0" smtClean="0">
+                <a:ln>
+                  <a:noFill/>
+                </a:ln>
+                <a:solidFill>
+                  <a:srgbClr val="333333"/>
+                </a:solidFill>
+                <a:effectLst/>
+                <a:latin typeface="Courier New" panose="02070309020205020404" pitchFamily="49" charset="0"/>
+              </a:rPr>
+              <a:t>: </a:t>
+            </a:r>
+            <a:endParaRPr kumimoji="0" lang="en-US" altLang="en-US" sz="1500" b="0" i="0" u="none" strike="noStrike" cap="none" normalizeH="0" baseline="0" dirty="0" smtClean="0">
+              <a:ln>
+                <a:noFill/>
+              </a:ln>
+              <a:solidFill>
+                <a:srgbClr val="008000"/>
+              </a:solidFill>
+              <a:effectLst/>
+              <a:latin typeface="Arial" panose="020B0604020202020204" pitchFamily="34" charset="0"/>
+            </a:endParaRPr>
+          </a:p>
+          <a:p>
+            <a:pPr marL="0" marR="0" lvl="0" indent="0" algn="l" defTabSz="914400" rtl="0" eaLnBrk="0" fontAlgn="base" latinLnBrk="0" hangingPunct="0">
+              <a:lnSpc>
+                <a:spcPct val="100000"/>
+              </a:lnSpc>
+              <a:spcBef>
+                <a:spcPct val="0"/>
+              </a:spcBef>
+              <a:spcAft>
+                <a:spcPct val="0"/>
+              </a:spcAft>
+              <a:buClrTx/>
+              <a:buSzTx/>
+              <a:buFontTx/>
+              <a:buNone/>
+              <a:tabLst/>
+            </a:pPr>
+            <a:r>
+              <a:rPr kumimoji="0" lang="en-US" altLang="en-US" sz="1500" b="0" i="0" u="none" strike="noStrike" cap="none" normalizeH="0" baseline="0" dirty="0" smtClean="0">
+                <a:ln>
+                  <a:noFill/>
+                </a:ln>
+                <a:solidFill>
+                  <a:srgbClr val="333333"/>
+                </a:solidFill>
+                <a:effectLst/>
+                <a:latin typeface="Courier New" panose="02070309020205020404" pitchFamily="49" charset="0"/>
+              </a:rPr>
+              <a:t>		(</a:t>
+            </a:r>
+            <a:r>
+              <a:rPr kumimoji="0" lang="en-US" altLang="en-US" sz="1500" b="0" i="0" u="none" strike="noStrike" cap="none" normalizeH="0" baseline="0" dirty="0" smtClean="0">
+                <a:ln>
+                  <a:noFill/>
+                </a:ln>
+                <a:solidFill>
+                  <a:srgbClr val="BA2121"/>
+                </a:solidFill>
+                <a:effectLst/>
+                <a:latin typeface="Courier New" panose="02070309020205020404" pitchFamily="49" charset="0"/>
+              </a:rPr>
+              <a:t>'No Match was found.</a:t>
+            </a:r>
+            <a:r>
+              <a:rPr kumimoji="0" lang="en-US" altLang="en-US" sz="1500" b="1" i="0" u="none" strike="noStrike" cap="none" normalizeH="0" baseline="0" dirty="0" smtClean="0">
+                <a:ln>
+                  <a:noFill/>
+                </a:ln>
+                <a:solidFill>
+                  <a:srgbClr val="BB6622"/>
+                </a:solidFill>
+                <a:effectLst/>
+                <a:latin typeface="Courier New" panose="02070309020205020404" pitchFamily="49" charset="0"/>
+              </a:rPr>
+              <a:t>\n</a:t>
+            </a:r>
+            <a:r>
+              <a:rPr kumimoji="0" lang="en-US" altLang="en-US" sz="1500" b="0" i="0" u="none" strike="noStrike" cap="none" normalizeH="0" baseline="0" dirty="0" smtClean="0">
+                <a:ln>
+                  <a:noFill/>
+                </a:ln>
+                <a:solidFill>
+                  <a:srgbClr val="BA2121"/>
+                </a:solidFill>
+                <a:effectLst/>
+                <a:latin typeface="Courier New" panose="02070309020205020404" pitchFamily="49" charset="0"/>
+              </a:rPr>
+              <a:t>'</a:t>
+            </a:r>
+            <a:r>
+              <a:rPr kumimoji="0" lang="en-US" altLang="en-US" sz="1500" b="0" i="0" u="none" strike="noStrike" cap="none" normalizeH="0" baseline="0" dirty="0" smtClean="0">
+                <a:ln>
+                  <a:noFill/>
+                </a:ln>
+                <a:solidFill>
+                  <a:srgbClr val="333333"/>
+                </a:solidFill>
+                <a:effectLst/>
+                <a:latin typeface="Courier New" panose="02070309020205020404" pitchFamily="49" charset="0"/>
+              </a:rPr>
+              <a:t>)</a:t>
+            </a:r>
+            <a:r>
+              <a:rPr kumimoji="0" lang="en-US" altLang="en-US" sz="1500" b="0" i="0" u="none" strike="noStrike" cap="none" normalizeH="0" baseline="0" dirty="0" smtClean="0">
+                <a:ln>
+                  <a:noFill/>
+                </a:ln>
+                <a:solidFill>
+                  <a:schemeClr val="tx1"/>
+                </a:solidFill>
+                <a:effectLst/>
+              </a:rPr>
+              <a:t> </a:t>
+            </a:r>
+            <a:endParaRPr kumimoji="0" lang="en-US" altLang="en-US" sz="1500" b="0" i="0" u="none" strike="noStrike" cap="none" normalizeH="0" baseline="0" dirty="0" smtClean="0">
+              <a:ln>
+                <a:noFill/>
+              </a:ln>
+              <a:solidFill>
+                <a:schemeClr val="tx1"/>
+              </a:solidFill>
+              <a:effectLst/>
+              <a:latin typeface="Arial" panose="020B0604020202020204" pitchFamily="34" charset="0"/>
+            </a:endParaRPr>
+          </a:p>
+        </p:txBody>
+      </p:sp>
+    </p:spTree>
+    <p:extLst>
+      <p:ext uri="{BB962C8B-B14F-4D97-AF65-F5344CB8AC3E}">
+        <p14:creationId xmlns:p14="http://schemas.microsoft.com/office/powerpoint/2010/main" val="3920570554"/>
+      </p:ext>
+    </p:extLst>
+  </p:cSld>
+  <p:clrMapOvr>
+    <a:masterClrMapping/>
+  </p:clrMapOvr>
+</p:sld>
+</file>
+
+<file path=ppt/slides/slide73.xml><?xml version="1.0" encoding="utf-8"?>
+<p:sld xmlns:a="http://schemas.openxmlformats.org/drawingml/2006/main" xmlns:r="http://schemas.openxmlformats.org/officeDocument/2006/relationships" xmlns:p="http://schemas.openxmlformats.org/presentationml/2006/main">
+  <p:cSld>
+    <p:spTree>
+      <p:nvGrpSpPr>
+        <p:cNvPr id="1" name=""/>
+        <p:cNvGrpSpPr/>
+        <p:nvPr/>
+      </p:nvGrpSpPr>
+      <p:grpSpPr>
+        <a:xfrm>
+          <a:off x="0" y="0"/>
+          <a:ext cx="0" cy="0"/>
+          <a:chOff x="0" y="0"/>
+          <a:chExt cx="0" cy="0"/>
+        </a:xfrm>
+      </p:grpSpPr>
+      <p:sp>
+        <p:nvSpPr>
+          <p:cNvPr id="2" name="Title 1"/>
+          <p:cNvSpPr>
+            <a:spLocks noGrp="1"/>
+          </p:cNvSpPr>
+          <p:nvPr>
+            <p:ph type="title"/>
+          </p:nvPr>
+        </p:nvSpPr>
+        <p:spPr/>
+        <p:txBody>
+          <a:bodyPr/>
+          <a:lstStyle/>
+          <a:p>
+            <a:r>
+              <a:rPr lang="en-US" b="1" dirty="0" smtClean="0"/>
+              <a:t>Regular Expression</a:t>
+            </a:r>
+            <a:endParaRPr lang="en-US" b="1" dirty="0"/>
+          </a:p>
+        </p:txBody>
+      </p:sp>
+      <p:sp>
+        <p:nvSpPr>
+          <p:cNvPr id="3" name="Content Placeholder 2"/>
+          <p:cNvSpPr>
+            <a:spLocks noGrp="1"/>
+          </p:cNvSpPr>
+          <p:nvPr>
+            <p:ph idx="1"/>
+          </p:nvPr>
+        </p:nvSpPr>
+        <p:spPr/>
+        <p:txBody>
+          <a:bodyPr>
+            <a:normAutofit fontScale="85000" lnSpcReduction="20000"/>
+          </a:bodyPr>
+          <a:lstStyle/>
+          <a:p>
+            <a:r>
+              <a:rPr lang="en-US" dirty="0" err="1"/>
+              <a:t>r</a:t>
+            </a:r>
+            <a:r>
+              <a:rPr lang="en-US" dirty="0" err="1" smtClean="0"/>
+              <a:t>e.search</a:t>
+            </a:r>
+            <a:r>
+              <a:rPr lang="en-US" dirty="0" smtClean="0"/>
+              <a:t>()</a:t>
+            </a:r>
+          </a:p>
+          <a:p>
+            <a:r>
+              <a:rPr lang="en-US" dirty="0" err="1"/>
+              <a:t>r</a:t>
+            </a:r>
+            <a:r>
+              <a:rPr lang="en-US" dirty="0" err="1" smtClean="0"/>
+              <a:t>e.split</a:t>
+            </a:r>
+            <a:r>
+              <a:rPr lang="en-US" dirty="0" smtClean="0"/>
+              <a:t>()</a:t>
+            </a:r>
+          </a:p>
+          <a:p>
+            <a:r>
+              <a:rPr lang="en-US" dirty="0" err="1"/>
+              <a:t>r</a:t>
+            </a:r>
+            <a:r>
+              <a:rPr lang="en-US" dirty="0" err="1" smtClean="0"/>
+              <a:t>e.findall</a:t>
+            </a:r>
+            <a:r>
+              <a:rPr lang="en-US" dirty="0" smtClean="0"/>
+              <a:t>()</a:t>
+            </a:r>
+          </a:p>
+          <a:p>
+            <a:endParaRPr lang="en-US" sz="2300" dirty="0" smtClean="0"/>
+          </a:p>
+          <a:p>
+            <a:pPr marL="0" lvl="0" indent="0" eaLnBrk="0" fontAlgn="base" hangingPunct="0">
+              <a:lnSpc>
+                <a:spcPct val="100000"/>
+              </a:lnSpc>
+              <a:spcBef>
+                <a:spcPct val="0"/>
+              </a:spcBef>
+              <a:spcAft>
+                <a:spcPct val="0"/>
+              </a:spcAft>
+              <a:buNone/>
+            </a:pPr>
+            <a:r>
+              <a:rPr lang="en-US" altLang="en-US" sz="2300" b="1" dirty="0">
+                <a:solidFill>
+                  <a:srgbClr val="000000"/>
+                </a:solidFill>
+                <a:latin typeface="Helvetica Neue"/>
+              </a:rPr>
+              <a:t>Repetition Syntax</a:t>
+            </a:r>
+          </a:p>
+          <a:p>
+            <a:pPr marL="0" lvl="0" indent="0" eaLnBrk="0" fontAlgn="base" hangingPunct="0">
+              <a:lnSpc>
+                <a:spcPct val="100000"/>
+              </a:lnSpc>
+              <a:spcBef>
+                <a:spcPct val="0"/>
+              </a:spcBef>
+              <a:spcAft>
+                <a:spcPct val="0"/>
+              </a:spcAft>
+              <a:buNone/>
+            </a:pPr>
+            <a:r>
+              <a:rPr lang="en-US" altLang="en-US" sz="2300" dirty="0">
+                <a:solidFill>
+                  <a:srgbClr val="000000"/>
+                </a:solidFill>
+                <a:latin typeface="Helvetica Neue"/>
+              </a:rPr>
+              <a:t>There are five ways to express repetition in a pattern:</a:t>
+            </a:r>
+            <a:endParaRPr lang="en-US" altLang="en-US" sz="2300" dirty="0"/>
+          </a:p>
+          <a:p>
+            <a:pPr marL="0" lvl="0" indent="0" eaLnBrk="0" fontAlgn="base" hangingPunct="0">
+              <a:lnSpc>
+                <a:spcPct val="100000"/>
+              </a:lnSpc>
+              <a:spcBef>
+                <a:spcPct val="0"/>
+              </a:spcBef>
+              <a:spcAft>
+                <a:spcPct val="0"/>
+              </a:spcAft>
+              <a:buFontTx/>
+              <a:buAutoNum type="arabicPeriod"/>
+            </a:pPr>
+            <a:r>
+              <a:rPr lang="en-US" altLang="en-US" sz="2300" dirty="0">
+                <a:solidFill>
+                  <a:srgbClr val="000000"/>
+                </a:solidFill>
+                <a:latin typeface="Helvetica Neue"/>
+              </a:rPr>
+              <a:t>A pattern followed by the meta-character </a:t>
+            </a:r>
+            <a:r>
+              <a:rPr lang="en-US" altLang="en-US" sz="2300" dirty="0">
+                <a:solidFill>
+                  <a:srgbClr val="000000"/>
+                </a:solidFill>
+                <a:latin typeface="Courier New" panose="02070309020205020404" pitchFamily="49" charset="0"/>
+                <a:cs typeface="Courier New" panose="02070309020205020404" pitchFamily="49" charset="0"/>
+              </a:rPr>
+              <a:t>*</a:t>
+            </a:r>
+            <a:r>
+              <a:rPr lang="en-US" altLang="en-US" sz="2300" dirty="0">
+                <a:solidFill>
+                  <a:srgbClr val="000000"/>
+                </a:solidFill>
+                <a:latin typeface="Helvetica Neue"/>
+              </a:rPr>
+              <a:t> is repeated zero or more times.</a:t>
+            </a:r>
+          </a:p>
+          <a:p>
+            <a:pPr marL="0" lvl="0" indent="0" eaLnBrk="0" fontAlgn="base" hangingPunct="0">
+              <a:lnSpc>
+                <a:spcPct val="100000"/>
+              </a:lnSpc>
+              <a:spcBef>
+                <a:spcPct val="0"/>
+              </a:spcBef>
+              <a:spcAft>
+                <a:spcPct val="0"/>
+              </a:spcAft>
+              <a:buFontTx/>
+              <a:buAutoNum type="arabicPeriod" startAt="2"/>
+            </a:pPr>
+            <a:r>
+              <a:rPr lang="en-US" altLang="en-US" sz="2300" dirty="0">
+                <a:solidFill>
+                  <a:srgbClr val="000000"/>
+                </a:solidFill>
+                <a:latin typeface="Helvetica Neue"/>
+              </a:rPr>
+              <a:t>Replace the </a:t>
+            </a:r>
+            <a:r>
+              <a:rPr lang="en-US" altLang="en-US" sz="2300" dirty="0">
+                <a:solidFill>
+                  <a:srgbClr val="000000"/>
+                </a:solidFill>
+                <a:latin typeface="Courier New" panose="02070309020205020404" pitchFamily="49" charset="0"/>
+                <a:cs typeface="Courier New" panose="02070309020205020404" pitchFamily="49" charset="0"/>
+              </a:rPr>
+              <a:t>*</a:t>
+            </a:r>
+            <a:r>
+              <a:rPr lang="en-US" altLang="en-US" sz="2300" dirty="0">
+                <a:solidFill>
+                  <a:srgbClr val="000000"/>
+                </a:solidFill>
+                <a:latin typeface="Helvetica Neue"/>
+              </a:rPr>
+              <a:t> with </a:t>
+            </a:r>
+            <a:r>
+              <a:rPr lang="en-US" altLang="en-US" sz="2300" dirty="0">
+                <a:solidFill>
+                  <a:srgbClr val="000000"/>
+                </a:solidFill>
+                <a:latin typeface="Courier New" panose="02070309020205020404" pitchFamily="49" charset="0"/>
+                <a:cs typeface="Courier New" panose="02070309020205020404" pitchFamily="49" charset="0"/>
+              </a:rPr>
+              <a:t>+</a:t>
+            </a:r>
+            <a:r>
+              <a:rPr lang="en-US" altLang="en-US" sz="2300" dirty="0">
+                <a:solidFill>
+                  <a:srgbClr val="000000"/>
+                </a:solidFill>
+                <a:latin typeface="Helvetica Neue"/>
+              </a:rPr>
+              <a:t> and the pattern must appear at least once.</a:t>
+            </a:r>
+          </a:p>
+          <a:p>
+            <a:pPr marL="0" lvl="0" indent="0" eaLnBrk="0" fontAlgn="base" hangingPunct="0">
+              <a:lnSpc>
+                <a:spcPct val="100000"/>
+              </a:lnSpc>
+              <a:spcBef>
+                <a:spcPct val="0"/>
+              </a:spcBef>
+              <a:spcAft>
+                <a:spcPct val="0"/>
+              </a:spcAft>
+              <a:buFontTx/>
+              <a:buAutoNum type="arabicPeriod" startAt="3"/>
+            </a:pPr>
+            <a:r>
+              <a:rPr lang="en-US" altLang="en-US" sz="2300" dirty="0">
+                <a:solidFill>
+                  <a:srgbClr val="000000"/>
+                </a:solidFill>
+                <a:latin typeface="Helvetica Neue"/>
+              </a:rPr>
+              <a:t>Using </a:t>
+            </a:r>
+            <a:r>
+              <a:rPr lang="en-US" altLang="en-US" sz="2300" dirty="0">
+                <a:solidFill>
+                  <a:srgbClr val="000000"/>
+                </a:solidFill>
+                <a:latin typeface="Courier New" panose="02070309020205020404" pitchFamily="49" charset="0"/>
+                <a:cs typeface="Courier New" panose="02070309020205020404" pitchFamily="49" charset="0"/>
+              </a:rPr>
+              <a:t>?</a:t>
+            </a:r>
+            <a:r>
+              <a:rPr lang="en-US" altLang="en-US" sz="2300" dirty="0">
+                <a:solidFill>
+                  <a:srgbClr val="000000"/>
+                </a:solidFill>
+                <a:latin typeface="Helvetica Neue"/>
+              </a:rPr>
+              <a:t> means the pattern appears zero or one time.</a:t>
+            </a:r>
+          </a:p>
+          <a:p>
+            <a:pPr marL="0" lvl="0" indent="0" eaLnBrk="0" fontAlgn="base" hangingPunct="0">
+              <a:lnSpc>
+                <a:spcPct val="100000"/>
+              </a:lnSpc>
+              <a:spcBef>
+                <a:spcPct val="0"/>
+              </a:spcBef>
+              <a:spcAft>
+                <a:spcPct val="0"/>
+              </a:spcAft>
+              <a:buFontTx/>
+              <a:buAutoNum type="arabicPeriod" startAt="4"/>
+            </a:pPr>
+            <a:r>
+              <a:rPr lang="en-US" altLang="en-US" sz="2300" dirty="0">
+                <a:solidFill>
+                  <a:srgbClr val="000000"/>
+                </a:solidFill>
+                <a:latin typeface="Helvetica Neue"/>
+              </a:rPr>
+              <a:t>For a specific number of occurrences, use </a:t>
+            </a:r>
+            <a:r>
+              <a:rPr lang="en-US" altLang="en-US" sz="2300" dirty="0">
+                <a:solidFill>
+                  <a:srgbClr val="000000"/>
+                </a:solidFill>
+                <a:latin typeface="Courier New" panose="02070309020205020404" pitchFamily="49" charset="0"/>
+                <a:cs typeface="Courier New" panose="02070309020205020404" pitchFamily="49" charset="0"/>
+              </a:rPr>
+              <a:t>{m}</a:t>
+            </a:r>
+            <a:r>
+              <a:rPr lang="en-US" altLang="en-US" sz="2300" dirty="0">
+                <a:solidFill>
+                  <a:srgbClr val="000000"/>
+                </a:solidFill>
+                <a:latin typeface="Helvetica Neue"/>
+              </a:rPr>
+              <a:t> after the pattern, where </a:t>
+            </a:r>
+            <a:r>
+              <a:rPr lang="en-US" altLang="en-US" sz="2300" b="1" dirty="0">
+                <a:solidFill>
+                  <a:srgbClr val="000000"/>
+                </a:solidFill>
+                <a:latin typeface="Helvetica Neue"/>
+              </a:rPr>
+              <a:t>m</a:t>
+            </a:r>
+            <a:r>
+              <a:rPr lang="en-US" altLang="en-US" sz="2300" dirty="0">
+                <a:solidFill>
+                  <a:srgbClr val="000000"/>
+                </a:solidFill>
+                <a:latin typeface="Helvetica Neue"/>
+              </a:rPr>
+              <a:t> is replaced with the number of times the pattern should repeat.</a:t>
+            </a:r>
+          </a:p>
+          <a:p>
+            <a:pPr marL="0" lvl="0" indent="0" eaLnBrk="0" fontAlgn="base" hangingPunct="0">
+              <a:lnSpc>
+                <a:spcPct val="100000"/>
+              </a:lnSpc>
+              <a:spcBef>
+                <a:spcPct val="0"/>
+              </a:spcBef>
+              <a:spcAft>
+                <a:spcPct val="0"/>
+              </a:spcAft>
+              <a:buFontTx/>
+              <a:buAutoNum type="arabicPeriod" startAt="5"/>
+            </a:pPr>
+            <a:r>
+              <a:rPr lang="en-US" altLang="en-US" sz="2300" dirty="0">
+                <a:solidFill>
+                  <a:srgbClr val="000000"/>
+                </a:solidFill>
+                <a:latin typeface="Helvetica Neue"/>
+              </a:rPr>
+              <a:t>Use </a:t>
+            </a:r>
+            <a:r>
+              <a:rPr lang="en-US" altLang="en-US" sz="2300" dirty="0">
+                <a:solidFill>
+                  <a:srgbClr val="000000"/>
+                </a:solidFill>
+                <a:latin typeface="Courier New" panose="02070309020205020404" pitchFamily="49" charset="0"/>
+                <a:cs typeface="Courier New" panose="02070309020205020404" pitchFamily="49" charset="0"/>
+              </a:rPr>
+              <a:t>{</a:t>
+            </a:r>
+            <a:r>
+              <a:rPr lang="en-US" altLang="en-US" sz="2300" dirty="0" err="1">
+                <a:solidFill>
+                  <a:srgbClr val="000000"/>
+                </a:solidFill>
+                <a:latin typeface="Courier New" panose="02070309020205020404" pitchFamily="49" charset="0"/>
+                <a:cs typeface="Courier New" panose="02070309020205020404" pitchFamily="49" charset="0"/>
+              </a:rPr>
+              <a:t>m,n</a:t>
+            </a:r>
+            <a:r>
+              <a:rPr lang="en-US" altLang="en-US" sz="2300" dirty="0">
+                <a:solidFill>
+                  <a:srgbClr val="000000"/>
+                </a:solidFill>
+                <a:latin typeface="Courier New" panose="02070309020205020404" pitchFamily="49" charset="0"/>
+                <a:cs typeface="Courier New" panose="02070309020205020404" pitchFamily="49" charset="0"/>
+              </a:rPr>
+              <a:t>}</a:t>
+            </a:r>
+            <a:r>
+              <a:rPr lang="en-US" altLang="en-US" sz="2300" dirty="0">
+                <a:solidFill>
+                  <a:srgbClr val="000000"/>
+                </a:solidFill>
+                <a:latin typeface="Helvetica Neue"/>
+              </a:rPr>
+              <a:t> where </a:t>
+            </a:r>
+            <a:r>
+              <a:rPr lang="en-US" altLang="en-US" sz="2300" b="1" dirty="0">
+                <a:solidFill>
+                  <a:srgbClr val="000000"/>
+                </a:solidFill>
+                <a:latin typeface="Helvetica Neue"/>
+              </a:rPr>
+              <a:t>m</a:t>
+            </a:r>
+            <a:r>
+              <a:rPr lang="en-US" altLang="en-US" sz="2300" dirty="0">
+                <a:solidFill>
+                  <a:srgbClr val="000000"/>
+                </a:solidFill>
+                <a:latin typeface="Helvetica Neue"/>
+              </a:rPr>
+              <a:t> is the minimum number of repetitions and </a:t>
+            </a:r>
+            <a:r>
+              <a:rPr lang="en-US" altLang="en-US" sz="2300" b="1" dirty="0">
+                <a:solidFill>
+                  <a:srgbClr val="000000"/>
+                </a:solidFill>
+                <a:latin typeface="Helvetica Neue"/>
+              </a:rPr>
+              <a:t>n</a:t>
+            </a:r>
+            <a:r>
+              <a:rPr lang="en-US" altLang="en-US" sz="2300" dirty="0">
+                <a:solidFill>
+                  <a:srgbClr val="000000"/>
+                </a:solidFill>
+                <a:latin typeface="Helvetica Neue"/>
+              </a:rPr>
+              <a:t> is the maximum. Leaving out </a:t>
+            </a:r>
+            <a:r>
+              <a:rPr lang="en-US" altLang="en-US" sz="2300" b="1" dirty="0">
+                <a:solidFill>
+                  <a:srgbClr val="000000"/>
+                </a:solidFill>
+                <a:latin typeface="Helvetica Neue"/>
+              </a:rPr>
+              <a:t>n</a:t>
+            </a:r>
+            <a:r>
+              <a:rPr lang="en-US" altLang="en-US" sz="2300" dirty="0">
+                <a:solidFill>
+                  <a:srgbClr val="000000"/>
+                </a:solidFill>
+                <a:latin typeface="Helvetica Neue"/>
+              </a:rPr>
+              <a:t> </a:t>
+            </a:r>
+            <a:r>
+              <a:rPr lang="en-US" altLang="en-US" sz="2300" dirty="0">
+                <a:solidFill>
+                  <a:srgbClr val="000000"/>
+                </a:solidFill>
+                <a:latin typeface="Courier New" panose="02070309020205020404" pitchFamily="49" charset="0"/>
+                <a:cs typeface="Courier New" panose="02070309020205020404" pitchFamily="49" charset="0"/>
+              </a:rPr>
+              <a:t>{m,}</a:t>
+            </a:r>
+            <a:r>
+              <a:rPr lang="en-US" altLang="en-US" sz="2300" dirty="0">
+                <a:solidFill>
+                  <a:srgbClr val="000000"/>
+                </a:solidFill>
+                <a:latin typeface="Helvetica Neue"/>
+              </a:rPr>
+              <a:t> means the value appears at least </a:t>
+            </a:r>
+            <a:r>
+              <a:rPr lang="en-US" altLang="en-US" sz="2300" b="1" dirty="0">
+                <a:solidFill>
+                  <a:srgbClr val="000000"/>
+                </a:solidFill>
+                <a:latin typeface="Helvetica Neue"/>
+              </a:rPr>
+              <a:t>m</a:t>
+            </a:r>
+            <a:r>
+              <a:rPr lang="en-US" altLang="en-US" sz="2300" dirty="0">
+                <a:solidFill>
+                  <a:srgbClr val="000000"/>
+                </a:solidFill>
+                <a:latin typeface="Helvetica Neue"/>
+              </a:rPr>
+              <a:t> times, with no maximum</a:t>
+            </a:r>
+            <a:r>
+              <a:rPr lang="en-US" altLang="en-US" sz="2300" dirty="0" smtClean="0">
+                <a:solidFill>
+                  <a:srgbClr val="000000"/>
+                </a:solidFill>
+                <a:latin typeface="Helvetica Neue"/>
+              </a:rPr>
+              <a:t>.</a:t>
+            </a:r>
+          </a:p>
+          <a:p>
+            <a:pPr marL="0" indent="0" eaLnBrk="0" fontAlgn="base" hangingPunct="0">
+              <a:lnSpc>
+                <a:spcPct val="100000"/>
+              </a:lnSpc>
+              <a:spcBef>
+                <a:spcPct val="0"/>
+              </a:spcBef>
+              <a:spcAft>
+                <a:spcPct val="0"/>
+              </a:spcAft>
+              <a:buNone/>
+            </a:pPr>
+            <a:endParaRPr lang="en-US" altLang="en-US" sz="2400" dirty="0" smtClean="0">
+              <a:solidFill>
+                <a:srgbClr val="000000"/>
+              </a:solidFill>
+              <a:latin typeface="Helvetica Neue"/>
+            </a:endParaRPr>
+          </a:p>
+          <a:p>
+            <a:pPr eaLnBrk="0" fontAlgn="base" hangingPunct="0">
+              <a:lnSpc>
+                <a:spcPct val="100000"/>
+              </a:lnSpc>
+              <a:spcBef>
+                <a:spcPct val="0"/>
+              </a:spcBef>
+              <a:spcAft>
+                <a:spcPct val="0"/>
+              </a:spcAft>
+            </a:pPr>
+            <a:r>
+              <a:rPr lang="en-US" altLang="en-US" sz="2400" dirty="0" smtClean="0">
+                <a:solidFill>
+                  <a:srgbClr val="000000"/>
+                </a:solidFill>
+                <a:latin typeface="Helvetica Neue"/>
+              </a:rPr>
+              <a:t>Use</a:t>
+            </a:r>
+            <a:r>
+              <a:rPr lang="en-US" altLang="en-US" sz="2400" dirty="0">
+                <a:solidFill>
+                  <a:srgbClr val="000000"/>
+                </a:solidFill>
+                <a:latin typeface="Helvetica Neue"/>
+              </a:rPr>
+              <a:t> </a:t>
+            </a:r>
+            <a:r>
+              <a:rPr lang="en-US" altLang="en-US" sz="2400" dirty="0">
+                <a:solidFill>
+                  <a:srgbClr val="000000"/>
+                </a:solidFill>
+                <a:latin typeface="Courier New" panose="02070309020205020404" pitchFamily="49" charset="0"/>
+                <a:cs typeface="Courier New" panose="02070309020205020404" pitchFamily="49" charset="0"/>
+              </a:rPr>
+              <a:t>^</a:t>
+            </a:r>
+            <a:r>
+              <a:rPr lang="en-US" altLang="en-US" sz="2400" dirty="0">
+                <a:solidFill>
+                  <a:srgbClr val="000000"/>
+                </a:solidFill>
+                <a:latin typeface="Helvetica Neue"/>
+              </a:rPr>
+              <a:t> to exclude terms by incorporating it into the bracket syntax notation.</a:t>
+            </a:r>
+            <a:r>
+              <a:rPr lang="en-US" altLang="en-US" sz="1800" dirty="0"/>
+              <a:t> </a:t>
+            </a:r>
+            <a:endParaRPr lang="en-US" altLang="en-US" sz="4800" dirty="0">
+              <a:latin typeface="Arial" panose="020B0604020202020204" pitchFamily="34" charset="0"/>
+            </a:endParaRPr>
+          </a:p>
+          <a:p>
+            <a:pPr marL="0" lvl="0" indent="0" eaLnBrk="0" fontAlgn="base" hangingPunct="0">
+              <a:lnSpc>
+                <a:spcPct val="100000"/>
+              </a:lnSpc>
+              <a:spcBef>
+                <a:spcPct val="0"/>
+              </a:spcBef>
+              <a:spcAft>
+                <a:spcPct val="0"/>
+              </a:spcAft>
+              <a:buFontTx/>
+              <a:buAutoNum type="arabicPeriod" startAt="5"/>
+            </a:pPr>
+            <a:endParaRPr lang="en-US" altLang="en-US" sz="2300" dirty="0">
+              <a:solidFill>
+                <a:srgbClr val="000000"/>
+              </a:solidFill>
+              <a:latin typeface="Helvetica Neue"/>
+            </a:endParaRPr>
+          </a:p>
+          <a:p>
+            <a:pPr marL="0" lvl="0" indent="0" eaLnBrk="0" fontAlgn="base" hangingPunct="0">
+              <a:lnSpc>
+                <a:spcPct val="100000"/>
+              </a:lnSpc>
+              <a:spcBef>
+                <a:spcPct val="0"/>
+              </a:spcBef>
+              <a:spcAft>
+                <a:spcPct val="0"/>
+              </a:spcAft>
+              <a:buNone/>
+            </a:pPr>
+            <a:endParaRPr lang="en-US" altLang="en-US" sz="2300" dirty="0">
+              <a:solidFill>
+                <a:srgbClr val="000000"/>
+              </a:solidFill>
+              <a:latin typeface="Helvetica Neue"/>
+            </a:endParaRPr>
+          </a:p>
+          <a:p>
+            <a:pPr marL="0" lvl="0" indent="0" eaLnBrk="0" fontAlgn="base" hangingPunct="0">
+              <a:lnSpc>
+                <a:spcPct val="100000"/>
+              </a:lnSpc>
+              <a:spcBef>
+                <a:spcPct val="0"/>
+              </a:spcBef>
+              <a:spcAft>
+                <a:spcPct val="0"/>
+              </a:spcAft>
+              <a:buNone/>
+            </a:pPr>
+            <a:endParaRPr lang="en-US" altLang="en-US" sz="5400" dirty="0">
+              <a:latin typeface="Arial" panose="020B0604020202020204" pitchFamily="34" charset="0"/>
+            </a:endParaRPr>
+          </a:p>
+          <a:p>
+            <a:endParaRPr lang="en-US" dirty="0"/>
+          </a:p>
+        </p:txBody>
+      </p:sp>
+      <p:sp>
+        <p:nvSpPr>
+          <p:cNvPr id="5" name="Rectangle 2"/>
+          <p:cNvSpPr>
+            <a:spLocks noChangeArrowheads="1"/>
+          </p:cNvSpPr>
+          <p:nvPr/>
+        </p:nvSpPr>
+        <p:spPr bwMode="auto">
+          <a:xfrm>
+            <a:off x="0" y="90100"/>
+            <a:ext cx="65" cy="276999"/>
+          </a:xfrm>
+          <a:prstGeom prst="rect">
+            <a:avLst/>
+          </a:prstGeom>
+          <a:solidFill>
+            <a:srgbClr val="FFFFFF"/>
+          </a:solidFill>
+          <a:ln>
+            <a:noFill/>
+          </a:ln>
+          <a:effectLst/>
+          <a:extLst>
+            <a:ext uri="{91240B29-F687-4F45-9708-019B960494DF}">
+              <a14:hiddenLine xmlns:a14="http://schemas.microsoft.com/office/drawing/2010/main" w="9525">
+                <a:solidFill>
+                  <a:schemeClr val="tx1"/>
+                </a:solidFill>
+                <a:miter lim="800000"/>
+                <a:headEnd/>
+                <a:tailEnd/>
+              </a14:hiddenLine>
+            </a:ext>
+            <a:ext uri="{AF507438-7753-43E0-B8FC-AC1667EBCBE1}">
+              <a14:hiddenEffects xmlns:a14="http://schemas.microsoft.com/office/drawing/2010/main">
+                <a:effectLst>
+                  <a:outerShdw dist="35921" dir="2700000" algn="ctr" rotWithShape="0">
+                    <a:schemeClr val="bg2"/>
+                  </a:outerShdw>
+                </a:effectLst>
+              </a14:hiddenEffects>
+            </a:ext>
+          </a:extLst>
+        </p:spPr>
+        <p:txBody>
+          <a:bodyPr vert="horz" wrap="none" lIns="0" tIns="0" rIns="0" bIns="0" numCol="1" anchor="ctr" anchorCtr="0" compatLnSpc="1">
+            <a:prstTxWarp prst="textNoShape">
+              <a:avLst/>
+            </a:prstTxWarp>
+            <a:spAutoFit/>
+          </a:bodyPr>
+          <a:lstStyle>
+            <a:lvl1pPr eaLnBrk="0" fontAlgn="base" hangingPunct="0">
+              <a:spcBef>
+                <a:spcPct val="0"/>
+              </a:spcBef>
+              <a:spcAft>
+                <a:spcPct val="0"/>
+              </a:spcAft>
+              <a:defRPr>
+                <a:solidFill>
+                  <a:schemeClr val="tx1"/>
+                </a:solidFill>
+                <a:latin typeface="Arial" panose="020B0604020202020204" pitchFamily="34" charset="0"/>
+              </a:defRPr>
+            </a:lvl1pPr>
+            <a:lvl2pPr eaLnBrk="0" fontAlgn="base" hangingPunct="0">
+              <a:spcBef>
+                <a:spcPct val="0"/>
+              </a:spcBef>
+              <a:spcAft>
+                <a:spcPct val="0"/>
+              </a:spcAft>
+              <a:defRPr>
+                <a:solidFill>
+                  <a:schemeClr val="tx1"/>
+                </a:solidFill>
+                <a:latin typeface="Arial" panose="020B0604020202020204" pitchFamily="34" charset="0"/>
+              </a:defRPr>
+            </a:lvl2pPr>
+            <a:lvl3pPr eaLnBrk="0" fontAlgn="base" hangingPunct="0">
+              <a:spcBef>
+                <a:spcPct val="0"/>
+              </a:spcBef>
+              <a:spcAft>
+                <a:spcPct val="0"/>
+              </a:spcAft>
+              <a:defRPr>
+                <a:solidFill>
+                  <a:schemeClr val="tx1"/>
+                </a:solidFill>
+                <a:latin typeface="Arial" panose="020B0604020202020204" pitchFamily="34" charset="0"/>
+              </a:defRPr>
+            </a:lvl3pPr>
+            <a:lvl4pPr eaLnBrk="0" fontAlgn="base" hangingPunct="0">
+              <a:spcBef>
+                <a:spcPct val="0"/>
+              </a:spcBef>
+              <a:spcAft>
+                <a:spcPct val="0"/>
+              </a:spcAft>
+              <a:defRPr>
+                <a:solidFill>
+                  <a:schemeClr val="tx1"/>
+                </a:solidFill>
+                <a:latin typeface="Arial" panose="020B0604020202020204" pitchFamily="34" charset="0"/>
+              </a:defRPr>
+            </a:lvl4pPr>
+            <a:lvl5pPr eaLnBrk="0" fontAlgn="base" hangingPunct="0">
+              <a:spcBef>
+                <a:spcPct val="0"/>
+              </a:spcBef>
+              <a:spcAft>
+                <a:spcPct val="0"/>
+              </a:spcAft>
+              <a:defRPr>
+                <a:solidFill>
+                  <a:schemeClr val="tx1"/>
+                </a:solidFill>
+                <a:latin typeface="Arial" panose="020B0604020202020204" pitchFamily="34" charset="0"/>
+              </a:defRPr>
+            </a:lvl5pPr>
+            <a:lvl6pPr eaLnBrk="0" fontAlgn="base" hangingPunct="0">
+              <a:spcBef>
+                <a:spcPct val="0"/>
+              </a:spcBef>
+              <a:spcAft>
+                <a:spcPct val="0"/>
+              </a:spcAft>
+              <a:defRPr>
+                <a:solidFill>
+                  <a:schemeClr val="tx1"/>
+                </a:solidFill>
+                <a:latin typeface="Arial" panose="020B0604020202020204" pitchFamily="34" charset="0"/>
+              </a:defRPr>
+            </a:lvl6pPr>
+            <a:lvl7pPr eaLnBrk="0" fontAlgn="base" hangingPunct="0">
+              <a:spcBef>
+                <a:spcPct val="0"/>
+              </a:spcBef>
+              <a:spcAft>
+                <a:spcPct val="0"/>
+              </a:spcAft>
+              <a:defRPr>
+                <a:solidFill>
+                  <a:schemeClr val="tx1"/>
+                </a:solidFill>
+                <a:latin typeface="Arial" panose="020B0604020202020204" pitchFamily="34" charset="0"/>
+              </a:defRPr>
+            </a:lvl7pPr>
+            <a:lvl8pPr eaLnBrk="0" fontAlgn="base" hangingPunct="0">
+              <a:spcBef>
+                <a:spcPct val="0"/>
+              </a:spcBef>
+              <a:spcAft>
+                <a:spcPct val="0"/>
+              </a:spcAft>
+              <a:defRPr>
+                <a:solidFill>
+                  <a:schemeClr val="tx1"/>
+                </a:solidFill>
+                <a:latin typeface="Arial" panose="020B0604020202020204" pitchFamily="34" charset="0"/>
+              </a:defRPr>
+            </a:lvl8pPr>
+            <a:lvl9pPr eaLnBrk="0" fontAlgn="base" hangingPunct="0">
+              <a:spcBef>
+                <a:spcPct val="0"/>
+              </a:spcBef>
+              <a:spcAft>
+                <a:spcPct val="0"/>
+              </a:spcAft>
+              <a:defRPr>
+                <a:solidFill>
+                  <a:schemeClr val="tx1"/>
+                </a:solidFill>
+                <a:latin typeface="Arial" panose="020B0604020202020204" pitchFamily="34" charset="0"/>
+              </a:defRPr>
+            </a:lvl9pPr>
+          </a:lstStyle>
+          <a:p>
+            <a:pPr marL="0" marR="0" lvl="0" indent="0" algn="l" defTabSz="914400" rtl="0" eaLnBrk="0" fontAlgn="base" latinLnBrk="0" hangingPunct="0">
+              <a:lnSpc>
+                <a:spcPct val="100000"/>
+              </a:lnSpc>
+              <a:spcBef>
+                <a:spcPct val="0"/>
+              </a:spcBef>
+              <a:spcAft>
+                <a:spcPct val="0"/>
+              </a:spcAft>
+              <a:buClrTx/>
+              <a:buSzTx/>
+              <a:buFontTx/>
+              <a:buNone/>
+              <a:tabLst/>
+            </a:pPr>
+            <a:endParaRPr kumimoji="0" lang="en-US" altLang="en-US" sz="1800" b="0" i="0" u="none" strike="noStrike" cap="none" normalizeH="0" baseline="0" dirty="0" smtClean="0">
+              <a:ln>
+                <a:noFill/>
+              </a:ln>
+              <a:solidFill>
+                <a:schemeClr val="tx1"/>
+              </a:solidFill>
+              <a:effectLst/>
+              <a:latin typeface="Arial" panose="020B0604020202020204" pitchFamily="34" charset="0"/>
+            </a:endParaRPr>
+          </a:p>
+        </p:txBody>
+      </p:sp>
+      <p:sp>
+        <p:nvSpPr>
+          <p:cNvPr id="6" name="Rectangle 3"/>
+          <p:cNvSpPr>
+            <a:spLocks noChangeArrowheads="1"/>
+          </p:cNvSpPr>
+          <p:nvPr/>
+        </p:nvSpPr>
+        <p:spPr bwMode="auto">
+          <a:xfrm>
+            <a:off x="6095967" y="-138499"/>
+            <a:ext cx="65" cy="276999"/>
+          </a:xfrm>
+          <a:prstGeom prst="rect">
+            <a:avLst/>
+          </a:prstGeom>
+          <a:solidFill>
+            <a:srgbClr val="FFFFFF"/>
+          </a:solidFill>
+          <a:ln>
+            <a:noFill/>
+          </a:ln>
+          <a:effectLst/>
+          <a:extLst>
+            <a:ext uri="{91240B29-F687-4F45-9708-019B960494DF}">
+              <a14:hiddenLine xmlns:a14="http://schemas.microsoft.com/office/drawing/2010/main" w="9525">
+                <a:solidFill>
+                  <a:schemeClr val="tx1"/>
+                </a:solidFill>
+                <a:miter lim="800000"/>
+                <a:headEnd/>
+                <a:tailEnd/>
+              </a14:hiddenLine>
+            </a:ext>
+            <a:ext uri="{AF507438-7753-43E0-B8FC-AC1667EBCBE1}">
+              <a14:hiddenEffects xmlns:a14="http://schemas.microsoft.com/office/drawing/2010/main">
+                <a:effectLst>
+                  <a:outerShdw dist="35921" dir="2700000" algn="ctr" rotWithShape="0">
+                    <a:schemeClr val="bg2"/>
+                  </a:outerShdw>
+                </a:effectLst>
+              </a14:hiddenEffects>
+            </a:ext>
+          </a:extLst>
+        </p:spPr>
+        <p:txBody>
+          <a:bodyPr vert="horz" wrap="none" lIns="0" tIns="0" rIns="0" bIns="0" numCol="1" anchor="ctr" anchorCtr="0" compatLnSpc="1">
+            <a:prstTxWarp prst="textNoShape">
+              <a:avLst/>
+            </a:prstTxWarp>
+            <a:spAutoFit/>
+          </a:bodyPr>
+          <a:lstStyle>
+            <a:lvl1pPr eaLnBrk="0" fontAlgn="base" hangingPunct="0">
+              <a:spcBef>
+                <a:spcPct val="0"/>
+              </a:spcBef>
+              <a:spcAft>
+                <a:spcPct val="0"/>
+              </a:spcAft>
+              <a:defRPr>
+                <a:solidFill>
+                  <a:schemeClr val="tx1"/>
+                </a:solidFill>
+                <a:latin typeface="Arial" panose="020B0604020202020204" pitchFamily="34" charset="0"/>
+              </a:defRPr>
+            </a:lvl1pPr>
+            <a:lvl2pPr eaLnBrk="0" fontAlgn="base" hangingPunct="0">
+              <a:spcBef>
+                <a:spcPct val="0"/>
+              </a:spcBef>
+              <a:spcAft>
+                <a:spcPct val="0"/>
+              </a:spcAft>
+              <a:defRPr>
+                <a:solidFill>
+                  <a:schemeClr val="tx1"/>
+                </a:solidFill>
+                <a:latin typeface="Arial" panose="020B0604020202020204" pitchFamily="34" charset="0"/>
+              </a:defRPr>
+            </a:lvl2pPr>
+            <a:lvl3pPr eaLnBrk="0" fontAlgn="base" hangingPunct="0">
+              <a:spcBef>
+                <a:spcPct val="0"/>
+              </a:spcBef>
+              <a:spcAft>
+                <a:spcPct val="0"/>
+              </a:spcAft>
+              <a:defRPr>
+                <a:solidFill>
+                  <a:schemeClr val="tx1"/>
+                </a:solidFill>
+                <a:latin typeface="Arial" panose="020B0604020202020204" pitchFamily="34" charset="0"/>
+              </a:defRPr>
+            </a:lvl3pPr>
+            <a:lvl4pPr eaLnBrk="0" fontAlgn="base" hangingPunct="0">
+              <a:spcBef>
+                <a:spcPct val="0"/>
+              </a:spcBef>
+              <a:spcAft>
+                <a:spcPct val="0"/>
+              </a:spcAft>
+              <a:defRPr>
+                <a:solidFill>
+                  <a:schemeClr val="tx1"/>
+                </a:solidFill>
+                <a:latin typeface="Arial" panose="020B0604020202020204" pitchFamily="34" charset="0"/>
+              </a:defRPr>
+            </a:lvl4pPr>
+            <a:lvl5pPr eaLnBrk="0" fontAlgn="base" hangingPunct="0">
+              <a:spcBef>
+                <a:spcPct val="0"/>
+              </a:spcBef>
+              <a:spcAft>
+                <a:spcPct val="0"/>
+              </a:spcAft>
+              <a:defRPr>
+                <a:solidFill>
+                  <a:schemeClr val="tx1"/>
+                </a:solidFill>
+                <a:latin typeface="Arial" panose="020B0604020202020204" pitchFamily="34" charset="0"/>
+              </a:defRPr>
+            </a:lvl5pPr>
+            <a:lvl6pPr eaLnBrk="0" fontAlgn="base" hangingPunct="0">
+              <a:spcBef>
+                <a:spcPct val="0"/>
+              </a:spcBef>
+              <a:spcAft>
+                <a:spcPct val="0"/>
+              </a:spcAft>
+              <a:defRPr>
+                <a:solidFill>
+                  <a:schemeClr val="tx1"/>
+                </a:solidFill>
+                <a:latin typeface="Arial" panose="020B0604020202020204" pitchFamily="34" charset="0"/>
+              </a:defRPr>
+            </a:lvl6pPr>
+            <a:lvl7pPr eaLnBrk="0" fontAlgn="base" hangingPunct="0">
+              <a:spcBef>
+                <a:spcPct val="0"/>
+              </a:spcBef>
+              <a:spcAft>
+                <a:spcPct val="0"/>
+              </a:spcAft>
+              <a:defRPr>
+                <a:solidFill>
+                  <a:schemeClr val="tx1"/>
+                </a:solidFill>
+                <a:latin typeface="Arial" panose="020B0604020202020204" pitchFamily="34" charset="0"/>
+              </a:defRPr>
+            </a:lvl7pPr>
+            <a:lvl8pPr eaLnBrk="0" fontAlgn="base" hangingPunct="0">
+              <a:spcBef>
+                <a:spcPct val="0"/>
+              </a:spcBef>
+              <a:spcAft>
+                <a:spcPct val="0"/>
+              </a:spcAft>
+              <a:defRPr>
+                <a:solidFill>
+                  <a:schemeClr val="tx1"/>
+                </a:solidFill>
+                <a:latin typeface="Arial" panose="020B0604020202020204" pitchFamily="34" charset="0"/>
+              </a:defRPr>
+            </a:lvl8pPr>
+            <a:lvl9pPr eaLnBrk="0" fontAlgn="base" hangingPunct="0">
+              <a:spcBef>
+                <a:spcPct val="0"/>
+              </a:spcBef>
+              <a:spcAft>
+                <a:spcPct val="0"/>
+              </a:spcAft>
+              <a:defRPr>
+                <a:solidFill>
+                  <a:schemeClr val="tx1"/>
+                </a:solidFill>
+                <a:latin typeface="Arial" panose="020B0604020202020204" pitchFamily="34" charset="0"/>
+              </a:defRPr>
+            </a:lvl9pPr>
+          </a:lstStyle>
+          <a:p>
+            <a:pPr marL="0" marR="0" lvl="0" indent="0" algn="just" defTabSz="914400" rtl="0" eaLnBrk="0" fontAlgn="base" latinLnBrk="0" hangingPunct="0">
+              <a:lnSpc>
+                <a:spcPct val="100000"/>
+              </a:lnSpc>
+              <a:spcBef>
+                <a:spcPct val="0"/>
+              </a:spcBef>
+              <a:spcAft>
+                <a:spcPct val="0"/>
+              </a:spcAft>
+              <a:buClrTx/>
+              <a:buSzTx/>
+              <a:buFontTx/>
+              <a:buNone/>
+              <a:tabLst/>
+            </a:pPr>
+            <a:endParaRPr kumimoji="0" lang="en-US" altLang="en-US" sz="1800" b="0" i="0" u="none" strike="noStrike" cap="none" normalizeH="0" baseline="0" dirty="0" smtClean="0">
+              <a:ln>
+                <a:noFill/>
+              </a:ln>
+              <a:solidFill>
+                <a:schemeClr val="tx1"/>
+              </a:solidFill>
+              <a:effectLst/>
+              <a:latin typeface="Arial" panose="020B0604020202020204" pitchFamily="34" charset="0"/>
+            </a:endParaRPr>
+          </a:p>
+        </p:txBody>
+      </p:sp>
+    </p:spTree>
+    <p:extLst>
+      <p:ext uri="{BB962C8B-B14F-4D97-AF65-F5344CB8AC3E}">
+        <p14:creationId xmlns:p14="http://schemas.microsoft.com/office/powerpoint/2010/main" val="995524896"/>
+      </p:ext>
+    </p:extLst>
+  </p:cSld>
+  <p:clrMapOvr>
+    <a:masterClrMapping/>
+  </p:clrMapOvr>
 </p:sld>
 </file>
 
@@ -21227,11 +28741,11 @@
   <p:clrMapOvr>
     <a:masterClrMapping/>
   </p:clrMapOvr>
-  <mc:AlternateContent xmlns:mc="http://schemas.openxmlformats.org/markup-compatibility/2006">
-    <mc:Choice xmlns:p14="http://schemas.microsoft.com/office/powerpoint/2010/main" Requires="p14">
+  <mc:AlternateContent xmlns:mc="http://schemas.openxmlformats.org/markup-compatibility/2006" xmlns:p14="http://schemas.microsoft.com/office/powerpoint/2010/main">
+    <mc:Choice Requires="p14">
       <p:transition p14:dur="0"/>
     </mc:Choice>
-    <mc:Fallback>
+    <mc:Fallback xmlns="">
       <p:transition/>
     </mc:Fallback>
   </mc:AlternateContent>
@@ -21580,11 +29094,11 @@
   <p:clrMapOvr>
     <a:masterClrMapping/>
   </p:clrMapOvr>
-  <mc:AlternateContent xmlns:mc="http://schemas.openxmlformats.org/markup-compatibility/2006">
-    <mc:Choice xmlns:p14="http://schemas.microsoft.com/office/powerpoint/2010/main" Requires="p14">
+  <mc:AlternateContent xmlns:mc="http://schemas.openxmlformats.org/markup-compatibility/2006" xmlns:p14="http://schemas.microsoft.com/office/powerpoint/2010/main">
+    <mc:Choice Requires="p14">
       <p:transition p14:dur="0"/>
     </mc:Choice>
-    <mc:Fallback>
+    <mc:Fallback xmlns="">
       <p:transition/>
     </mc:Fallback>
   </mc:AlternateContent>
